--- a/Project 2/References/Slides/Project 2- another group.pptx
+++ b/Project 2/References/Slides/Project 2- another group.pptx
@@ -1,49 +1,49 @@
 
 <file path=ppt/presentation.xml><?xml version="1.0" encoding="utf-8"?>
-<p:presentation xmlns:a="http://schemas.openxmlformats.org/drawingml/2006/main" xmlns:r="http://schemas.openxmlformats.org/officeDocument/2006/relationships" xmlns:mc="http://schemas.openxmlformats.org/markup-compatibility/2006" xmlns:mv="urn:schemas-microsoft-com:mac:vml" xmlns:p="http://schemas.openxmlformats.org/presentationml/2006/main" xmlns:c="http://schemas.openxmlformats.org/drawingml/2006/chart" xmlns:dgm="http://schemas.openxmlformats.org/drawingml/2006/diagram" xmlns:o="urn:schemas-microsoft-com:office:office" xmlns:v="urn:schemas-microsoft-com:vml" xmlns:pvml="urn:schemas-microsoft-com:office:powerpoint" xmlns:com="http://schemas.openxmlformats.org/drawingml/2006/compatibility" xmlns:p14="http://schemas.microsoft.com/office/powerpoint/2010/main" xmlns:p15="http://schemas.microsoft.com/office/powerpoint/2012/main" xmlns:ahyp="http://schemas.microsoft.com/office/drawing/2018/hyperlinkcolor" autoCompressPictures="0" embedTrueTypeFonts="1" strictFirstAndLastChars="0" saveSubsetFonts="1">
+<p:presentation xmlns:a="http://schemas.openxmlformats.org/drawingml/2006/main" xmlns:r="http://schemas.openxmlformats.org/officeDocument/2006/relationships" xmlns:p="http://schemas.openxmlformats.org/presentationml/2006/main" strictFirstAndLastChars="0" embedTrueTypeFonts="1" saveSubsetFonts="1" autoCompressPictures="0">
   <p:sldMasterIdLst>
-    <p:sldMasterId id="2147483659" r:id="rId4"/>
+    <p:sldMasterId id="2147483659" r:id="rId1"/>
   </p:sldMasterIdLst>
   <p:notesMasterIdLst>
-    <p:notesMasterId r:id="rId5"/>
+    <p:notesMasterId r:id="rId17"/>
   </p:notesMasterIdLst>
   <p:sldIdLst>
-    <p:sldId id="256" r:id="rId6"/>
-    <p:sldId id="257" r:id="rId7"/>
-    <p:sldId id="258" r:id="rId8"/>
-    <p:sldId id="259" r:id="rId9"/>
-    <p:sldId id="260" r:id="rId10"/>
-    <p:sldId id="261" r:id="rId11"/>
-    <p:sldId id="262" r:id="rId12"/>
-    <p:sldId id="263" r:id="rId13"/>
-    <p:sldId id="264" r:id="rId14"/>
-    <p:sldId id="265" r:id="rId15"/>
-    <p:sldId id="266" r:id="rId16"/>
-    <p:sldId id="267" r:id="rId17"/>
-    <p:sldId id="268" r:id="rId18"/>
-    <p:sldId id="269" r:id="rId19"/>
-    <p:sldId id="270" r:id="rId20"/>
+    <p:sldId id="256" r:id="rId2"/>
+    <p:sldId id="257" r:id="rId3"/>
+    <p:sldId id="258" r:id="rId4"/>
+    <p:sldId id="259" r:id="rId5"/>
+    <p:sldId id="260" r:id="rId6"/>
+    <p:sldId id="261" r:id="rId7"/>
+    <p:sldId id="262" r:id="rId8"/>
+    <p:sldId id="263" r:id="rId9"/>
+    <p:sldId id="264" r:id="rId10"/>
+    <p:sldId id="265" r:id="rId11"/>
+    <p:sldId id="266" r:id="rId12"/>
+    <p:sldId id="267" r:id="rId13"/>
+    <p:sldId id="268" r:id="rId14"/>
+    <p:sldId id="269" r:id="rId15"/>
+    <p:sldId id="270" r:id="rId16"/>
   </p:sldIdLst>
-  <p:sldSz cy="5143500" cx="9144000"/>
+  <p:sldSz cx="9144000" cy="5143500" type="screen16x9"/>
   <p:notesSz cx="6858000" cy="9144000"/>
   <p:embeddedFontLst>
     <p:embeddedFont>
-      <p:font typeface="Playfair Display"/>
-      <p:regular r:id="rId21"/>
-      <p:bold r:id="rId22"/>
-      <p:italic r:id="rId23"/>
-      <p:boldItalic r:id="rId24"/>
+      <p:font typeface="Lato" panose="020F0502020204030203" pitchFamily="34" charset="0"/>
+      <p:regular r:id="rId18"/>
+      <p:bold r:id="rId19"/>
+      <p:italic r:id="rId20"/>
+      <p:boldItalic r:id="rId21"/>
     </p:embeddedFont>
     <p:embeddedFont>
-      <p:font typeface="Lato"/>
-      <p:regular r:id="rId25"/>
-      <p:bold r:id="rId26"/>
-      <p:italic r:id="rId27"/>
-      <p:boldItalic r:id="rId28"/>
+      <p:font typeface="Playfair Display" panose="00000500000000000000" pitchFamily="2" charset="0"/>
+      <p:regular r:id="rId22"/>
+      <p:bold r:id="rId23"/>
+      <p:italic r:id="rId24"/>
+      <p:boldItalic r:id="rId25"/>
     </p:embeddedFont>
   </p:embeddedFontLst>
   <p:defaultTextStyle>
-    <a:defPPr lvl="0" marR="0" rtl="0" algn="l">
+    <a:defPPr marR="0" lvl="0" algn="l" rtl="0">
       <a:lnSpc>
         <a:spcPct val="100000"/>
       </a:lnSpc>
@@ -54,7 +54,7 @@
         <a:spcPts val="0"/>
       </a:spcAft>
     </a:defPPr>
-    <a:lvl1pPr lvl="0" marR="0" rtl="0" algn="l">
+    <a:lvl1pPr marR="0" lvl="0" algn="l" rtl="0">
       <a:lnSpc>
         <a:spcPct val="100000"/>
       </a:lnSpc>
@@ -68,7 +68,7 @@
         <a:srgbClr val="000000"/>
       </a:buClr>
       <a:buFont typeface="Arial"/>
-      <a:defRPr b="0" i="0" sz="1400" u="none" cap="none" strike="noStrike">
+      <a:defRPr sz="1400" b="0" i="0" u="none" strike="noStrike" cap="none">
         <a:solidFill>
           <a:srgbClr val="000000"/>
         </a:solidFill>
@@ -78,7 +78,7 @@
         <a:sym typeface="Arial"/>
       </a:defRPr>
     </a:lvl1pPr>
-    <a:lvl2pPr lvl="1" marR="0" rtl="0" algn="l">
+    <a:lvl2pPr marR="0" lvl="1" algn="l" rtl="0">
       <a:lnSpc>
         <a:spcPct val="100000"/>
       </a:lnSpc>
@@ -92,7 +92,7 @@
         <a:srgbClr val="000000"/>
       </a:buClr>
       <a:buFont typeface="Arial"/>
-      <a:defRPr b="0" i="0" sz="1400" u="none" cap="none" strike="noStrike">
+      <a:defRPr sz="1400" b="0" i="0" u="none" strike="noStrike" cap="none">
         <a:solidFill>
           <a:srgbClr val="000000"/>
         </a:solidFill>
@@ -102,7 +102,7 @@
         <a:sym typeface="Arial"/>
       </a:defRPr>
     </a:lvl2pPr>
-    <a:lvl3pPr lvl="2" marR="0" rtl="0" algn="l">
+    <a:lvl3pPr marR="0" lvl="2" algn="l" rtl="0">
       <a:lnSpc>
         <a:spcPct val="100000"/>
       </a:lnSpc>
@@ -116,7 +116,7 @@
         <a:srgbClr val="000000"/>
       </a:buClr>
       <a:buFont typeface="Arial"/>
-      <a:defRPr b="0" i="0" sz="1400" u="none" cap="none" strike="noStrike">
+      <a:defRPr sz="1400" b="0" i="0" u="none" strike="noStrike" cap="none">
         <a:solidFill>
           <a:srgbClr val="000000"/>
         </a:solidFill>
@@ -126,7 +126,7 @@
         <a:sym typeface="Arial"/>
       </a:defRPr>
     </a:lvl3pPr>
-    <a:lvl4pPr lvl="3" marR="0" rtl="0" algn="l">
+    <a:lvl4pPr marR="0" lvl="3" algn="l" rtl="0">
       <a:lnSpc>
         <a:spcPct val="100000"/>
       </a:lnSpc>
@@ -140,7 +140,7 @@
         <a:srgbClr val="000000"/>
       </a:buClr>
       <a:buFont typeface="Arial"/>
-      <a:defRPr b="0" i="0" sz="1400" u="none" cap="none" strike="noStrike">
+      <a:defRPr sz="1400" b="0" i="0" u="none" strike="noStrike" cap="none">
         <a:solidFill>
           <a:srgbClr val="000000"/>
         </a:solidFill>
@@ -150,7 +150,7 @@
         <a:sym typeface="Arial"/>
       </a:defRPr>
     </a:lvl4pPr>
-    <a:lvl5pPr lvl="4" marR="0" rtl="0" algn="l">
+    <a:lvl5pPr marR="0" lvl="4" algn="l" rtl="0">
       <a:lnSpc>
         <a:spcPct val="100000"/>
       </a:lnSpc>
@@ -164,7 +164,7 @@
         <a:srgbClr val="000000"/>
       </a:buClr>
       <a:buFont typeface="Arial"/>
-      <a:defRPr b="0" i="0" sz="1400" u="none" cap="none" strike="noStrike">
+      <a:defRPr sz="1400" b="0" i="0" u="none" strike="noStrike" cap="none">
         <a:solidFill>
           <a:srgbClr val="000000"/>
         </a:solidFill>
@@ -174,7 +174,7 @@
         <a:sym typeface="Arial"/>
       </a:defRPr>
     </a:lvl5pPr>
-    <a:lvl6pPr lvl="5" marR="0" rtl="0" algn="l">
+    <a:lvl6pPr marR="0" lvl="5" algn="l" rtl="0">
       <a:lnSpc>
         <a:spcPct val="100000"/>
       </a:lnSpc>
@@ -188,7 +188,7 @@
         <a:srgbClr val="000000"/>
       </a:buClr>
       <a:buFont typeface="Arial"/>
-      <a:defRPr b="0" i="0" sz="1400" u="none" cap="none" strike="noStrike">
+      <a:defRPr sz="1400" b="0" i="0" u="none" strike="noStrike" cap="none">
         <a:solidFill>
           <a:srgbClr val="000000"/>
         </a:solidFill>
@@ -198,7 +198,7 @@
         <a:sym typeface="Arial"/>
       </a:defRPr>
     </a:lvl6pPr>
-    <a:lvl7pPr lvl="6" marR="0" rtl="0" algn="l">
+    <a:lvl7pPr marR="0" lvl="6" algn="l" rtl="0">
       <a:lnSpc>
         <a:spcPct val="100000"/>
       </a:lnSpc>
@@ -212,7 +212,7 @@
         <a:srgbClr val="000000"/>
       </a:buClr>
       <a:buFont typeface="Arial"/>
-      <a:defRPr b="0" i="0" sz="1400" u="none" cap="none" strike="noStrike">
+      <a:defRPr sz="1400" b="0" i="0" u="none" strike="noStrike" cap="none">
         <a:solidFill>
           <a:srgbClr val="000000"/>
         </a:solidFill>
@@ -222,7 +222,7 @@
         <a:sym typeface="Arial"/>
       </a:defRPr>
     </a:lvl7pPr>
-    <a:lvl8pPr lvl="7" marR="0" rtl="0" algn="l">
+    <a:lvl8pPr marR="0" lvl="7" algn="l" rtl="0">
       <a:lnSpc>
         <a:spcPct val="100000"/>
       </a:lnSpc>
@@ -236,7 +236,7 @@
         <a:srgbClr val="000000"/>
       </a:buClr>
       <a:buFont typeface="Arial"/>
-      <a:defRPr b="0" i="0" sz="1400" u="none" cap="none" strike="noStrike">
+      <a:defRPr sz="1400" b="0" i="0" u="none" strike="noStrike" cap="none">
         <a:solidFill>
           <a:srgbClr val="000000"/>
         </a:solidFill>
@@ -246,7 +246,7 @@
         <a:sym typeface="Arial"/>
       </a:defRPr>
     </a:lvl8pPr>
-    <a:lvl9pPr lvl="8" marR="0" rtl="0" algn="l">
+    <a:lvl9pPr marR="0" lvl="8" algn="l" rtl="0">
       <a:lnSpc>
         <a:spcPct val="100000"/>
       </a:lnSpc>
@@ -260,7 +260,7 @@
         <a:srgbClr val="000000"/>
       </a:buClr>
       <a:buFont typeface="Arial"/>
-      <a:defRPr b="0" i="0" sz="1400" u="none" cap="none" strike="noStrike">
+      <a:defRPr sz="1400" b="0" i="0" u="none" strike="noStrike" cap="none">
         <a:solidFill>
           <a:srgbClr val="000000"/>
         </a:solidFill>
@@ -273,7 +273,7 @@
   </p:defaultTextStyle>
   <p:extLst>
     <p:ext uri="{EFAFB233-063F-42B5-8137-9DF3F51BA10A}">
-      <p15:sldGuideLst>
+      <p15:sldGuideLst xmlns:p15="http://schemas.microsoft.com/office/powerpoint/2012/main">
         <p15:guide id="1" orient="horz" pos="1620">
           <p15:clr>
             <a:srgbClr val="A4A3A4"/>
@@ -290,12 +290,186 @@
 </p:presentation>
 </file>
 
+<file path=ppt/revisionInfo.xml><?xml version="1.0" encoding="utf-8"?>
+<p1510:revInfo xmlns:a="http://schemas.openxmlformats.org/drawingml/2006/main" xmlns:r="http://schemas.openxmlformats.org/officeDocument/2006/relationships" xmlns:p1510="http://schemas.microsoft.com/office/powerpoint/2015/10/main">
+  <p1510:revLst>
+    <p1510:client id="{012CEC1B-C1C4-46D2-8F7F-C8ADBEA8754E}" v="3" dt="2023-02-27T14:50:54.139"/>
+  </p1510:revLst>
+</p1510:revInfo>
+</file>
+
+<file path=ppt/changesInfos/changesInfo1.xml><?xml version="1.0" encoding="utf-8"?>
+<pc:chgInfo xmlns:a="http://schemas.openxmlformats.org/drawingml/2006/main" xmlns:r="http://schemas.openxmlformats.org/officeDocument/2006/relationships" xmlns:ac="http://schemas.microsoft.com/office/drawing/2013/main/command" xmlns:pc="http://schemas.microsoft.com/office/powerpoint/2013/main/command">
+  <pc:docChgLst>
+    <pc:chgData name="#CHONG WEI KANG#" userId="60ae6041-1c33-44b0-a58f-c44f2bfb570d" providerId="ADAL" clId="{012CEC1B-C1C4-46D2-8F7F-C8ADBEA8754E}"/>
+    <pc:docChg chg="undo custSel modSld">
+      <pc:chgData name="#CHONG WEI KANG#" userId="60ae6041-1c33-44b0-a58f-c44f2bfb570d" providerId="ADAL" clId="{012CEC1B-C1C4-46D2-8F7F-C8ADBEA8754E}" dt="2023-02-27T15:02:03.286" v="140" actId="14100"/>
+      <pc:docMkLst>
+        <pc:docMk/>
+      </pc:docMkLst>
+      <pc:sldChg chg="modSp mod">
+        <pc:chgData name="#CHONG WEI KANG#" userId="60ae6041-1c33-44b0-a58f-c44f2bfb570d" providerId="ADAL" clId="{012CEC1B-C1C4-46D2-8F7F-C8ADBEA8754E}" dt="2023-02-27T14:49:03.636" v="62" actId="27636"/>
+        <pc:sldMkLst>
+          <pc:docMk/>
+          <pc:sldMk cId="0" sldId="256"/>
+        </pc:sldMkLst>
+        <pc:spChg chg="mod">
+          <ac:chgData name="#CHONG WEI KANG#" userId="60ae6041-1c33-44b0-a58f-c44f2bfb570d" providerId="ADAL" clId="{012CEC1B-C1C4-46D2-8F7F-C8ADBEA8754E}" dt="2023-02-27T14:49:03.636" v="62" actId="27636"/>
+          <ac:spMkLst>
+            <pc:docMk/>
+            <pc:sldMk cId="0" sldId="256"/>
+            <ac:spMk id="60" creationId="{00000000-0000-0000-0000-000000000000}"/>
+          </ac:spMkLst>
+        </pc:spChg>
+      </pc:sldChg>
+      <pc:sldChg chg="addSp delSp modSp mod">
+        <pc:chgData name="#CHONG WEI KANG#" userId="60ae6041-1c33-44b0-a58f-c44f2bfb570d" providerId="ADAL" clId="{012CEC1B-C1C4-46D2-8F7F-C8ADBEA8754E}" dt="2023-02-27T15:02:03.286" v="140" actId="14100"/>
+        <pc:sldMkLst>
+          <pc:docMk/>
+          <pc:sldMk cId="0" sldId="259"/>
+        </pc:sldMkLst>
+        <pc:spChg chg="add del mod">
+          <ac:chgData name="#CHONG WEI KANG#" userId="60ae6041-1c33-44b0-a58f-c44f2bfb570d" providerId="ADAL" clId="{012CEC1B-C1C4-46D2-8F7F-C8ADBEA8754E}" dt="2023-02-27T14:49:00.807" v="39"/>
+          <ac:spMkLst>
+            <pc:docMk/>
+            <pc:sldMk cId="0" sldId="259"/>
+            <ac:spMk id="2" creationId="{35409D3C-6823-4904-3063-8A8984715C20}"/>
+          </ac:spMkLst>
+        </pc:spChg>
+        <pc:spChg chg="add mod">
+          <ac:chgData name="#CHONG WEI KANG#" userId="60ae6041-1c33-44b0-a58f-c44f2bfb570d" providerId="ADAL" clId="{012CEC1B-C1C4-46D2-8F7F-C8ADBEA8754E}" dt="2023-02-27T14:51:49.749" v="111" actId="14100"/>
+          <ac:spMkLst>
+            <pc:docMk/>
+            <pc:sldMk cId="0" sldId="259"/>
+            <ac:spMk id="3" creationId="{AD42DB98-F80A-EE18-5CE8-A67AA50086BE}"/>
+          </ac:spMkLst>
+        </pc:spChg>
+        <pc:spChg chg="mod">
+          <ac:chgData name="#CHONG WEI KANG#" userId="60ae6041-1c33-44b0-a58f-c44f2bfb570d" providerId="ADAL" clId="{012CEC1B-C1C4-46D2-8F7F-C8ADBEA8754E}" dt="2023-02-27T15:02:03.286" v="140" actId="14100"/>
+          <ac:spMkLst>
+            <pc:docMk/>
+            <pc:sldMk cId="0" sldId="259"/>
+            <ac:spMk id="83" creationId="{00000000-0000-0000-0000-000000000000}"/>
+          </ac:spMkLst>
+        </pc:spChg>
+        <pc:spChg chg="mod">
+          <ac:chgData name="#CHONG WEI KANG#" userId="60ae6041-1c33-44b0-a58f-c44f2bfb570d" providerId="ADAL" clId="{012CEC1B-C1C4-46D2-8F7F-C8ADBEA8754E}" dt="2023-02-27T14:49:50.933" v="67" actId="1076"/>
+          <ac:spMkLst>
+            <pc:docMk/>
+            <pc:sldMk cId="0" sldId="259"/>
+            <ac:spMk id="85" creationId="{00000000-0000-0000-0000-000000000000}"/>
+          </ac:spMkLst>
+        </pc:spChg>
+        <pc:spChg chg="mod">
+          <ac:chgData name="#CHONG WEI KANG#" userId="60ae6041-1c33-44b0-a58f-c44f2bfb570d" providerId="ADAL" clId="{012CEC1B-C1C4-46D2-8F7F-C8ADBEA8754E}" dt="2023-02-27T14:49:03.618" v="60" actId="20577"/>
+          <ac:spMkLst>
+            <pc:docMk/>
+            <pc:sldMk cId="0" sldId="259"/>
+            <ac:spMk id="86" creationId="{00000000-0000-0000-0000-000000000000}"/>
+          </ac:spMkLst>
+        </pc:spChg>
+        <pc:spChg chg="mod">
+          <ac:chgData name="#CHONG WEI KANG#" userId="60ae6041-1c33-44b0-a58f-c44f2bfb570d" providerId="ADAL" clId="{012CEC1B-C1C4-46D2-8F7F-C8ADBEA8754E}" dt="2023-02-27T14:49:14.756" v="66" actId="20577"/>
+          <ac:spMkLst>
+            <pc:docMk/>
+            <pc:sldMk cId="0" sldId="259"/>
+            <ac:spMk id="87" creationId="{00000000-0000-0000-0000-000000000000}"/>
+          </ac:spMkLst>
+        </pc:spChg>
+        <pc:spChg chg="mod">
+          <ac:chgData name="#CHONG WEI KANG#" userId="60ae6041-1c33-44b0-a58f-c44f2bfb570d" providerId="ADAL" clId="{012CEC1B-C1C4-46D2-8F7F-C8ADBEA8754E}" dt="2023-02-27T14:50:53.069" v="70" actId="1076"/>
+          <ac:spMkLst>
+            <pc:docMk/>
+            <pc:sldMk cId="0" sldId="259"/>
+            <ac:spMk id="88" creationId="{00000000-0000-0000-0000-000000000000}"/>
+          </ac:spMkLst>
+        </pc:spChg>
+        <pc:picChg chg="mod">
+          <ac:chgData name="#CHONG WEI KANG#" userId="60ae6041-1c33-44b0-a58f-c44f2bfb570d" providerId="ADAL" clId="{012CEC1B-C1C4-46D2-8F7F-C8ADBEA8754E}" dt="2023-02-27T14:50:56.188" v="73" actId="1076"/>
+          <ac:picMkLst>
+            <pc:docMk/>
+            <pc:sldMk cId="0" sldId="259"/>
+            <ac:picMk id="80" creationId="{00000000-0000-0000-0000-000000000000}"/>
+          </ac:picMkLst>
+        </pc:picChg>
+      </pc:sldChg>
+      <pc:sldChg chg="modSp mod">
+        <pc:chgData name="#CHONG WEI KANG#" userId="60ae6041-1c33-44b0-a58f-c44f2bfb570d" providerId="ADAL" clId="{012CEC1B-C1C4-46D2-8F7F-C8ADBEA8754E}" dt="2023-02-27T14:59:04.502" v="135" actId="20577"/>
+        <pc:sldMkLst>
+          <pc:docMk/>
+          <pc:sldMk cId="0" sldId="260"/>
+        </pc:sldMkLst>
+        <pc:spChg chg="mod">
+          <ac:chgData name="#CHONG WEI KANG#" userId="60ae6041-1c33-44b0-a58f-c44f2bfb570d" providerId="ADAL" clId="{012CEC1B-C1C4-46D2-8F7F-C8ADBEA8754E}" dt="2023-02-27T14:59:04.502" v="135" actId="20577"/>
+          <ac:spMkLst>
+            <pc:docMk/>
+            <pc:sldMk cId="0" sldId="260"/>
+            <ac:spMk id="94" creationId="{00000000-0000-0000-0000-000000000000}"/>
+          </ac:spMkLst>
+        </pc:spChg>
+      </pc:sldChg>
+      <pc:sldChg chg="modSp mod">
+        <pc:chgData name="#CHONG WEI KANG#" userId="60ae6041-1c33-44b0-a58f-c44f2bfb570d" providerId="ADAL" clId="{012CEC1B-C1C4-46D2-8F7F-C8ADBEA8754E}" dt="2023-02-27T14:41:20.304" v="16" actId="20577"/>
+        <pc:sldMkLst>
+          <pc:docMk/>
+          <pc:sldMk cId="0" sldId="263"/>
+        </pc:sldMkLst>
+        <pc:spChg chg="mod">
+          <ac:chgData name="#CHONG WEI KANG#" userId="60ae6041-1c33-44b0-a58f-c44f2bfb570d" providerId="ADAL" clId="{012CEC1B-C1C4-46D2-8F7F-C8ADBEA8754E}" dt="2023-02-27T14:40:53.031" v="8" actId="14100"/>
+          <ac:spMkLst>
+            <pc:docMk/>
+            <pc:sldMk cId="0" sldId="263"/>
+            <ac:spMk id="116" creationId="{00000000-0000-0000-0000-000000000000}"/>
+          </ac:spMkLst>
+        </pc:spChg>
+        <pc:spChg chg="mod">
+          <ac:chgData name="#CHONG WEI KANG#" userId="60ae6041-1c33-44b0-a58f-c44f2bfb570d" providerId="ADAL" clId="{012CEC1B-C1C4-46D2-8F7F-C8ADBEA8754E}" dt="2023-02-27T14:41:14.583" v="12" actId="20577"/>
+          <ac:spMkLst>
+            <pc:docMk/>
+            <pc:sldMk cId="0" sldId="263"/>
+            <ac:spMk id="119" creationId="{00000000-0000-0000-0000-000000000000}"/>
+          </ac:spMkLst>
+        </pc:spChg>
+        <pc:spChg chg="mod">
+          <ac:chgData name="#CHONG WEI KANG#" userId="60ae6041-1c33-44b0-a58f-c44f2bfb570d" providerId="ADAL" clId="{012CEC1B-C1C4-46D2-8F7F-C8ADBEA8754E}" dt="2023-02-27T14:41:20.304" v="16" actId="20577"/>
+          <ac:spMkLst>
+            <pc:docMk/>
+            <pc:sldMk cId="0" sldId="263"/>
+            <ac:spMk id="120" creationId="{00000000-0000-0000-0000-000000000000}"/>
+          </ac:spMkLst>
+        </pc:spChg>
+      </pc:sldChg>
+      <pc:sldChg chg="modSp mod">
+        <pc:chgData name="#CHONG WEI KANG#" userId="60ae6041-1c33-44b0-a58f-c44f2bfb570d" providerId="ADAL" clId="{012CEC1B-C1C4-46D2-8F7F-C8ADBEA8754E}" dt="2023-02-27T14:49:03.632" v="61" actId="27636"/>
+        <pc:sldMkLst>
+          <pc:docMk/>
+          <pc:sldMk cId="0" sldId="266"/>
+        </pc:sldMkLst>
+        <pc:spChg chg="mod">
+          <ac:chgData name="#CHONG WEI KANG#" userId="60ae6041-1c33-44b0-a58f-c44f2bfb570d" providerId="ADAL" clId="{012CEC1B-C1C4-46D2-8F7F-C8ADBEA8754E}" dt="2023-02-27T14:49:03.632" v="61" actId="27636"/>
+          <ac:spMkLst>
+            <pc:docMk/>
+            <pc:sldMk cId="0" sldId="266"/>
+            <ac:spMk id="139" creationId="{00000000-0000-0000-0000-000000000000}"/>
+          </ac:spMkLst>
+        </pc:spChg>
+      </pc:sldChg>
+    </pc:docChg>
+  </pc:docChgLst>
+</pc:chgInfo>
+</file>
+
 <file path=ppt/notesMasters/notesMaster1.xml><?xml version="1.0" encoding="utf-8"?>
-<p:notesMaster xmlns:a="http://schemas.openxmlformats.org/drawingml/2006/main" xmlns:r="http://schemas.openxmlformats.org/officeDocument/2006/relationships" xmlns:mc="http://schemas.openxmlformats.org/markup-compatibility/2006" xmlns:mv="urn:schemas-microsoft-com:mac:vml" xmlns:p="http://schemas.openxmlformats.org/presentationml/2006/main" xmlns:c="http://schemas.openxmlformats.org/drawingml/2006/chart" xmlns:dgm="http://schemas.openxmlformats.org/drawingml/2006/diagram" xmlns:o="urn:schemas-microsoft-com:office:office" xmlns:v="urn:schemas-microsoft-com:vml" xmlns:pvml="urn:schemas-microsoft-com:office:powerpoint" xmlns:com="http://schemas.openxmlformats.org/drawingml/2006/compatibility" xmlns:p14="http://schemas.microsoft.com/office/powerpoint/2010/main" xmlns:p15="http://schemas.microsoft.com/office/powerpoint/2012/main" xmlns:ahyp="http://schemas.microsoft.com/office/drawing/2018/hyperlinkcolor">
+<p:notesMaster xmlns:a="http://schemas.openxmlformats.org/drawingml/2006/main" xmlns:r="http://schemas.openxmlformats.org/officeDocument/2006/relationships" xmlns:p="http://schemas.openxmlformats.org/presentationml/2006/main">
   <p:cSld>
+    <p:bg>
+      <p:bgRef idx="1001">
+        <a:schemeClr val="bg1"/>
+      </p:bgRef>
+    </p:bg>
     <p:spTree>
       <p:nvGrpSpPr>
-        <p:cNvPr id="2" name="Shape 2"/>
+        <p:cNvPr id="1" name="Shape 2"/>
         <p:cNvGrpSpPr/>
         <p:nvPr/>
       </p:nvGrpSpPr>
@@ -310,9 +484,11 @@
       <p:sp>
         <p:nvSpPr>
           <p:cNvPr id="3" name="Google Shape;3;n"/>
-          <p:cNvSpPr/>
+          <p:cNvSpPr>
+            <a:spLocks noGrp="1" noRot="1" noChangeAspect="1"/>
+          </p:cNvSpPr>
           <p:nvPr>
-            <p:ph idx="2" type="sldImg"/>
+            <p:ph type="sldImg" idx="2"/>
           </p:nvPr>
         </p:nvSpPr>
         <p:spPr>
@@ -321,9 +497,13 @@
             <a:ext cx="6096075" cy="3429000"/>
           </a:xfrm>
           <a:custGeom>
-            <a:rect b="b" l="l" r="r" t="t"/>
+            <a:avLst/>
+            <a:gdLst/>
+            <a:ahLst/>
+            <a:cxnLst/>
+            <a:rect l="l" t="t" r="r" b="b"/>
             <a:pathLst>
-              <a:path extrusionOk="0" h="120000" w="120000">
+              <a:path w="120000" h="120000" extrusionOk="0">
                 <a:moveTo>
                   <a:pt x="0" y="0"/>
                 </a:moveTo>
@@ -341,23 +521,25 @@
             </a:pathLst>
           </a:custGeom>
           <a:noFill/>
-          <a:ln cap="flat" cmpd="sng" w="9525">
+          <a:ln w="9525" cap="flat" cmpd="sng">
             <a:solidFill>
               <a:srgbClr val="000000"/>
             </a:solidFill>
             <a:prstDash val="solid"/>
             <a:round/>
-            <a:headEnd len="sm" w="sm" type="none"/>
-            <a:tailEnd len="sm" w="sm" type="none"/>
+            <a:headEnd type="none" w="sm" len="sm"/>
+            <a:tailEnd type="none" w="sm" len="sm"/>
           </a:ln>
         </p:spPr>
       </p:sp>
       <p:sp>
         <p:nvSpPr>
           <p:cNvPr id="4" name="Google Shape;4;n"/>
-          <p:cNvSpPr txBox="1"/>
+          <p:cNvSpPr txBox="1">
+            <a:spLocks noGrp="1"/>
+          </p:cNvSpPr>
           <p:nvPr>
-            <p:ph idx="1" type="body"/>
+            <p:ph type="body" idx="1"/>
           </p:nvPr>
         </p:nvSpPr>
         <p:spPr>
@@ -374,11 +556,11 @@
           </a:ln>
         </p:spPr>
         <p:txBody>
-          <a:bodyPr anchorCtr="0" anchor="t" bIns="91425" lIns="91425" spcFirstLastPara="1" rIns="91425" wrap="square" tIns="91425">
+          <a:bodyPr spcFirstLastPara="1" wrap="square" lIns="91425" tIns="91425" rIns="91425" bIns="91425" anchor="t" anchorCtr="0">
             <a:noAutofit/>
           </a:bodyPr>
           <a:lstStyle>
-            <a:lvl1pPr indent="-298450" lvl="0" marL="457200">
+            <a:lvl1pPr marL="457200" lvl="0" indent="-298450">
               <a:spcBef>
                 <a:spcPts val="0"/>
               </a:spcBef>
@@ -389,7 +571,7 @@
               <a:buChar char="●"/>
               <a:defRPr sz="1100"/>
             </a:lvl1pPr>
-            <a:lvl2pPr indent="-298450" lvl="1" marL="914400">
+            <a:lvl2pPr marL="914400" lvl="1" indent="-298450">
               <a:spcBef>
                 <a:spcPts val="0"/>
               </a:spcBef>
@@ -400,7 +582,7 @@
               <a:buChar char="○"/>
               <a:defRPr sz="1100"/>
             </a:lvl2pPr>
-            <a:lvl3pPr indent="-298450" lvl="2" marL="1371600">
+            <a:lvl3pPr marL="1371600" lvl="2" indent="-298450">
               <a:spcBef>
                 <a:spcPts val="0"/>
               </a:spcBef>
@@ -411,7 +593,7 @@
               <a:buChar char="■"/>
               <a:defRPr sz="1100"/>
             </a:lvl3pPr>
-            <a:lvl4pPr indent="-298450" lvl="3" marL="1828800">
+            <a:lvl4pPr marL="1828800" lvl="3" indent="-298450">
               <a:spcBef>
                 <a:spcPts val="0"/>
               </a:spcBef>
@@ -422,7 +604,7 @@
               <a:buChar char="●"/>
               <a:defRPr sz="1100"/>
             </a:lvl4pPr>
-            <a:lvl5pPr indent="-298450" lvl="4" marL="2286000">
+            <a:lvl5pPr marL="2286000" lvl="4" indent="-298450">
               <a:spcBef>
                 <a:spcPts val="0"/>
               </a:spcBef>
@@ -433,7 +615,7 @@
               <a:buChar char="○"/>
               <a:defRPr sz="1100"/>
             </a:lvl5pPr>
-            <a:lvl6pPr indent="-298450" lvl="5" marL="2743200">
+            <a:lvl6pPr marL="2743200" lvl="5" indent="-298450">
               <a:spcBef>
                 <a:spcPts val="0"/>
               </a:spcBef>
@@ -444,7 +626,7 @@
               <a:buChar char="■"/>
               <a:defRPr sz="1100"/>
             </a:lvl6pPr>
-            <a:lvl7pPr indent="-298450" lvl="6" marL="3200400">
+            <a:lvl7pPr marL="3200400" lvl="6" indent="-298450">
               <a:spcBef>
                 <a:spcPts val="0"/>
               </a:spcBef>
@@ -455,7 +637,7 @@
               <a:buChar char="●"/>
               <a:defRPr sz="1100"/>
             </a:lvl7pPr>
-            <a:lvl8pPr indent="-298450" lvl="7" marL="3657600">
+            <a:lvl8pPr marL="3657600" lvl="7" indent="-298450">
               <a:spcBef>
                 <a:spcPts val="0"/>
               </a:spcBef>
@@ -466,7 +648,7 @@
               <a:buChar char="○"/>
               <a:defRPr sz="1100"/>
             </a:lvl8pPr>
-            <a:lvl9pPr indent="-298450" lvl="8" marL="4114800">
+            <a:lvl9pPr marL="4114800" lvl="8" indent="-298450">
               <a:spcBef>
                 <a:spcPts val="0"/>
               </a:spcBef>
@@ -478,14 +660,16 @@
               <a:defRPr sz="1100"/>
             </a:lvl9pPr>
           </a:lstStyle>
-          <a:p/>
+          <a:p>
+            <a:endParaRPr/>
+          </a:p>
         </p:txBody>
       </p:sp>
     </p:spTree>
   </p:cSld>
-  <p:clrMap accent1="accent1" accent2="accent2" accent3="accent3" accent4="accent4" accent5="accent5" accent6="accent6" bg1="lt1" bg2="dk2" tx1="dk1" tx2="lt2" folHlink="folHlink" hlink="hlink"/>
+  <p:clrMap bg1="lt1" tx1="dk1" bg2="dk2" tx2="lt2" accent1="accent1" accent2="accent2" accent3="accent3" accent4="accent4" accent5="accent5" accent6="accent6" hlink="hlink" folHlink="folHlink"/>
   <p:notesStyle>
-    <a:defPPr lvl="0" marR="0" rtl="0" algn="l">
+    <a:defPPr marR="0" lvl="0" algn="l" rtl="0">
       <a:lnSpc>
         <a:spcPct val="100000"/>
       </a:lnSpc>
@@ -496,7 +680,7 @@
         <a:spcPts val="0"/>
       </a:spcAft>
     </a:defPPr>
-    <a:lvl1pPr lvl="0" marR="0" rtl="0" algn="l">
+    <a:lvl1pPr marR="0" lvl="0" algn="l" rtl="0">
       <a:lnSpc>
         <a:spcPct val="100000"/>
       </a:lnSpc>
@@ -510,7 +694,7 @@
         <a:srgbClr val="000000"/>
       </a:buClr>
       <a:buFont typeface="Arial"/>
-      <a:defRPr b="0" i="0" sz="1400" u="none" cap="none" strike="noStrike">
+      <a:defRPr sz="1400" b="0" i="0" u="none" strike="noStrike" cap="none">
         <a:solidFill>
           <a:srgbClr val="000000"/>
         </a:solidFill>
@@ -520,7 +704,7 @@
         <a:sym typeface="Arial"/>
       </a:defRPr>
     </a:lvl1pPr>
-    <a:lvl2pPr lvl="1" marR="0" rtl="0" algn="l">
+    <a:lvl2pPr marR="0" lvl="1" algn="l" rtl="0">
       <a:lnSpc>
         <a:spcPct val="100000"/>
       </a:lnSpc>
@@ -534,7 +718,7 @@
         <a:srgbClr val="000000"/>
       </a:buClr>
       <a:buFont typeface="Arial"/>
-      <a:defRPr b="0" i="0" sz="1400" u="none" cap="none" strike="noStrike">
+      <a:defRPr sz="1400" b="0" i="0" u="none" strike="noStrike" cap="none">
         <a:solidFill>
           <a:srgbClr val="000000"/>
         </a:solidFill>
@@ -544,7 +728,7 @@
         <a:sym typeface="Arial"/>
       </a:defRPr>
     </a:lvl2pPr>
-    <a:lvl3pPr lvl="2" marR="0" rtl="0" algn="l">
+    <a:lvl3pPr marR="0" lvl="2" algn="l" rtl="0">
       <a:lnSpc>
         <a:spcPct val="100000"/>
       </a:lnSpc>
@@ -558,7 +742,7 @@
         <a:srgbClr val="000000"/>
       </a:buClr>
       <a:buFont typeface="Arial"/>
-      <a:defRPr b="0" i="0" sz="1400" u="none" cap="none" strike="noStrike">
+      <a:defRPr sz="1400" b="0" i="0" u="none" strike="noStrike" cap="none">
         <a:solidFill>
           <a:srgbClr val="000000"/>
         </a:solidFill>
@@ -568,7 +752,7 @@
         <a:sym typeface="Arial"/>
       </a:defRPr>
     </a:lvl3pPr>
-    <a:lvl4pPr lvl="3" marR="0" rtl="0" algn="l">
+    <a:lvl4pPr marR="0" lvl="3" algn="l" rtl="0">
       <a:lnSpc>
         <a:spcPct val="100000"/>
       </a:lnSpc>
@@ -582,7 +766,7 @@
         <a:srgbClr val="000000"/>
       </a:buClr>
       <a:buFont typeface="Arial"/>
-      <a:defRPr b="0" i="0" sz="1400" u="none" cap="none" strike="noStrike">
+      <a:defRPr sz="1400" b="0" i="0" u="none" strike="noStrike" cap="none">
         <a:solidFill>
           <a:srgbClr val="000000"/>
         </a:solidFill>
@@ -592,7 +776,7 @@
         <a:sym typeface="Arial"/>
       </a:defRPr>
     </a:lvl4pPr>
-    <a:lvl5pPr lvl="4" marR="0" rtl="0" algn="l">
+    <a:lvl5pPr marR="0" lvl="4" algn="l" rtl="0">
       <a:lnSpc>
         <a:spcPct val="100000"/>
       </a:lnSpc>
@@ -606,7 +790,7 @@
         <a:srgbClr val="000000"/>
       </a:buClr>
       <a:buFont typeface="Arial"/>
-      <a:defRPr b="0" i="0" sz="1400" u="none" cap="none" strike="noStrike">
+      <a:defRPr sz="1400" b="0" i="0" u="none" strike="noStrike" cap="none">
         <a:solidFill>
           <a:srgbClr val="000000"/>
         </a:solidFill>
@@ -616,7 +800,7 @@
         <a:sym typeface="Arial"/>
       </a:defRPr>
     </a:lvl5pPr>
-    <a:lvl6pPr lvl="5" marR="0" rtl="0" algn="l">
+    <a:lvl6pPr marR="0" lvl="5" algn="l" rtl="0">
       <a:lnSpc>
         <a:spcPct val="100000"/>
       </a:lnSpc>
@@ -630,7 +814,7 @@
         <a:srgbClr val="000000"/>
       </a:buClr>
       <a:buFont typeface="Arial"/>
-      <a:defRPr b="0" i="0" sz="1400" u="none" cap="none" strike="noStrike">
+      <a:defRPr sz="1400" b="0" i="0" u="none" strike="noStrike" cap="none">
         <a:solidFill>
           <a:srgbClr val="000000"/>
         </a:solidFill>
@@ -640,7 +824,7 @@
         <a:sym typeface="Arial"/>
       </a:defRPr>
     </a:lvl6pPr>
-    <a:lvl7pPr lvl="6" marR="0" rtl="0" algn="l">
+    <a:lvl7pPr marR="0" lvl="6" algn="l" rtl="0">
       <a:lnSpc>
         <a:spcPct val="100000"/>
       </a:lnSpc>
@@ -654,7 +838,7 @@
         <a:srgbClr val="000000"/>
       </a:buClr>
       <a:buFont typeface="Arial"/>
-      <a:defRPr b="0" i="0" sz="1400" u="none" cap="none" strike="noStrike">
+      <a:defRPr sz="1400" b="0" i="0" u="none" strike="noStrike" cap="none">
         <a:solidFill>
           <a:srgbClr val="000000"/>
         </a:solidFill>
@@ -664,7 +848,7 @@
         <a:sym typeface="Arial"/>
       </a:defRPr>
     </a:lvl7pPr>
-    <a:lvl8pPr lvl="7" marR="0" rtl="0" algn="l">
+    <a:lvl8pPr marR="0" lvl="7" algn="l" rtl="0">
       <a:lnSpc>
         <a:spcPct val="100000"/>
       </a:lnSpc>
@@ -678,7 +862,7 @@
         <a:srgbClr val="000000"/>
       </a:buClr>
       <a:buFont typeface="Arial"/>
-      <a:defRPr b="0" i="0" sz="1400" u="none" cap="none" strike="noStrike">
+      <a:defRPr sz="1400" b="0" i="0" u="none" strike="noStrike" cap="none">
         <a:solidFill>
           <a:srgbClr val="000000"/>
         </a:solidFill>
@@ -688,7 +872,7 @@
         <a:sym typeface="Arial"/>
       </a:defRPr>
     </a:lvl8pPr>
-    <a:lvl9pPr lvl="8" marR="0" rtl="0" algn="l">
+    <a:lvl9pPr marR="0" lvl="8" algn="l" rtl="0">
       <a:lnSpc>
         <a:spcPct val="100000"/>
       </a:lnSpc>
@@ -702,7 +886,7 @@
         <a:srgbClr val="000000"/>
       </a:buClr>
       <a:buFont typeface="Arial"/>
-      <a:defRPr b="0" i="0" sz="1400" u="none" cap="none" strike="noStrike">
+      <a:defRPr sz="1400" b="0" i="0" u="none" strike="noStrike" cap="none">
         <a:solidFill>
           <a:srgbClr val="000000"/>
         </a:solidFill>
@@ -717,11 +901,11 @@
 </file>
 
 <file path=ppt/notesSlides/notesSlide1.xml><?xml version="1.0" encoding="utf-8"?>
-<p:notes xmlns:a="http://schemas.openxmlformats.org/drawingml/2006/main" xmlns:r="http://schemas.openxmlformats.org/officeDocument/2006/relationships" xmlns:mc="http://schemas.openxmlformats.org/markup-compatibility/2006" xmlns:mv="urn:schemas-microsoft-com:mac:vml" xmlns:p="http://schemas.openxmlformats.org/presentationml/2006/main" xmlns:c="http://schemas.openxmlformats.org/drawingml/2006/chart" xmlns:dgm="http://schemas.openxmlformats.org/drawingml/2006/diagram" xmlns:o="urn:schemas-microsoft-com:office:office" xmlns:v="urn:schemas-microsoft-com:vml" xmlns:pvml="urn:schemas-microsoft-com:office:powerpoint" xmlns:com="http://schemas.openxmlformats.org/drawingml/2006/compatibility" xmlns:p14="http://schemas.microsoft.com/office/powerpoint/2010/main" xmlns:p15="http://schemas.microsoft.com/office/powerpoint/2012/main" xmlns:ahyp="http://schemas.microsoft.com/office/drawing/2018/hyperlinkcolor" showMasterPhAnim="0" showMasterSp="0">
+<p:notes xmlns:a="http://schemas.openxmlformats.org/drawingml/2006/main" xmlns:r="http://schemas.openxmlformats.org/officeDocument/2006/relationships" xmlns:p="http://schemas.openxmlformats.org/presentationml/2006/main" showMasterSp="0" showMasterPhAnim="0">
   <p:cSld>
     <p:spTree>
       <p:nvGrpSpPr>
-        <p:cNvPr id="55" name="Shape 55"/>
+        <p:cNvPr id="1" name="Shape 55"/>
         <p:cNvGrpSpPr/>
         <p:nvPr/>
       </p:nvGrpSpPr>
@@ -736,20 +920,26 @@
       <p:sp>
         <p:nvSpPr>
           <p:cNvPr id="56" name="Google Shape;56;p:notes"/>
-          <p:cNvSpPr/>
+          <p:cNvSpPr>
+            <a:spLocks noGrp="1" noRot="1" noChangeAspect="1"/>
+          </p:cNvSpPr>
           <p:nvPr>
-            <p:ph idx="2" type="sldImg"/>
+            <p:ph type="sldImg" idx="2"/>
           </p:nvPr>
         </p:nvSpPr>
         <p:spPr>
           <a:xfrm>
-            <a:off x="381300" y="685800"/>
-            <a:ext cx="6096075" cy="3429000"/>
+            <a:off x="381000" y="685800"/>
+            <a:ext cx="6096000" cy="3429000"/>
           </a:xfrm>
           <a:custGeom>
-            <a:rect b="b" l="l" r="r" t="t"/>
+            <a:avLst/>
+            <a:gdLst/>
+            <a:ahLst/>
+            <a:cxnLst/>
+            <a:rect l="l" t="t" r="r" b="b"/>
             <a:pathLst>
-              <a:path extrusionOk="0" h="120000" w="120000">
+              <a:path w="120000" h="120000" extrusionOk="0">
                 <a:moveTo>
                   <a:pt x="0" y="0"/>
                 </a:moveTo>
@@ -771,9 +961,11 @@
       <p:sp>
         <p:nvSpPr>
           <p:cNvPr id="57" name="Google Shape;57;p:notes"/>
-          <p:cNvSpPr txBox="1"/>
+          <p:cNvSpPr txBox="1">
+            <a:spLocks noGrp="1"/>
+          </p:cNvSpPr>
           <p:nvPr>
-            <p:ph idx="1" type="body"/>
+            <p:ph type="body" idx="1"/>
           </p:nvPr>
         </p:nvSpPr>
         <p:spPr>
@@ -786,12 +978,12 @@
           </a:prstGeom>
         </p:spPr>
         <p:txBody>
-          <a:bodyPr anchorCtr="0" anchor="t" bIns="91425" lIns="91425" spcFirstLastPara="1" rIns="91425" wrap="square" tIns="91425">
+          <a:bodyPr spcFirstLastPara="1" wrap="square" lIns="91425" tIns="91425" rIns="91425" bIns="91425" anchor="t" anchorCtr="0">
             <a:noAutofit/>
           </a:bodyPr>
           <a:lstStyle/>
           <a:p>
-            <a:pPr indent="0" lvl="0" marL="0" rtl="0" algn="l">
+            <a:pPr marL="0" lvl="0" indent="0" algn="l" rtl="0">
               <a:spcBef>
                 <a:spcPts val="0"/>
               </a:spcBef>
@@ -800,9 +992,6 @@
               </a:spcAft>
               <a:buNone/>
             </a:pPr>
-            <a:r>
-              <a:t/>
-            </a:r>
             <a:endParaRPr/>
           </a:p>
         </p:txBody>
@@ -816,11 +1005,11 @@
 </file>
 
 <file path=ppt/notesSlides/notesSlide10.xml><?xml version="1.0" encoding="utf-8"?>
-<p:notes xmlns:a="http://schemas.openxmlformats.org/drawingml/2006/main" xmlns:r="http://schemas.openxmlformats.org/officeDocument/2006/relationships" xmlns:mc="http://schemas.openxmlformats.org/markup-compatibility/2006" xmlns:mv="urn:schemas-microsoft-com:mac:vml" xmlns:p="http://schemas.openxmlformats.org/presentationml/2006/main" xmlns:c="http://schemas.openxmlformats.org/drawingml/2006/chart" xmlns:dgm="http://schemas.openxmlformats.org/drawingml/2006/diagram" xmlns:o="urn:schemas-microsoft-com:office:office" xmlns:v="urn:schemas-microsoft-com:vml" xmlns:pvml="urn:schemas-microsoft-com:office:powerpoint" xmlns:com="http://schemas.openxmlformats.org/drawingml/2006/compatibility" xmlns:p14="http://schemas.microsoft.com/office/powerpoint/2010/main" xmlns:p15="http://schemas.microsoft.com/office/powerpoint/2012/main" xmlns:ahyp="http://schemas.microsoft.com/office/drawing/2018/hyperlinkcolor" showMasterPhAnim="0" showMasterSp="0">
+<p:notes xmlns:a="http://schemas.openxmlformats.org/drawingml/2006/main" xmlns:r="http://schemas.openxmlformats.org/officeDocument/2006/relationships" xmlns:p="http://schemas.openxmlformats.org/presentationml/2006/main" showMasterSp="0" showMasterPhAnim="0">
   <p:cSld>
     <p:spTree>
       <p:nvGrpSpPr>
-        <p:cNvPr id="128" name="Shape 128"/>
+        <p:cNvPr id="1" name="Shape 128"/>
         <p:cNvGrpSpPr/>
         <p:nvPr/>
       </p:nvGrpSpPr>
@@ -835,9 +1024,11 @@
       <p:sp>
         <p:nvSpPr>
           <p:cNvPr id="129" name="Google Shape;129;g163b7878707_0_7:notes"/>
-          <p:cNvSpPr/>
+          <p:cNvSpPr>
+            <a:spLocks noGrp="1" noRot="1" noChangeAspect="1"/>
+          </p:cNvSpPr>
           <p:nvPr>
-            <p:ph idx="2" type="sldImg"/>
+            <p:ph type="sldImg" idx="2"/>
           </p:nvPr>
         </p:nvSpPr>
         <p:spPr>
@@ -846,9 +1037,13 @@
             <a:ext cx="6096000" cy="3429000"/>
           </a:xfrm>
           <a:custGeom>
-            <a:rect b="b" l="l" r="r" t="t"/>
+            <a:avLst/>
+            <a:gdLst/>
+            <a:ahLst/>
+            <a:cxnLst/>
+            <a:rect l="l" t="t" r="r" b="b"/>
             <a:pathLst>
-              <a:path extrusionOk="0" h="120000" w="120000">
+              <a:path w="120000" h="120000" extrusionOk="0">
                 <a:moveTo>
                   <a:pt x="0" y="0"/>
                 </a:moveTo>
@@ -870,9 +1065,11 @@
       <p:sp>
         <p:nvSpPr>
           <p:cNvPr id="130" name="Google Shape;130;g163b7878707_0_7:notes"/>
-          <p:cNvSpPr txBox="1"/>
+          <p:cNvSpPr txBox="1">
+            <a:spLocks noGrp="1"/>
+          </p:cNvSpPr>
           <p:nvPr>
-            <p:ph idx="1" type="body"/>
+            <p:ph type="body" idx="1"/>
           </p:nvPr>
         </p:nvSpPr>
         <p:spPr>
@@ -885,12 +1082,12 @@
           </a:prstGeom>
         </p:spPr>
         <p:txBody>
-          <a:bodyPr anchorCtr="0" anchor="t" bIns="91425" lIns="91425" spcFirstLastPara="1" rIns="91425" wrap="square" tIns="91425">
+          <a:bodyPr spcFirstLastPara="1" wrap="square" lIns="91425" tIns="91425" rIns="91425" bIns="91425" anchor="t" anchorCtr="0">
             <a:noAutofit/>
           </a:bodyPr>
           <a:lstStyle/>
           <a:p>
-            <a:pPr indent="0" lvl="0" marL="0" rtl="0" algn="l">
+            <a:pPr marL="0" lvl="0" indent="0" algn="l" rtl="0">
               <a:spcBef>
                 <a:spcPts val="0"/>
               </a:spcBef>
@@ -899,9 +1096,6 @@
               </a:spcAft>
               <a:buNone/>
             </a:pPr>
-            <a:r>
-              <a:t/>
-            </a:r>
             <a:endParaRPr/>
           </a:p>
         </p:txBody>
@@ -915,11 +1109,11 @@
 </file>
 
 <file path=ppt/notesSlides/notesSlide11.xml><?xml version="1.0" encoding="utf-8"?>
-<p:notes xmlns:a="http://schemas.openxmlformats.org/drawingml/2006/main" xmlns:r="http://schemas.openxmlformats.org/officeDocument/2006/relationships" xmlns:mc="http://schemas.openxmlformats.org/markup-compatibility/2006" xmlns:mv="urn:schemas-microsoft-com:mac:vml" xmlns:p="http://schemas.openxmlformats.org/presentationml/2006/main" xmlns:c="http://schemas.openxmlformats.org/drawingml/2006/chart" xmlns:dgm="http://schemas.openxmlformats.org/drawingml/2006/diagram" xmlns:o="urn:schemas-microsoft-com:office:office" xmlns:v="urn:schemas-microsoft-com:vml" xmlns:pvml="urn:schemas-microsoft-com:office:powerpoint" xmlns:com="http://schemas.openxmlformats.org/drawingml/2006/compatibility" xmlns:p14="http://schemas.microsoft.com/office/powerpoint/2010/main" xmlns:p15="http://schemas.microsoft.com/office/powerpoint/2012/main" xmlns:ahyp="http://schemas.microsoft.com/office/drawing/2018/hyperlinkcolor" showMasterPhAnim="0" showMasterSp="0">
+<p:notes xmlns:a="http://schemas.openxmlformats.org/drawingml/2006/main" xmlns:r="http://schemas.openxmlformats.org/officeDocument/2006/relationships" xmlns:p="http://schemas.openxmlformats.org/presentationml/2006/main" showMasterSp="0" showMasterPhAnim="0">
   <p:cSld>
     <p:spTree>
       <p:nvGrpSpPr>
-        <p:cNvPr id="134" name="Shape 134"/>
+        <p:cNvPr id="1" name="Shape 134"/>
         <p:cNvGrpSpPr/>
         <p:nvPr/>
       </p:nvGrpSpPr>
@@ -934,20 +1128,26 @@
       <p:sp>
         <p:nvSpPr>
           <p:cNvPr id="135" name="Google Shape;135;g164c23f6e7f_1_2:notes"/>
-          <p:cNvSpPr/>
+          <p:cNvSpPr>
+            <a:spLocks noGrp="1" noRot="1" noChangeAspect="1"/>
+          </p:cNvSpPr>
           <p:nvPr>
-            <p:ph idx="2" type="sldImg"/>
+            <p:ph type="sldImg" idx="2"/>
           </p:nvPr>
         </p:nvSpPr>
         <p:spPr>
           <a:xfrm>
-            <a:off x="381300" y="685800"/>
+            <a:off x="381000" y="685800"/>
             <a:ext cx="6096000" cy="3429000"/>
           </a:xfrm>
           <a:custGeom>
-            <a:rect b="b" l="l" r="r" t="t"/>
+            <a:avLst/>
+            <a:gdLst/>
+            <a:ahLst/>
+            <a:cxnLst/>
+            <a:rect l="l" t="t" r="r" b="b"/>
             <a:pathLst>
-              <a:path extrusionOk="0" h="120000" w="120000">
+              <a:path w="120000" h="120000" extrusionOk="0">
                 <a:moveTo>
                   <a:pt x="0" y="0"/>
                 </a:moveTo>
@@ -969,9 +1169,11 @@
       <p:sp>
         <p:nvSpPr>
           <p:cNvPr id="136" name="Google Shape;136;g164c23f6e7f_1_2:notes"/>
-          <p:cNvSpPr txBox="1"/>
+          <p:cNvSpPr txBox="1">
+            <a:spLocks noGrp="1"/>
+          </p:cNvSpPr>
           <p:nvPr>
-            <p:ph idx="1" type="body"/>
+            <p:ph type="body" idx="1"/>
           </p:nvPr>
         </p:nvSpPr>
         <p:spPr>
@@ -984,12 +1186,12 @@
           </a:prstGeom>
         </p:spPr>
         <p:txBody>
-          <a:bodyPr anchorCtr="0" anchor="t" bIns="91425" lIns="91425" spcFirstLastPara="1" rIns="91425" wrap="square" tIns="91425">
+          <a:bodyPr spcFirstLastPara="1" wrap="square" lIns="91425" tIns="91425" rIns="91425" bIns="91425" anchor="t" anchorCtr="0">
             <a:noAutofit/>
           </a:bodyPr>
           <a:lstStyle/>
           <a:p>
-            <a:pPr indent="0" lvl="0" marL="0" rtl="0" algn="l">
+            <a:pPr marL="0" lvl="0" indent="0" algn="l" rtl="0">
               <a:spcBef>
                 <a:spcPts val="0"/>
               </a:spcBef>
@@ -998,9 +1200,6 @@
               </a:spcAft>
               <a:buNone/>
             </a:pPr>
-            <a:r>
-              <a:t/>
-            </a:r>
             <a:endParaRPr/>
           </a:p>
         </p:txBody>
@@ -1014,11 +1213,11 @@
 </file>
 
 <file path=ppt/notesSlides/notesSlide12.xml><?xml version="1.0" encoding="utf-8"?>
-<p:notes xmlns:a="http://schemas.openxmlformats.org/drawingml/2006/main" xmlns:r="http://schemas.openxmlformats.org/officeDocument/2006/relationships" xmlns:mc="http://schemas.openxmlformats.org/markup-compatibility/2006" xmlns:mv="urn:schemas-microsoft-com:mac:vml" xmlns:p="http://schemas.openxmlformats.org/presentationml/2006/main" xmlns:c="http://schemas.openxmlformats.org/drawingml/2006/chart" xmlns:dgm="http://schemas.openxmlformats.org/drawingml/2006/diagram" xmlns:o="urn:schemas-microsoft-com:office:office" xmlns:v="urn:schemas-microsoft-com:vml" xmlns:pvml="urn:schemas-microsoft-com:office:powerpoint" xmlns:com="http://schemas.openxmlformats.org/drawingml/2006/compatibility" xmlns:p14="http://schemas.microsoft.com/office/powerpoint/2010/main" xmlns:p15="http://schemas.microsoft.com/office/powerpoint/2012/main" xmlns:ahyp="http://schemas.microsoft.com/office/drawing/2018/hyperlinkcolor" showMasterPhAnim="0" showMasterSp="0">
+<p:notes xmlns:a="http://schemas.openxmlformats.org/drawingml/2006/main" xmlns:r="http://schemas.openxmlformats.org/officeDocument/2006/relationships" xmlns:p="http://schemas.openxmlformats.org/presentationml/2006/main" showMasterSp="0" showMasterPhAnim="0">
   <p:cSld>
     <p:spTree>
       <p:nvGrpSpPr>
-        <p:cNvPr id="140" name="Shape 140"/>
+        <p:cNvPr id="1" name="Shape 140"/>
         <p:cNvGrpSpPr/>
         <p:nvPr/>
       </p:nvGrpSpPr>
@@ -1033,9 +1232,11 @@
       <p:sp>
         <p:nvSpPr>
           <p:cNvPr id="141" name="Google Shape;141;g1634eb73890_2_22:notes"/>
-          <p:cNvSpPr/>
+          <p:cNvSpPr>
+            <a:spLocks noGrp="1" noRot="1" noChangeAspect="1"/>
+          </p:cNvSpPr>
           <p:nvPr>
-            <p:ph idx="2" type="sldImg"/>
+            <p:ph type="sldImg" idx="2"/>
           </p:nvPr>
         </p:nvSpPr>
         <p:spPr>
@@ -1044,9 +1245,13 @@
             <a:ext cx="6096000" cy="3429000"/>
           </a:xfrm>
           <a:custGeom>
-            <a:rect b="b" l="l" r="r" t="t"/>
+            <a:avLst/>
+            <a:gdLst/>
+            <a:ahLst/>
+            <a:cxnLst/>
+            <a:rect l="l" t="t" r="r" b="b"/>
             <a:pathLst>
-              <a:path extrusionOk="0" h="120000" w="120000">
+              <a:path w="120000" h="120000" extrusionOk="0">
                 <a:moveTo>
                   <a:pt x="0" y="0"/>
                 </a:moveTo>
@@ -1068,9 +1273,11 @@
       <p:sp>
         <p:nvSpPr>
           <p:cNvPr id="142" name="Google Shape;142;g1634eb73890_2_22:notes"/>
-          <p:cNvSpPr txBox="1"/>
+          <p:cNvSpPr txBox="1">
+            <a:spLocks noGrp="1"/>
+          </p:cNvSpPr>
           <p:nvPr>
-            <p:ph idx="1" type="body"/>
+            <p:ph type="body" idx="1"/>
           </p:nvPr>
         </p:nvSpPr>
         <p:spPr>
@@ -1083,12 +1290,12 @@
           </a:prstGeom>
         </p:spPr>
         <p:txBody>
-          <a:bodyPr anchorCtr="0" anchor="t" bIns="91425" lIns="91425" spcFirstLastPara="1" rIns="91425" wrap="square" tIns="91425">
+          <a:bodyPr spcFirstLastPara="1" wrap="square" lIns="91425" tIns="91425" rIns="91425" bIns="91425" anchor="t" anchorCtr="0">
             <a:noAutofit/>
           </a:bodyPr>
           <a:lstStyle/>
           <a:p>
-            <a:pPr indent="0" lvl="0" marL="0" rtl="0" algn="l">
+            <a:pPr marL="0" lvl="0" indent="0" algn="l" rtl="0">
               <a:spcBef>
                 <a:spcPts val="0"/>
               </a:spcBef>
@@ -1097,9 +1304,6 @@
               </a:spcAft>
               <a:buNone/>
             </a:pPr>
-            <a:r>
-              <a:t/>
-            </a:r>
             <a:endParaRPr/>
           </a:p>
         </p:txBody>
@@ -1113,11 +1317,11 @@
 </file>
 
 <file path=ppt/notesSlides/notesSlide13.xml><?xml version="1.0" encoding="utf-8"?>
-<p:notes xmlns:a="http://schemas.openxmlformats.org/drawingml/2006/main" xmlns:r="http://schemas.openxmlformats.org/officeDocument/2006/relationships" xmlns:mc="http://schemas.openxmlformats.org/markup-compatibility/2006" xmlns:mv="urn:schemas-microsoft-com:mac:vml" xmlns:p="http://schemas.openxmlformats.org/presentationml/2006/main" xmlns:c="http://schemas.openxmlformats.org/drawingml/2006/chart" xmlns:dgm="http://schemas.openxmlformats.org/drawingml/2006/diagram" xmlns:o="urn:schemas-microsoft-com:office:office" xmlns:v="urn:schemas-microsoft-com:vml" xmlns:pvml="urn:schemas-microsoft-com:office:powerpoint" xmlns:com="http://schemas.openxmlformats.org/drawingml/2006/compatibility" xmlns:p14="http://schemas.microsoft.com/office/powerpoint/2010/main" xmlns:p15="http://schemas.microsoft.com/office/powerpoint/2012/main" xmlns:ahyp="http://schemas.microsoft.com/office/drawing/2018/hyperlinkcolor" showMasterPhAnim="0" showMasterSp="0">
+<p:notes xmlns:a="http://schemas.openxmlformats.org/drawingml/2006/main" xmlns:r="http://schemas.openxmlformats.org/officeDocument/2006/relationships" xmlns:p="http://schemas.openxmlformats.org/presentationml/2006/main" showMasterSp="0" showMasterPhAnim="0">
   <p:cSld>
     <p:spTree>
       <p:nvGrpSpPr>
-        <p:cNvPr id="146" name="Shape 146"/>
+        <p:cNvPr id="1" name="Shape 146"/>
         <p:cNvGrpSpPr/>
         <p:nvPr/>
       </p:nvGrpSpPr>
@@ -1132,9 +1336,11 @@
       <p:sp>
         <p:nvSpPr>
           <p:cNvPr id="147" name="Google Shape;147;g16666b69741_0_28:notes"/>
-          <p:cNvSpPr/>
+          <p:cNvSpPr>
+            <a:spLocks noGrp="1" noRot="1" noChangeAspect="1"/>
+          </p:cNvSpPr>
           <p:nvPr>
-            <p:ph idx="2" type="sldImg"/>
+            <p:ph type="sldImg" idx="2"/>
           </p:nvPr>
         </p:nvSpPr>
         <p:spPr>
@@ -1143,9 +1349,13 @@
             <a:ext cx="6096000" cy="3429000"/>
           </a:xfrm>
           <a:custGeom>
-            <a:rect b="b" l="l" r="r" t="t"/>
+            <a:avLst/>
+            <a:gdLst/>
+            <a:ahLst/>
+            <a:cxnLst/>
+            <a:rect l="l" t="t" r="r" b="b"/>
             <a:pathLst>
-              <a:path extrusionOk="0" h="120000" w="120000">
+              <a:path w="120000" h="120000" extrusionOk="0">
                 <a:moveTo>
                   <a:pt x="0" y="0"/>
                 </a:moveTo>
@@ -1167,9 +1377,11 @@
       <p:sp>
         <p:nvSpPr>
           <p:cNvPr id="148" name="Google Shape;148;g16666b69741_0_28:notes"/>
-          <p:cNvSpPr txBox="1"/>
+          <p:cNvSpPr txBox="1">
+            <a:spLocks noGrp="1"/>
+          </p:cNvSpPr>
           <p:nvPr>
-            <p:ph idx="1" type="body"/>
+            <p:ph type="body" idx="1"/>
           </p:nvPr>
         </p:nvSpPr>
         <p:spPr>
@@ -1182,12 +1394,12 @@
           </a:prstGeom>
         </p:spPr>
         <p:txBody>
-          <a:bodyPr anchorCtr="0" anchor="t" bIns="91425" lIns="91425" spcFirstLastPara="1" rIns="91425" wrap="square" tIns="91425">
+          <a:bodyPr spcFirstLastPara="1" wrap="square" lIns="91425" tIns="91425" rIns="91425" bIns="91425" anchor="t" anchorCtr="0">
             <a:noAutofit/>
           </a:bodyPr>
           <a:lstStyle/>
           <a:p>
-            <a:pPr indent="0" lvl="0" marL="0" rtl="0" algn="l">
+            <a:pPr marL="0" lvl="0" indent="0" algn="l" rtl="0">
               <a:spcBef>
                 <a:spcPts val="0"/>
               </a:spcBef>
@@ -1196,9 +1408,6 @@
               </a:spcAft>
               <a:buNone/>
             </a:pPr>
-            <a:r>
-              <a:t/>
-            </a:r>
             <a:endParaRPr/>
           </a:p>
         </p:txBody>
@@ -1212,11 +1421,11 @@
 </file>
 
 <file path=ppt/notesSlides/notesSlide14.xml><?xml version="1.0" encoding="utf-8"?>
-<p:notes xmlns:a="http://schemas.openxmlformats.org/drawingml/2006/main" xmlns:r="http://schemas.openxmlformats.org/officeDocument/2006/relationships" xmlns:mc="http://schemas.openxmlformats.org/markup-compatibility/2006" xmlns:mv="urn:schemas-microsoft-com:mac:vml" xmlns:p="http://schemas.openxmlformats.org/presentationml/2006/main" xmlns:c="http://schemas.openxmlformats.org/drawingml/2006/chart" xmlns:dgm="http://schemas.openxmlformats.org/drawingml/2006/diagram" xmlns:o="urn:schemas-microsoft-com:office:office" xmlns:v="urn:schemas-microsoft-com:vml" xmlns:pvml="urn:schemas-microsoft-com:office:powerpoint" xmlns:com="http://schemas.openxmlformats.org/drawingml/2006/compatibility" xmlns:p14="http://schemas.microsoft.com/office/powerpoint/2010/main" xmlns:p15="http://schemas.microsoft.com/office/powerpoint/2012/main" xmlns:ahyp="http://schemas.microsoft.com/office/drawing/2018/hyperlinkcolor" showMasterPhAnim="0" showMasterSp="0">
+<p:notes xmlns:a="http://schemas.openxmlformats.org/drawingml/2006/main" xmlns:r="http://schemas.openxmlformats.org/officeDocument/2006/relationships" xmlns:p="http://schemas.openxmlformats.org/presentationml/2006/main" showMasterSp="0" showMasterPhAnim="0">
   <p:cSld>
     <p:spTree>
       <p:nvGrpSpPr>
-        <p:cNvPr id="156" name="Shape 156"/>
+        <p:cNvPr id="1" name="Shape 156"/>
         <p:cNvGrpSpPr/>
         <p:nvPr/>
       </p:nvGrpSpPr>
@@ -1231,9 +1440,11 @@
       <p:sp>
         <p:nvSpPr>
           <p:cNvPr id="157" name="Google Shape;157;g16666b69741_0_38:notes"/>
-          <p:cNvSpPr/>
+          <p:cNvSpPr>
+            <a:spLocks noGrp="1" noRot="1" noChangeAspect="1"/>
+          </p:cNvSpPr>
           <p:nvPr>
-            <p:ph idx="2" type="sldImg"/>
+            <p:ph type="sldImg" idx="2"/>
           </p:nvPr>
         </p:nvSpPr>
         <p:spPr>
@@ -1242,9 +1453,13 @@
             <a:ext cx="6096000" cy="3429000"/>
           </a:xfrm>
           <a:custGeom>
-            <a:rect b="b" l="l" r="r" t="t"/>
+            <a:avLst/>
+            <a:gdLst/>
+            <a:ahLst/>
+            <a:cxnLst/>
+            <a:rect l="l" t="t" r="r" b="b"/>
             <a:pathLst>
-              <a:path extrusionOk="0" h="120000" w="120000">
+              <a:path w="120000" h="120000" extrusionOk="0">
                 <a:moveTo>
                   <a:pt x="0" y="0"/>
                 </a:moveTo>
@@ -1266,9 +1481,11 @@
       <p:sp>
         <p:nvSpPr>
           <p:cNvPr id="158" name="Google Shape;158;g16666b69741_0_38:notes"/>
-          <p:cNvSpPr txBox="1"/>
+          <p:cNvSpPr txBox="1">
+            <a:spLocks noGrp="1"/>
+          </p:cNvSpPr>
           <p:nvPr>
-            <p:ph idx="1" type="body"/>
+            <p:ph type="body" idx="1"/>
           </p:nvPr>
         </p:nvSpPr>
         <p:spPr>
@@ -1281,12 +1498,12 @@
           </a:prstGeom>
         </p:spPr>
         <p:txBody>
-          <a:bodyPr anchorCtr="0" anchor="t" bIns="91425" lIns="91425" spcFirstLastPara="1" rIns="91425" wrap="square" tIns="91425">
+          <a:bodyPr spcFirstLastPara="1" wrap="square" lIns="91425" tIns="91425" rIns="91425" bIns="91425" anchor="t" anchorCtr="0">
             <a:noAutofit/>
           </a:bodyPr>
           <a:lstStyle/>
           <a:p>
-            <a:pPr indent="0" lvl="0" marL="0" rtl="0" algn="l">
+            <a:pPr marL="0" lvl="0" indent="0" algn="l" rtl="0">
               <a:spcBef>
                 <a:spcPts val="0"/>
               </a:spcBef>
@@ -1295,9 +1512,6 @@
               </a:spcAft>
               <a:buNone/>
             </a:pPr>
-            <a:r>
-              <a:t/>
-            </a:r>
             <a:endParaRPr/>
           </a:p>
         </p:txBody>
@@ -1311,11 +1525,11 @@
 </file>
 
 <file path=ppt/notesSlides/notesSlide15.xml><?xml version="1.0" encoding="utf-8"?>
-<p:notes xmlns:a="http://schemas.openxmlformats.org/drawingml/2006/main" xmlns:r="http://schemas.openxmlformats.org/officeDocument/2006/relationships" xmlns:mc="http://schemas.openxmlformats.org/markup-compatibility/2006" xmlns:mv="urn:schemas-microsoft-com:mac:vml" xmlns:p="http://schemas.openxmlformats.org/presentationml/2006/main" xmlns:c="http://schemas.openxmlformats.org/drawingml/2006/chart" xmlns:dgm="http://schemas.openxmlformats.org/drawingml/2006/diagram" xmlns:o="urn:schemas-microsoft-com:office:office" xmlns:v="urn:schemas-microsoft-com:vml" xmlns:pvml="urn:schemas-microsoft-com:office:powerpoint" xmlns:com="http://schemas.openxmlformats.org/drawingml/2006/compatibility" xmlns:p14="http://schemas.microsoft.com/office/powerpoint/2010/main" xmlns:p15="http://schemas.microsoft.com/office/powerpoint/2012/main" xmlns:ahyp="http://schemas.microsoft.com/office/drawing/2018/hyperlinkcolor" showMasterPhAnim="0" showMasterSp="0">
+<p:notes xmlns:a="http://schemas.openxmlformats.org/drawingml/2006/main" xmlns:r="http://schemas.openxmlformats.org/officeDocument/2006/relationships" xmlns:p="http://schemas.openxmlformats.org/presentationml/2006/main" showMasterSp="0" showMasterPhAnim="0">
   <p:cSld>
     <p:spTree>
       <p:nvGrpSpPr>
-        <p:cNvPr id="165" name="Shape 165"/>
+        <p:cNvPr id="1" name="Shape 165"/>
         <p:cNvGrpSpPr/>
         <p:nvPr/>
       </p:nvGrpSpPr>
@@ -1330,9 +1544,11 @@
       <p:sp>
         <p:nvSpPr>
           <p:cNvPr id="166" name="Google Shape;166;g15683094f69_0_20:notes"/>
-          <p:cNvSpPr/>
+          <p:cNvSpPr>
+            <a:spLocks noGrp="1" noRot="1" noChangeAspect="1"/>
+          </p:cNvSpPr>
           <p:nvPr>
-            <p:ph idx="2" type="sldImg"/>
+            <p:ph type="sldImg" idx="2"/>
           </p:nvPr>
         </p:nvSpPr>
         <p:spPr>
@@ -1341,9 +1557,13 @@
             <a:ext cx="6096000" cy="3429000"/>
           </a:xfrm>
           <a:custGeom>
-            <a:rect b="b" l="l" r="r" t="t"/>
+            <a:avLst/>
+            <a:gdLst/>
+            <a:ahLst/>
+            <a:cxnLst/>
+            <a:rect l="l" t="t" r="r" b="b"/>
             <a:pathLst>
-              <a:path extrusionOk="0" h="120000" w="120000">
+              <a:path w="120000" h="120000" extrusionOk="0">
                 <a:moveTo>
                   <a:pt x="0" y="0"/>
                 </a:moveTo>
@@ -1365,9 +1585,11 @@
       <p:sp>
         <p:nvSpPr>
           <p:cNvPr id="167" name="Google Shape;167;g15683094f69_0_20:notes"/>
-          <p:cNvSpPr txBox="1"/>
+          <p:cNvSpPr txBox="1">
+            <a:spLocks noGrp="1"/>
+          </p:cNvSpPr>
           <p:nvPr>
-            <p:ph idx="1" type="body"/>
+            <p:ph type="body" idx="1"/>
           </p:nvPr>
         </p:nvSpPr>
         <p:spPr>
@@ -1380,12 +1602,12 @@
           </a:prstGeom>
         </p:spPr>
         <p:txBody>
-          <a:bodyPr anchorCtr="0" anchor="t" bIns="91425" lIns="91425" spcFirstLastPara="1" rIns="91425" wrap="square" tIns="91425">
+          <a:bodyPr spcFirstLastPara="1" wrap="square" lIns="91425" tIns="91425" rIns="91425" bIns="91425" anchor="t" anchorCtr="0">
             <a:noAutofit/>
           </a:bodyPr>
           <a:lstStyle/>
           <a:p>
-            <a:pPr indent="0" lvl="0" marL="0" rtl="0" algn="l">
+            <a:pPr marL="0" lvl="0" indent="0" algn="l" rtl="0">
               <a:spcBef>
                 <a:spcPts val="0"/>
               </a:spcBef>
@@ -1394,9 +1616,6 @@
               </a:spcAft>
               <a:buNone/>
             </a:pPr>
-            <a:r>
-              <a:t/>
-            </a:r>
             <a:endParaRPr/>
           </a:p>
         </p:txBody>
@@ -1410,11 +1629,11 @@
 </file>
 
 <file path=ppt/notesSlides/notesSlide2.xml><?xml version="1.0" encoding="utf-8"?>
-<p:notes xmlns:a="http://schemas.openxmlformats.org/drawingml/2006/main" xmlns:r="http://schemas.openxmlformats.org/officeDocument/2006/relationships" xmlns:mc="http://schemas.openxmlformats.org/markup-compatibility/2006" xmlns:mv="urn:schemas-microsoft-com:mac:vml" xmlns:p="http://schemas.openxmlformats.org/presentationml/2006/main" xmlns:c="http://schemas.openxmlformats.org/drawingml/2006/chart" xmlns:dgm="http://schemas.openxmlformats.org/drawingml/2006/diagram" xmlns:o="urn:schemas-microsoft-com:office:office" xmlns:v="urn:schemas-microsoft-com:vml" xmlns:pvml="urn:schemas-microsoft-com:office:powerpoint" xmlns:com="http://schemas.openxmlformats.org/drawingml/2006/compatibility" xmlns:p14="http://schemas.microsoft.com/office/powerpoint/2010/main" xmlns:p15="http://schemas.microsoft.com/office/powerpoint/2012/main" xmlns:ahyp="http://schemas.microsoft.com/office/drawing/2018/hyperlinkcolor" showMasterPhAnim="0" showMasterSp="0">
+<p:notes xmlns:a="http://schemas.openxmlformats.org/drawingml/2006/main" xmlns:r="http://schemas.openxmlformats.org/officeDocument/2006/relationships" xmlns:p="http://schemas.openxmlformats.org/presentationml/2006/main" showMasterSp="0" showMasterPhAnim="0">
   <p:cSld>
     <p:spTree>
       <p:nvGrpSpPr>
-        <p:cNvPr id="61" name="Shape 61"/>
+        <p:cNvPr id="1" name="Shape 61"/>
         <p:cNvGrpSpPr/>
         <p:nvPr/>
       </p:nvGrpSpPr>
@@ -1429,9 +1648,11 @@
       <p:sp>
         <p:nvSpPr>
           <p:cNvPr id="62" name="Google Shape;62;g15683094f69_0_0:notes"/>
-          <p:cNvSpPr/>
+          <p:cNvSpPr>
+            <a:spLocks noGrp="1" noRot="1" noChangeAspect="1"/>
+          </p:cNvSpPr>
           <p:nvPr>
-            <p:ph idx="2" type="sldImg"/>
+            <p:ph type="sldImg" idx="2"/>
           </p:nvPr>
         </p:nvSpPr>
         <p:spPr>
@@ -1440,9 +1661,13 @@
             <a:ext cx="6096000" cy="3429000"/>
           </a:xfrm>
           <a:custGeom>
-            <a:rect b="b" l="l" r="r" t="t"/>
+            <a:avLst/>
+            <a:gdLst/>
+            <a:ahLst/>
+            <a:cxnLst/>
+            <a:rect l="l" t="t" r="r" b="b"/>
             <a:pathLst>
-              <a:path extrusionOk="0" h="120000" w="120000">
+              <a:path w="120000" h="120000" extrusionOk="0">
                 <a:moveTo>
                   <a:pt x="0" y="0"/>
                 </a:moveTo>
@@ -1464,9 +1689,11 @@
       <p:sp>
         <p:nvSpPr>
           <p:cNvPr id="63" name="Google Shape;63;g15683094f69_0_0:notes"/>
-          <p:cNvSpPr txBox="1"/>
+          <p:cNvSpPr txBox="1">
+            <a:spLocks noGrp="1"/>
+          </p:cNvSpPr>
           <p:nvPr>
-            <p:ph idx="1" type="body"/>
+            <p:ph type="body" idx="1"/>
           </p:nvPr>
         </p:nvSpPr>
         <p:spPr>
@@ -1479,12 +1706,12 @@
           </a:prstGeom>
         </p:spPr>
         <p:txBody>
-          <a:bodyPr anchorCtr="0" anchor="t" bIns="91425" lIns="91425" spcFirstLastPara="1" rIns="91425" wrap="square" tIns="91425">
+          <a:bodyPr spcFirstLastPara="1" wrap="square" lIns="91425" tIns="91425" rIns="91425" bIns="91425" anchor="t" anchorCtr="0">
             <a:noAutofit/>
           </a:bodyPr>
           <a:lstStyle/>
           <a:p>
-            <a:pPr indent="0" lvl="0" marL="0" rtl="0" algn="l">
+            <a:pPr marL="0" lvl="0" indent="0" algn="l" rtl="0">
               <a:spcBef>
                 <a:spcPts val="0"/>
               </a:spcBef>
@@ -1493,9 +1720,6 @@
               </a:spcAft>
               <a:buNone/>
             </a:pPr>
-            <a:r>
-              <a:t/>
-            </a:r>
             <a:endParaRPr/>
           </a:p>
         </p:txBody>
@@ -1509,11 +1733,11 @@
 </file>
 
 <file path=ppt/notesSlides/notesSlide3.xml><?xml version="1.0" encoding="utf-8"?>
-<p:notes xmlns:a="http://schemas.openxmlformats.org/drawingml/2006/main" xmlns:r="http://schemas.openxmlformats.org/officeDocument/2006/relationships" xmlns:mc="http://schemas.openxmlformats.org/markup-compatibility/2006" xmlns:mv="urn:schemas-microsoft-com:mac:vml" xmlns:p="http://schemas.openxmlformats.org/presentationml/2006/main" xmlns:c="http://schemas.openxmlformats.org/drawingml/2006/chart" xmlns:dgm="http://schemas.openxmlformats.org/drawingml/2006/diagram" xmlns:o="urn:schemas-microsoft-com:office:office" xmlns:v="urn:schemas-microsoft-com:vml" xmlns:pvml="urn:schemas-microsoft-com:office:powerpoint" xmlns:com="http://schemas.openxmlformats.org/drawingml/2006/compatibility" xmlns:p14="http://schemas.microsoft.com/office/powerpoint/2010/main" xmlns:p15="http://schemas.microsoft.com/office/powerpoint/2012/main" xmlns:ahyp="http://schemas.microsoft.com/office/drawing/2018/hyperlinkcolor" showMasterPhAnim="0" showMasterSp="0">
+<p:notes xmlns:a="http://schemas.openxmlformats.org/drawingml/2006/main" xmlns:r="http://schemas.openxmlformats.org/officeDocument/2006/relationships" xmlns:p="http://schemas.openxmlformats.org/presentationml/2006/main" showMasterSp="0" showMasterPhAnim="0">
   <p:cSld>
     <p:spTree>
       <p:nvGrpSpPr>
-        <p:cNvPr id="67" name="Shape 67"/>
+        <p:cNvPr id="1" name="Shape 67"/>
         <p:cNvGrpSpPr/>
         <p:nvPr/>
       </p:nvGrpSpPr>
@@ -1528,9 +1752,11 @@
       <p:sp>
         <p:nvSpPr>
           <p:cNvPr id="68" name="Google Shape;68;g1634eb73890_2_6:notes"/>
-          <p:cNvSpPr/>
+          <p:cNvSpPr>
+            <a:spLocks noGrp="1" noRot="1" noChangeAspect="1"/>
+          </p:cNvSpPr>
           <p:nvPr>
-            <p:ph idx="2" type="sldImg"/>
+            <p:ph type="sldImg" idx="2"/>
           </p:nvPr>
         </p:nvSpPr>
         <p:spPr>
@@ -1539,9 +1765,13 @@
             <a:ext cx="6096000" cy="3429000"/>
           </a:xfrm>
           <a:custGeom>
-            <a:rect b="b" l="l" r="r" t="t"/>
+            <a:avLst/>
+            <a:gdLst/>
+            <a:ahLst/>
+            <a:cxnLst/>
+            <a:rect l="l" t="t" r="r" b="b"/>
             <a:pathLst>
-              <a:path extrusionOk="0" h="120000" w="120000">
+              <a:path w="120000" h="120000" extrusionOk="0">
                 <a:moveTo>
                   <a:pt x="0" y="0"/>
                 </a:moveTo>
@@ -1563,9 +1793,11 @@
       <p:sp>
         <p:nvSpPr>
           <p:cNvPr id="69" name="Google Shape;69;g1634eb73890_2_6:notes"/>
-          <p:cNvSpPr txBox="1"/>
+          <p:cNvSpPr txBox="1">
+            <a:spLocks noGrp="1"/>
+          </p:cNvSpPr>
           <p:nvPr>
-            <p:ph idx="1" type="body"/>
+            <p:ph type="body" idx="1"/>
           </p:nvPr>
         </p:nvSpPr>
         <p:spPr>
@@ -1578,12 +1810,12 @@
           </a:prstGeom>
         </p:spPr>
         <p:txBody>
-          <a:bodyPr anchorCtr="0" anchor="t" bIns="91425" lIns="91425" spcFirstLastPara="1" rIns="91425" wrap="square" tIns="91425">
+          <a:bodyPr spcFirstLastPara="1" wrap="square" lIns="91425" tIns="91425" rIns="91425" bIns="91425" anchor="t" anchorCtr="0">
             <a:noAutofit/>
           </a:bodyPr>
           <a:lstStyle/>
           <a:p>
-            <a:pPr indent="0" lvl="0" marL="0" rtl="0" algn="l">
+            <a:pPr marL="0" lvl="0" indent="0" algn="l" rtl="0">
               <a:spcBef>
                 <a:spcPts val="0"/>
               </a:spcBef>
@@ -1592,9 +1824,6 @@
               </a:spcAft>
               <a:buNone/>
             </a:pPr>
-            <a:r>
-              <a:t/>
-            </a:r>
             <a:endParaRPr/>
           </a:p>
         </p:txBody>
@@ -1608,11 +1837,11 @@
 </file>
 
 <file path=ppt/notesSlides/notesSlide4.xml><?xml version="1.0" encoding="utf-8"?>
-<p:notes xmlns:a="http://schemas.openxmlformats.org/drawingml/2006/main" xmlns:r="http://schemas.openxmlformats.org/officeDocument/2006/relationships" xmlns:mc="http://schemas.openxmlformats.org/markup-compatibility/2006" xmlns:mv="urn:schemas-microsoft-com:mac:vml" xmlns:p="http://schemas.openxmlformats.org/presentationml/2006/main" xmlns:c="http://schemas.openxmlformats.org/drawingml/2006/chart" xmlns:dgm="http://schemas.openxmlformats.org/drawingml/2006/diagram" xmlns:o="urn:schemas-microsoft-com:office:office" xmlns:v="urn:schemas-microsoft-com:vml" xmlns:pvml="urn:schemas-microsoft-com:office:powerpoint" xmlns:com="http://schemas.openxmlformats.org/drawingml/2006/compatibility" xmlns:p14="http://schemas.microsoft.com/office/powerpoint/2010/main" xmlns:p15="http://schemas.microsoft.com/office/powerpoint/2012/main" xmlns:ahyp="http://schemas.microsoft.com/office/drawing/2018/hyperlinkcolor" showMasterPhAnim="0" showMasterSp="0">
+<p:notes xmlns:a="http://schemas.openxmlformats.org/drawingml/2006/main" xmlns:r="http://schemas.openxmlformats.org/officeDocument/2006/relationships" xmlns:p="http://schemas.openxmlformats.org/presentationml/2006/main" showMasterSp="0" showMasterPhAnim="0">
   <p:cSld>
     <p:spTree>
       <p:nvGrpSpPr>
-        <p:cNvPr id="74" name="Shape 74"/>
+        <p:cNvPr id="1" name="Shape 74"/>
         <p:cNvGrpSpPr/>
         <p:nvPr/>
       </p:nvGrpSpPr>
@@ -1627,20 +1856,26 @@
       <p:sp>
         <p:nvSpPr>
           <p:cNvPr id="75" name="Google Shape;75;g1634eb73890_2_17:notes"/>
-          <p:cNvSpPr/>
+          <p:cNvSpPr>
+            <a:spLocks noGrp="1" noRot="1" noChangeAspect="1"/>
+          </p:cNvSpPr>
           <p:nvPr>
-            <p:ph idx="2" type="sldImg"/>
+            <p:ph type="sldImg" idx="2"/>
           </p:nvPr>
         </p:nvSpPr>
         <p:spPr>
           <a:xfrm>
-            <a:off x="381300" y="685800"/>
+            <a:off x="381000" y="685800"/>
             <a:ext cx="6096000" cy="3429000"/>
           </a:xfrm>
           <a:custGeom>
-            <a:rect b="b" l="l" r="r" t="t"/>
+            <a:avLst/>
+            <a:gdLst/>
+            <a:ahLst/>
+            <a:cxnLst/>
+            <a:rect l="l" t="t" r="r" b="b"/>
             <a:pathLst>
-              <a:path extrusionOk="0" h="120000" w="120000">
+              <a:path w="120000" h="120000" extrusionOk="0">
                 <a:moveTo>
                   <a:pt x="0" y="0"/>
                 </a:moveTo>
@@ -1662,9 +1897,11 @@
       <p:sp>
         <p:nvSpPr>
           <p:cNvPr id="76" name="Google Shape;76;g1634eb73890_2_17:notes"/>
-          <p:cNvSpPr txBox="1"/>
+          <p:cNvSpPr txBox="1">
+            <a:spLocks noGrp="1"/>
+          </p:cNvSpPr>
           <p:nvPr>
-            <p:ph idx="1" type="body"/>
+            <p:ph type="body" idx="1"/>
           </p:nvPr>
         </p:nvSpPr>
         <p:spPr>
@@ -1677,12 +1914,12 @@
           </a:prstGeom>
         </p:spPr>
         <p:txBody>
-          <a:bodyPr anchorCtr="0" anchor="t" bIns="91425" lIns="91425" spcFirstLastPara="1" rIns="91425" wrap="square" tIns="91425">
+          <a:bodyPr spcFirstLastPara="1" wrap="square" lIns="91425" tIns="91425" rIns="91425" bIns="91425" anchor="t" anchorCtr="0">
             <a:noAutofit/>
           </a:bodyPr>
           <a:lstStyle/>
           <a:p>
-            <a:pPr indent="0" lvl="0" marL="0" rtl="0" algn="l">
+            <a:pPr marL="0" lvl="0" indent="0" algn="l" rtl="0">
               <a:spcBef>
                 <a:spcPts val="0"/>
               </a:spcBef>
@@ -1691,9 +1928,6 @@
               </a:spcAft>
               <a:buNone/>
             </a:pPr>
-            <a:r>
-              <a:t/>
-            </a:r>
             <a:endParaRPr/>
           </a:p>
         </p:txBody>
@@ -1707,11 +1941,11 @@
 </file>
 
 <file path=ppt/notesSlides/notesSlide5.xml><?xml version="1.0" encoding="utf-8"?>
-<p:notes xmlns:a="http://schemas.openxmlformats.org/drawingml/2006/main" xmlns:r="http://schemas.openxmlformats.org/officeDocument/2006/relationships" xmlns:mc="http://schemas.openxmlformats.org/markup-compatibility/2006" xmlns:mv="urn:schemas-microsoft-com:mac:vml" xmlns:p="http://schemas.openxmlformats.org/presentationml/2006/main" xmlns:c="http://schemas.openxmlformats.org/drawingml/2006/chart" xmlns:dgm="http://schemas.openxmlformats.org/drawingml/2006/diagram" xmlns:o="urn:schemas-microsoft-com:office:office" xmlns:v="urn:schemas-microsoft-com:vml" xmlns:pvml="urn:schemas-microsoft-com:office:powerpoint" xmlns:com="http://schemas.openxmlformats.org/drawingml/2006/compatibility" xmlns:p14="http://schemas.microsoft.com/office/powerpoint/2010/main" xmlns:p15="http://schemas.microsoft.com/office/powerpoint/2012/main" xmlns:ahyp="http://schemas.microsoft.com/office/drawing/2018/hyperlinkcolor" showMasterPhAnim="0" showMasterSp="0">
+<p:notes xmlns:a="http://schemas.openxmlformats.org/drawingml/2006/main" xmlns:r="http://schemas.openxmlformats.org/officeDocument/2006/relationships" xmlns:p="http://schemas.openxmlformats.org/presentationml/2006/main" showMasterSp="0" showMasterPhAnim="0">
   <p:cSld>
     <p:spTree>
       <p:nvGrpSpPr>
-        <p:cNvPr id="89" name="Shape 89"/>
+        <p:cNvPr id="1" name="Shape 89"/>
         <p:cNvGrpSpPr/>
         <p:nvPr/>
       </p:nvGrpSpPr>
@@ -1726,20 +1960,26 @@
       <p:sp>
         <p:nvSpPr>
           <p:cNvPr id="90" name="Google Shape;90;g16666b69741_0_15:notes"/>
-          <p:cNvSpPr/>
+          <p:cNvSpPr>
+            <a:spLocks noGrp="1" noRot="1" noChangeAspect="1"/>
+          </p:cNvSpPr>
           <p:nvPr>
-            <p:ph idx="2" type="sldImg"/>
+            <p:ph type="sldImg" idx="2"/>
           </p:nvPr>
         </p:nvSpPr>
         <p:spPr>
           <a:xfrm>
-            <a:off x="381300" y="685800"/>
+            <a:off x="381000" y="685800"/>
             <a:ext cx="6096000" cy="3429000"/>
           </a:xfrm>
           <a:custGeom>
-            <a:rect b="b" l="l" r="r" t="t"/>
+            <a:avLst/>
+            <a:gdLst/>
+            <a:ahLst/>
+            <a:cxnLst/>
+            <a:rect l="l" t="t" r="r" b="b"/>
             <a:pathLst>
-              <a:path extrusionOk="0" h="120000" w="120000">
+              <a:path w="120000" h="120000" extrusionOk="0">
                 <a:moveTo>
                   <a:pt x="0" y="0"/>
                 </a:moveTo>
@@ -1761,9 +2001,11 @@
       <p:sp>
         <p:nvSpPr>
           <p:cNvPr id="91" name="Google Shape;91;g16666b69741_0_15:notes"/>
-          <p:cNvSpPr txBox="1"/>
+          <p:cNvSpPr txBox="1">
+            <a:spLocks noGrp="1"/>
+          </p:cNvSpPr>
           <p:nvPr>
-            <p:ph idx="1" type="body"/>
+            <p:ph type="body" idx="1"/>
           </p:nvPr>
         </p:nvSpPr>
         <p:spPr>
@@ -1776,12 +2018,12 @@
           </a:prstGeom>
         </p:spPr>
         <p:txBody>
-          <a:bodyPr anchorCtr="0" anchor="t" bIns="91425" lIns="91425" spcFirstLastPara="1" rIns="91425" wrap="square" tIns="91425">
+          <a:bodyPr spcFirstLastPara="1" wrap="square" lIns="91425" tIns="91425" rIns="91425" bIns="91425" anchor="t" anchorCtr="0">
             <a:noAutofit/>
           </a:bodyPr>
           <a:lstStyle/>
           <a:p>
-            <a:pPr indent="0" lvl="0" marL="0" rtl="0" algn="l">
+            <a:pPr marL="0" lvl="0" indent="0" algn="l" rtl="0">
               <a:spcBef>
                 <a:spcPts val="0"/>
               </a:spcBef>
@@ -1790,9 +2032,6 @@
               </a:spcAft>
               <a:buNone/>
             </a:pPr>
-            <a:r>
-              <a:t/>
-            </a:r>
             <a:endParaRPr/>
           </a:p>
         </p:txBody>
@@ -1806,11 +2045,11 @@
 </file>
 
 <file path=ppt/notesSlides/notesSlide6.xml><?xml version="1.0" encoding="utf-8"?>
-<p:notes xmlns:a="http://schemas.openxmlformats.org/drawingml/2006/main" xmlns:r="http://schemas.openxmlformats.org/officeDocument/2006/relationships" xmlns:mc="http://schemas.openxmlformats.org/markup-compatibility/2006" xmlns:mv="urn:schemas-microsoft-com:mac:vml" xmlns:p="http://schemas.openxmlformats.org/presentationml/2006/main" xmlns:c="http://schemas.openxmlformats.org/drawingml/2006/chart" xmlns:dgm="http://schemas.openxmlformats.org/drawingml/2006/diagram" xmlns:o="urn:schemas-microsoft-com:office:office" xmlns:v="urn:schemas-microsoft-com:vml" xmlns:pvml="urn:schemas-microsoft-com:office:powerpoint" xmlns:com="http://schemas.openxmlformats.org/drawingml/2006/compatibility" xmlns:p14="http://schemas.microsoft.com/office/powerpoint/2010/main" xmlns:p15="http://schemas.microsoft.com/office/powerpoint/2012/main" xmlns:ahyp="http://schemas.microsoft.com/office/drawing/2018/hyperlinkcolor" showMasterPhAnim="0" showMasterSp="0">
+<p:notes xmlns:a="http://schemas.openxmlformats.org/drawingml/2006/main" xmlns:r="http://schemas.openxmlformats.org/officeDocument/2006/relationships" xmlns:p="http://schemas.openxmlformats.org/presentationml/2006/main" showMasterSp="0" showMasterPhAnim="0">
   <p:cSld>
     <p:spTree>
       <p:nvGrpSpPr>
-        <p:cNvPr id="95" name="Shape 95"/>
+        <p:cNvPr id="1" name="Shape 95"/>
         <p:cNvGrpSpPr/>
         <p:nvPr/>
       </p:nvGrpSpPr>
@@ -1825,9 +2064,11 @@
       <p:sp>
         <p:nvSpPr>
           <p:cNvPr id="96" name="Google Shape;96;g163b7878707_0_1:notes"/>
-          <p:cNvSpPr/>
+          <p:cNvSpPr>
+            <a:spLocks noGrp="1" noRot="1" noChangeAspect="1"/>
+          </p:cNvSpPr>
           <p:nvPr>
-            <p:ph idx="2" type="sldImg"/>
+            <p:ph type="sldImg" idx="2"/>
           </p:nvPr>
         </p:nvSpPr>
         <p:spPr>
@@ -1836,9 +2077,13 @@
             <a:ext cx="6096000" cy="3429000"/>
           </a:xfrm>
           <a:custGeom>
-            <a:rect b="b" l="l" r="r" t="t"/>
+            <a:avLst/>
+            <a:gdLst/>
+            <a:ahLst/>
+            <a:cxnLst/>
+            <a:rect l="l" t="t" r="r" b="b"/>
             <a:pathLst>
-              <a:path extrusionOk="0" h="120000" w="120000">
+              <a:path w="120000" h="120000" extrusionOk="0">
                 <a:moveTo>
                   <a:pt x="0" y="0"/>
                 </a:moveTo>
@@ -1860,9 +2105,11 @@
       <p:sp>
         <p:nvSpPr>
           <p:cNvPr id="97" name="Google Shape;97;g163b7878707_0_1:notes"/>
-          <p:cNvSpPr txBox="1"/>
+          <p:cNvSpPr txBox="1">
+            <a:spLocks noGrp="1"/>
+          </p:cNvSpPr>
           <p:nvPr>
-            <p:ph idx="1" type="body"/>
+            <p:ph type="body" idx="1"/>
           </p:nvPr>
         </p:nvSpPr>
         <p:spPr>
@@ -1875,12 +2122,12 @@
           </a:prstGeom>
         </p:spPr>
         <p:txBody>
-          <a:bodyPr anchorCtr="0" anchor="t" bIns="91425" lIns="91425" spcFirstLastPara="1" rIns="91425" wrap="square" tIns="91425">
+          <a:bodyPr spcFirstLastPara="1" wrap="square" lIns="91425" tIns="91425" rIns="91425" bIns="91425" anchor="t" anchorCtr="0">
             <a:noAutofit/>
           </a:bodyPr>
           <a:lstStyle/>
           <a:p>
-            <a:pPr indent="0" lvl="0" marL="0" rtl="0" algn="l">
+            <a:pPr marL="0" lvl="0" indent="0" algn="l" rtl="0">
               <a:spcBef>
                 <a:spcPts val="0"/>
               </a:spcBef>
@@ -1889,9 +2136,6 @@
               </a:spcAft>
               <a:buNone/>
             </a:pPr>
-            <a:r>
-              <a:t/>
-            </a:r>
             <a:endParaRPr/>
           </a:p>
         </p:txBody>
@@ -1905,11 +2149,11 @@
 </file>
 
 <file path=ppt/notesSlides/notesSlide7.xml><?xml version="1.0" encoding="utf-8"?>
-<p:notes xmlns:a="http://schemas.openxmlformats.org/drawingml/2006/main" xmlns:r="http://schemas.openxmlformats.org/officeDocument/2006/relationships" xmlns:mc="http://schemas.openxmlformats.org/markup-compatibility/2006" xmlns:mv="urn:schemas-microsoft-com:mac:vml" xmlns:p="http://schemas.openxmlformats.org/presentationml/2006/main" xmlns:c="http://schemas.openxmlformats.org/drawingml/2006/chart" xmlns:dgm="http://schemas.openxmlformats.org/drawingml/2006/diagram" xmlns:o="urn:schemas-microsoft-com:office:office" xmlns:v="urn:schemas-microsoft-com:vml" xmlns:pvml="urn:schemas-microsoft-com:office:powerpoint" xmlns:com="http://schemas.openxmlformats.org/drawingml/2006/compatibility" xmlns:p14="http://schemas.microsoft.com/office/powerpoint/2010/main" xmlns:p15="http://schemas.microsoft.com/office/powerpoint/2012/main" xmlns:ahyp="http://schemas.microsoft.com/office/drawing/2018/hyperlinkcolor" showMasterPhAnim="0" showMasterSp="0">
+<p:notes xmlns:a="http://schemas.openxmlformats.org/drawingml/2006/main" xmlns:r="http://schemas.openxmlformats.org/officeDocument/2006/relationships" xmlns:p="http://schemas.openxmlformats.org/presentationml/2006/main" showMasterSp="0" showMasterPhAnim="0">
   <p:cSld>
     <p:spTree>
       <p:nvGrpSpPr>
-        <p:cNvPr id="101" name="Shape 101"/>
+        <p:cNvPr id="1" name="Shape 101"/>
         <p:cNvGrpSpPr/>
         <p:nvPr/>
       </p:nvGrpSpPr>
@@ -1924,9 +2168,11 @@
       <p:sp>
         <p:nvSpPr>
           <p:cNvPr id="102" name="Google Shape;102;g1634eb73890_2_12:notes"/>
-          <p:cNvSpPr/>
+          <p:cNvSpPr>
+            <a:spLocks noGrp="1" noRot="1" noChangeAspect="1"/>
+          </p:cNvSpPr>
           <p:nvPr>
-            <p:ph idx="2" type="sldImg"/>
+            <p:ph type="sldImg" idx="2"/>
           </p:nvPr>
         </p:nvSpPr>
         <p:spPr>
@@ -1935,9 +2181,13 @@
             <a:ext cx="6096000" cy="3429000"/>
           </a:xfrm>
           <a:custGeom>
-            <a:rect b="b" l="l" r="r" t="t"/>
+            <a:avLst/>
+            <a:gdLst/>
+            <a:ahLst/>
+            <a:cxnLst/>
+            <a:rect l="l" t="t" r="r" b="b"/>
             <a:pathLst>
-              <a:path extrusionOk="0" h="120000" w="120000">
+              <a:path w="120000" h="120000" extrusionOk="0">
                 <a:moveTo>
                   <a:pt x="0" y="0"/>
                 </a:moveTo>
@@ -1959,9 +2209,11 @@
       <p:sp>
         <p:nvSpPr>
           <p:cNvPr id="103" name="Google Shape;103;g1634eb73890_2_12:notes"/>
-          <p:cNvSpPr txBox="1"/>
+          <p:cNvSpPr txBox="1">
+            <a:spLocks noGrp="1"/>
+          </p:cNvSpPr>
           <p:nvPr>
-            <p:ph idx="1" type="body"/>
+            <p:ph type="body" idx="1"/>
           </p:nvPr>
         </p:nvSpPr>
         <p:spPr>
@@ -1974,12 +2226,12 @@
           </a:prstGeom>
         </p:spPr>
         <p:txBody>
-          <a:bodyPr anchorCtr="0" anchor="t" bIns="91425" lIns="91425" spcFirstLastPara="1" rIns="91425" wrap="square" tIns="91425">
+          <a:bodyPr spcFirstLastPara="1" wrap="square" lIns="91425" tIns="91425" rIns="91425" bIns="91425" anchor="t" anchorCtr="0">
             <a:noAutofit/>
           </a:bodyPr>
           <a:lstStyle/>
           <a:p>
-            <a:pPr indent="0" lvl="0" marL="0" rtl="0" algn="l">
+            <a:pPr marL="0" lvl="0" indent="0" algn="l" rtl="0">
               <a:spcBef>
                 <a:spcPts val="0"/>
               </a:spcBef>
@@ -1988,9 +2240,6 @@
               </a:spcAft>
               <a:buNone/>
             </a:pPr>
-            <a:r>
-              <a:t/>
-            </a:r>
             <a:endParaRPr/>
           </a:p>
         </p:txBody>
@@ -2004,11 +2253,11 @@
 </file>
 
 <file path=ppt/notesSlides/notesSlide8.xml><?xml version="1.0" encoding="utf-8"?>
-<p:notes xmlns:a="http://schemas.openxmlformats.org/drawingml/2006/main" xmlns:r="http://schemas.openxmlformats.org/officeDocument/2006/relationships" xmlns:mc="http://schemas.openxmlformats.org/markup-compatibility/2006" xmlns:mv="urn:schemas-microsoft-com:mac:vml" xmlns:p="http://schemas.openxmlformats.org/presentationml/2006/main" xmlns:c="http://schemas.openxmlformats.org/drawingml/2006/chart" xmlns:dgm="http://schemas.openxmlformats.org/drawingml/2006/diagram" xmlns:o="urn:schemas-microsoft-com:office:office" xmlns:v="urn:schemas-microsoft-com:vml" xmlns:pvml="urn:schemas-microsoft-com:office:powerpoint" xmlns:com="http://schemas.openxmlformats.org/drawingml/2006/compatibility" xmlns:p14="http://schemas.microsoft.com/office/powerpoint/2010/main" xmlns:p15="http://schemas.microsoft.com/office/powerpoint/2012/main" xmlns:ahyp="http://schemas.microsoft.com/office/drawing/2018/hyperlinkcolor" showMasterPhAnim="0" showMasterSp="0">
+<p:notes xmlns:a="http://schemas.openxmlformats.org/drawingml/2006/main" xmlns:r="http://schemas.openxmlformats.org/officeDocument/2006/relationships" xmlns:p="http://schemas.openxmlformats.org/presentationml/2006/main" showMasterSp="0" showMasterPhAnim="0">
   <p:cSld>
     <p:spTree>
       <p:nvGrpSpPr>
-        <p:cNvPr id="107" name="Shape 107"/>
+        <p:cNvPr id="1" name="Shape 107"/>
         <p:cNvGrpSpPr/>
         <p:nvPr/>
       </p:nvGrpSpPr>
@@ -2023,20 +2272,26 @@
       <p:sp>
         <p:nvSpPr>
           <p:cNvPr id="108" name="Google Shape;108;g16666b69741_0_1:notes"/>
-          <p:cNvSpPr/>
+          <p:cNvSpPr>
+            <a:spLocks noGrp="1" noRot="1" noChangeAspect="1"/>
+          </p:cNvSpPr>
           <p:nvPr>
-            <p:ph idx="2" type="sldImg"/>
+            <p:ph type="sldImg" idx="2"/>
           </p:nvPr>
         </p:nvSpPr>
         <p:spPr>
           <a:xfrm>
-            <a:off x="381300" y="685800"/>
+            <a:off x="381000" y="685800"/>
             <a:ext cx="6096000" cy="3429000"/>
           </a:xfrm>
           <a:custGeom>
-            <a:rect b="b" l="l" r="r" t="t"/>
+            <a:avLst/>
+            <a:gdLst/>
+            <a:ahLst/>
+            <a:cxnLst/>
+            <a:rect l="l" t="t" r="r" b="b"/>
             <a:pathLst>
-              <a:path extrusionOk="0" h="120000" w="120000">
+              <a:path w="120000" h="120000" extrusionOk="0">
                 <a:moveTo>
                   <a:pt x="0" y="0"/>
                 </a:moveTo>
@@ -2058,9 +2313,11 @@
       <p:sp>
         <p:nvSpPr>
           <p:cNvPr id="109" name="Google Shape;109;g16666b69741_0_1:notes"/>
-          <p:cNvSpPr txBox="1"/>
+          <p:cNvSpPr txBox="1">
+            <a:spLocks noGrp="1"/>
+          </p:cNvSpPr>
           <p:nvPr>
-            <p:ph idx="1" type="body"/>
+            <p:ph type="body" idx="1"/>
           </p:nvPr>
         </p:nvSpPr>
         <p:spPr>
@@ -2073,12 +2330,12 @@
           </a:prstGeom>
         </p:spPr>
         <p:txBody>
-          <a:bodyPr anchorCtr="0" anchor="t" bIns="91425" lIns="91425" spcFirstLastPara="1" rIns="91425" wrap="square" tIns="91425">
+          <a:bodyPr spcFirstLastPara="1" wrap="square" lIns="91425" tIns="91425" rIns="91425" bIns="91425" anchor="t" anchorCtr="0">
             <a:noAutofit/>
           </a:bodyPr>
           <a:lstStyle/>
           <a:p>
-            <a:pPr indent="0" lvl="0" marL="0" rtl="0" algn="l">
+            <a:pPr marL="0" lvl="0" indent="0" algn="l" rtl="0">
               <a:spcBef>
                 <a:spcPts val="0"/>
               </a:spcBef>
@@ -2087,9 +2344,6 @@
               </a:spcAft>
               <a:buNone/>
             </a:pPr>
-            <a:r>
-              <a:t/>
-            </a:r>
             <a:endParaRPr/>
           </a:p>
         </p:txBody>
@@ -2103,11 +2357,11 @@
 </file>
 
 <file path=ppt/notesSlides/notesSlide9.xml><?xml version="1.0" encoding="utf-8"?>
-<p:notes xmlns:a="http://schemas.openxmlformats.org/drawingml/2006/main" xmlns:r="http://schemas.openxmlformats.org/officeDocument/2006/relationships" xmlns:mc="http://schemas.openxmlformats.org/markup-compatibility/2006" xmlns:mv="urn:schemas-microsoft-com:mac:vml" xmlns:p="http://schemas.openxmlformats.org/presentationml/2006/main" xmlns:c="http://schemas.openxmlformats.org/drawingml/2006/chart" xmlns:dgm="http://schemas.openxmlformats.org/drawingml/2006/diagram" xmlns:o="urn:schemas-microsoft-com:office:office" xmlns:v="urn:schemas-microsoft-com:vml" xmlns:pvml="urn:schemas-microsoft-com:office:powerpoint" xmlns:com="http://schemas.openxmlformats.org/drawingml/2006/compatibility" xmlns:p14="http://schemas.microsoft.com/office/powerpoint/2010/main" xmlns:p15="http://schemas.microsoft.com/office/powerpoint/2012/main" xmlns:ahyp="http://schemas.microsoft.com/office/drawing/2018/hyperlinkcolor" showMasterPhAnim="0" showMasterSp="0">
+<p:notes xmlns:a="http://schemas.openxmlformats.org/drawingml/2006/main" xmlns:r="http://schemas.openxmlformats.org/officeDocument/2006/relationships" xmlns:p="http://schemas.openxmlformats.org/presentationml/2006/main" showMasterSp="0" showMasterPhAnim="0">
   <p:cSld>
     <p:spTree>
       <p:nvGrpSpPr>
-        <p:cNvPr id="122" name="Shape 122"/>
+        <p:cNvPr id="1" name="Shape 122"/>
         <p:cNvGrpSpPr/>
         <p:nvPr/>
       </p:nvGrpSpPr>
@@ -2122,9 +2376,11 @@
       <p:sp>
         <p:nvSpPr>
           <p:cNvPr id="123" name="Google Shape;123;g16666b69741_0_22:notes"/>
-          <p:cNvSpPr/>
+          <p:cNvSpPr>
+            <a:spLocks noGrp="1" noRot="1" noChangeAspect="1"/>
+          </p:cNvSpPr>
           <p:nvPr>
-            <p:ph idx="2" type="sldImg"/>
+            <p:ph type="sldImg" idx="2"/>
           </p:nvPr>
         </p:nvSpPr>
         <p:spPr>
@@ -2133,9 +2389,13 @@
             <a:ext cx="6096000" cy="3429000"/>
           </a:xfrm>
           <a:custGeom>
-            <a:rect b="b" l="l" r="r" t="t"/>
+            <a:avLst/>
+            <a:gdLst/>
+            <a:ahLst/>
+            <a:cxnLst/>
+            <a:rect l="l" t="t" r="r" b="b"/>
             <a:pathLst>
-              <a:path extrusionOk="0" h="120000" w="120000">
+              <a:path w="120000" h="120000" extrusionOk="0">
                 <a:moveTo>
                   <a:pt x="0" y="0"/>
                 </a:moveTo>
@@ -2157,9 +2417,11 @@
       <p:sp>
         <p:nvSpPr>
           <p:cNvPr id="124" name="Google Shape;124;g16666b69741_0_22:notes"/>
-          <p:cNvSpPr txBox="1"/>
+          <p:cNvSpPr txBox="1">
+            <a:spLocks noGrp="1"/>
+          </p:cNvSpPr>
           <p:nvPr>
-            <p:ph idx="1" type="body"/>
+            <p:ph type="body" idx="1"/>
           </p:nvPr>
         </p:nvSpPr>
         <p:spPr>
@@ -2172,12 +2434,12 @@
           </a:prstGeom>
         </p:spPr>
         <p:txBody>
-          <a:bodyPr anchorCtr="0" anchor="t" bIns="91425" lIns="91425" spcFirstLastPara="1" rIns="91425" wrap="square" tIns="91425">
+          <a:bodyPr spcFirstLastPara="1" wrap="square" lIns="91425" tIns="91425" rIns="91425" bIns="91425" anchor="t" anchorCtr="0">
             <a:noAutofit/>
           </a:bodyPr>
           <a:lstStyle/>
           <a:p>
-            <a:pPr indent="0" lvl="0" marL="0" rtl="0" algn="l">
+            <a:pPr marL="0" lvl="0" indent="0" algn="l" rtl="0">
               <a:spcBef>
                 <a:spcPts val="0"/>
               </a:spcBef>
@@ -2186,9 +2448,6 @@
               </a:spcAft>
               <a:buNone/>
             </a:pPr>
-            <a:r>
-              <a:t/>
-            </a:r>
             <a:endParaRPr/>
           </a:p>
         </p:txBody>
@@ -2202,11 +2461,11 @@
 </file>
 
 <file path=ppt/slideLayouts/slideLayout1.xml><?xml version="1.0" encoding="utf-8"?>
-<p:sldLayout xmlns:a="http://schemas.openxmlformats.org/drawingml/2006/main" xmlns:r="http://schemas.openxmlformats.org/officeDocument/2006/relationships" xmlns:mc="http://schemas.openxmlformats.org/markup-compatibility/2006" xmlns:mv="urn:schemas-microsoft-com:mac:vml" xmlns:p="http://schemas.openxmlformats.org/presentationml/2006/main" xmlns:c="http://schemas.openxmlformats.org/drawingml/2006/chart" xmlns:dgm="http://schemas.openxmlformats.org/drawingml/2006/diagram" xmlns:o="urn:schemas-microsoft-com:office:office" xmlns:v="urn:schemas-microsoft-com:vml" xmlns:pvml="urn:schemas-microsoft-com:office:powerpoint" xmlns:com="http://schemas.openxmlformats.org/drawingml/2006/compatibility" xmlns:p14="http://schemas.microsoft.com/office/powerpoint/2010/main" xmlns:p15="http://schemas.microsoft.com/office/powerpoint/2012/main" xmlns:ahyp="http://schemas.microsoft.com/office/drawing/2018/hyperlinkcolor" matchingName="Title slide" type="title">
+<p:sldLayout xmlns:a="http://schemas.openxmlformats.org/drawingml/2006/main" xmlns:r="http://schemas.openxmlformats.org/officeDocument/2006/relationships" xmlns:p="http://schemas.openxmlformats.org/presentationml/2006/main" matchingName="Title slide" type="title">
   <p:cSld name="TITLE">
     <p:spTree>
       <p:nvGrpSpPr>
-        <p:cNvPr id="9" name="Shape 9"/>
+        <p:cNvPr id="1" name="Shape 9"/>
         <p:cNvGrpSpPr/>
         <p:nvPr/>
       </p:nvGrpSpPr>
@@ -2240,12 +2499,12 @@
           </a:ln>
         </p:spPr>
         <p:txBody>
-          <a:bodyPr anchorCtr="0" anchor="ctr" bIns="91425" lIns="91425" spcFirstLastPara="1" rIns="91425" wrap="square" tIns="91425">
+          <a:bodyPr spcFirstLastPara="1" wrap="square" lIns="91425" tIns="91425" rIns="91425" bIns="91425" anchor="ctr" anchorCtr="0">
             <a:noAutofit/>
           </a:bodyPr>
           <a:lstStyle/>
           <a:p>
-            <a:pPr indent="0" lvl="0" marL="0" rtl="0" algn="l">
+            <a:pPr marL="0" lvl="0" indent="0" algn="l" rtl="0">
               <a:spcBef>
                 <a:spcPts val="0"/>
               </a:spcBef>
@@ -2254,9 +2513,6 @@
               </a:spcAft>
               <a:buNone/>
             </a:pPr>
-            <a:r>
-              <a:t/>
-            </a:r>
             <a:endParaRPr/>
           </a:p>
         </p:txBody>
@@ -2276,23 +2532,23 @@
             <a:avLst/>
           </a:prstGeom>
           <a:noFill/>
-          <a:ln cap="flat" cmpd="sng" w="28575">
+          <a:ln w="28575" cap="flat" cmpd="sng">
             <a:solidFill>
               <a:schemeClr val="lt1"/>
             </a:solidFill>
             <a:prstDash val="solid"/>
             <a:miter lim="8000"/>
-            <a:headEnd len="sm" w="sm" type="none"/>
-            <a:tailEnd len="sm" w="sm" type="none"/>
+            <a:headEnd type="none" w="sm" len="sm"/>
+            <a:tailEnd type="none" w="sm" len="sm"/>
           </a:ln>
         </p:spPr>
         <p:txBody>
-          <a:bodyPr anchorCtr="0" anchor="ctr" bIns="91425" lIns="91425" spcFirstLastPara="1" rIns="91425" wrap="square" tIns="91425">
+          <a:bodyPr spcFirstLastPara="1" wrap="square" lIns="91425" tIns="91425" rIns="91425" bIns="91425" anchor="ctr" anchorCtr="0">
             <a:noAutofit/>
           </a:bodyPr>
           <a:lstStyle/>
           <a:p>
-            <a:pPr indent="0" lvl="0" marL="0" rtl="0" algn="l">
+            <a:pPr marL="0" lvl="0" indent="0" algn="l" rtl="0">
               <a:spcBef>
                 <a:spcPts val="0"/>
               </a:spcBef>
@@ -2301,9 +2557,6 @@
               </a:spcAft>
               <a:buNone/>
             </a:pPr>
-            <a:r>
-              <a:t/>
-            </a:r>
             <a:endParaRPr/>
           </a:p>
         </p:txBody>
@@ -2311,7 +2564,9 @@
       <p:sp>
         <p:nvSpPr>
           <p:cNvPr id="12" name="Google Shape;12;p2"/>
-          <p:cNvSpPr txBox="1"/>
+          <p:cNvSpPr txBox="1">
+            <a:spLocks noGrp="1"/>
+          </p:cNvSpPr>
           <p:nvPr>
             <p:ph type="ctrTitle"/>
           </p:nvPr>
@@ -2326,7 +2581,7 @@
           </a:prstGeom>
         </p:spPr>
         <p:txBody>
-          <a:bodyPr anchorCtr="0" anchor="ctr" bIns="91425" lIns="91425" spcFirstLastPara="1" rIns="91425" wrap="square" tIns="91425">
+          <a:bodyPr spcFirstLastPara="1" wrap="square" lIns="91425" tIns="91425" rIns="91425" bIns="91425" anchor="ctr" anchorCtr="0">
             <a:normAutofit/>
           </a:bodyPr>
           <a:lstStyle>
@@ -2538,15 +2793,19 @@
               </a:defRPr>
             </a:lvl9pPr>
           </a:lstStyle>
-          <a:p/>
+          <a:p>
+            <a:endParaRPr/>
+          </a:p>
         </p:txBody>
       </p:sp>
       <p:sp>
         <p:nvSpPr>
           <p:cNvPr id="13" name="Google Shape;13;p2"/>
-          <p:cNvSpPr txBox="1"/>
+          <p:cNvSpPr txBox="1">
+            <a:spLocks noGrp="1"/>
+          </p:cNvSpPr>
           <p:nvPr>
-            <p:ph idx="1" type="subTitle"/>
+            <p:ph type="subTitle" idx="1"/>
           </p:nvPr>
         </p:nvSpPr>
         <p:spPr>
@@ -2559,7 +2818,7 @@
           </a:prstGeom>
         </p:spPr>
         <p:txBody>
-          <a:bodyPr anchorCtr="0" anchor="b" bIns="91425" lIns="91425" spcFirstLastPara="1" rIns="91425" wrap="square" tIns="91425">
+          <a:bodyPr spcFirstLastPara="1" wrap="square" lIns="91425" tIns="91425" rIns="91425" bIns="91425" anchor="b" anchorCtr="0">
             <a:normAutofit/>
           </a:bodyPr>
           <a:lstStyle>
@@ -2605,7 +2864,7 @@
               <a:buSzPts val="1800"/>
               <a:buFont typeface="Playfair Display"/>
               <a:buNone/>
-              <a:defRPr b="1" sz="1800">
+              <a:defRPr sz="1800" b="1">
                 <a:solidFill>
                   <a:schemeClr val="lt1"/>
                 </a:solidFill>
@@ -2631,7 +2890,7 @@
               <a:buSzPts val="1800"/>
               <a:buFont typeface="Playfair Display"/>
               <a:buNone/>
-              <a:defRPr b="1" sz="1800">
+              <a:defRPr sz="1800" b="1">
                 <a:solidFill>
                   <a:schemeClr val="lt1"/>
                 </a:solidFill>
@@ -2657,7 +2916,7 @@
               <a:buSzPts val="1800"/>
               <a:buFont typeface="Playfair Display"/>
               <a:buNone/>
-              <a:defRPr b="1" sz="1800">
+              <a:defRPr sz="1800" b="1">
                 <a:solidFill>
                   <a:schemeClr val="lt1"/>
                 </a:solidFill>
@@ -2683,7 +2942,7 @@
               <a:buSzPts val="1800"/>
               <a:buFont typeface="Playfair Display"/>
               <a:buNone/>
-              <a:defRPr b="1" sz="1800">
+              <a:defRPr sz="1800" b="1">
                 <a:solidFill>
                   <a:schemeClr val="lt1"/>
                 </a:solidFill>
@@ -2709,7 +2968,7 @@
               <a:buSzPts val="1800"/>
               <a:buFont typeface="Playfair Display"/>
               <a:buNone/>
-              <a:defRPr b="1" sz="1800">
+              <a:defRPr sz="1800" b="1">
                 <a:solidFill>
                   <a:schemeClr val="lt1"/>
                 </a:solidFill>
@@ -2735,7 +2994,7 @@
               <a:buSzPts val="1800"/>
               <a:buFont typeface="Playfair Display"/>
               <a:buNone/>
-              <a:defRPr b="1" sz="1800">
+              <a:defRPr sz="1800" b="1">
                 <a:solidFill>
                   <a:schemeClr val="lt1"/>
                 </a:solidFill>
@@ -2761,7 +3020,7 @@
               <a:buSzPts val="1800"/>
               <a:buFont typeface="Playfair Display"/>
               <a:buNone/>
-              <a:defRPr b="1" sz="1800">
+              <a:defRPr sz="1800" b="1">
                 <a:solidFill>
                   <a:schemeClr val="lt1"/>
                 </a:solidFill>
@@ -2787,7 +3046,7 @@
               <a:buSzPts val="1800"/>
               <a:buFont typeface="Playfair Display"/>
               <a:buNone/>
-              <a:defRPr b="1" sz="1800">
+              <a:defRPr sz="1800" b="1">
                 <a:solidFill>
                   <a:schemeClr val="lt1"/>
                 </a:solidFill>
@@ -2798,15 +3057,19 @@
               </a:defRPr>
             </a:lvl9pPr>
           </a:lstStyle>
-          <a:p/>
+          <a:p>
+            <a:endParaRPr/>
+          </a:p>
         </p:txBody>
       </p:sp>
       <p:sp>
         <p:nvSpPr>
           <p:cNvPr id="14" name="Google Shape;14;p2"/>
-          <p:cNvSpPr txBox="1"/>
+          <p:cNvSpPr txBox="1">
+            <a:spLocks noGrp="1"/>
+          </p:cNvSpPr>
           <p:nvPr>
-            <p:ph idx="12" type="sldNum"/>
+            <p:ph type="sldNum" idx="12"/>
           </p:nvPr>
         </p:nvSpPr>
         <p:spPr>
@@ -2819,7 +3082,7 @@
           </a:prstGeom>
         </p:spPr>
         <p:txBody>
-          <a:bodyPr anchorCtr="0" anchor="ctr" bIns="91425" lIns="91425" spcFirstLastPara="1" rIns="91425" wrap="square" tIns="91425">
+          <a:bodyPr spcFirstLastPara="1" wrap="square" lIns="91425" tIns="91425" rIns="91425" bIns="91425" anchor="ctr" anchorCtr="0">
             <a:normAutofit/>
           </a:bodyPr>
           <a:lstStyle>
@@ -2861,7 +3124,7 @@
             </a:lvl9pPr>
           </a:lstStyle>
           <a:p>
-            <a:pPr indent="0" lvl="0" marL="0" rtl="0" algn="r">
+            <a:pPr marL="0" lvl="0" indent="0" algn="r" rtl="0">
               <a:spcBef>
                 <a:spcPts val="0"/>
               </a:spcBef>
@@ -2887,11 +3150,11 @@
 </file>
 
 <file path=ppt/slideLayouts/slideLayout10.xml><?xml version="1.0" encoding="utf-8"?>
-<p:sldLayout xmlns:a="http://schemas.openxmlformats.org/drawingml/2006/main" xmlns:r="http://schemas.openxmlformats.org/officeDocument/2006/relationships" xmlns:mc="http://schemas.openxmlformats.org/markup-compatibility/2006" xmlns:mv="urn:schemas-microsoft-com:mac:vml" xmlns:p="http://schemas.openxmlformats.org/presentationml/2006/main" xmlns:c="http://schemas.openxmlformats.org/drawingml/2006/chart" xmlns:dgm="http://schemas.openxmlformats.org/drawingml/2006/diagram" xmlns:o="urn:schemas-microsoft-com:office:office" xmlns:v="urn:schemas-microsoft-com:vml" xmlns:pvml="urn:schemas-microsoft-com:office:powerpoint" xmlns:com="http://schemas.openxmlformats.org/drawingml/2006/compatibility" xmlns:p14="http://schemas.microsoft.com/office/powerpoint/2010/main" xmlns:p15="http://schemas.microsoft.com/office/powerpoint/2012/main" xmlns:ahyp="http://schemas.microsoft.com/office/drawing/2018/hyperlinkcolor" matchingName="Big number">
+<p:sldLayout xmlns:a="http://schemas.openxmlformats.org/drawingml/2006/main" xmlns:r="http://schemas.openxmlformats.org/officeDocument/2006/relationships" xmlns:p="http://schemas.openxmlformats.org/presentationml/2006/main" matchingName="Big number">
   <p:cSld name="BIG_NUMBER">
     <p:spTree>
       <p:nvGrpSpPr>
-        <p:cNvPr id="48" name="Shape 48"/>
+        <p:cNvPr id="1" name="Shape 48"/>
         <p:cNvGrpSpPr/>
         <p:nvPr/>
       </p:nvGrpSpPr>
@@ -2925,12 +3188,12 @@
           </a:ln>
         </p:spPr>
         <p:txBody>
-          <a:bodyPr anchorCtr="0" anchor="ctr" bIns="91425" lIns="91425" spcFirstLastPara="1" rIns="91425" wrap="square" tIns="91425">
+          <a:bodyPr spcFirstLastPara="1" wrap="square" lIns="91425" tIns="91425" rIns="91425" bIns="91425" anchor="ctr" anchorCtr="0">
             <a:noAutofit/>
           </a:bodyPr>
           <a:lstStyle/>
           <a:p>
-            <a:pPr indent="0" lvl="0" marL="0" rtl="0" algn="l">
+            <a:pPr marL="0" lvl="0" indent="0" algn="l" rtl="0">
               <a:spcBef>
                 <a:spcPts val="0"/>
               </a:spcBef>
@@ -2939,9 +3202,6 @@
               </a:spcAft>
               <a:buNone/>
             </a:pPr>
-            <a:r>
-              <a:t/>
-            </a:r>
             <a:endParaRPr/>
           </a:p>
         </p:txBody>
@@ -2949,9 +3209,11 @@
       <p:sp>
         <p:nvSpPr>
           <p:cNvPr id="50" name="Google Shape;50;p11"/>
-          <p:cNvSpPr txBox="1"/>
+          <p:cNvSpPr txBox="1">
+            <a:spLocks noGrp="1"/>
+          </p:cNvSpPr>
           <p:nvPr>
-            <p:ph hasCustomPrompt="1" type="title"/>
+            <p:ph type="title" hasCustomPrompt="1"/>
           </p:nvPr>
         </p:nvSpPr>
         <p:spPr>
@@ -2964,7 +3226,7 @@
           </a:prstGeom>
         </p:spPr>
         <p:txBody>
-          <a:bodyPr anchorCtr="0" anchor="b" bIns="91425" lIns="91425" spcFirstLastPara="1" rIns="91425" wrap="square" tIns="91425">
+          <a:bodyPr spcFirstLastPara="1" wrap="square" lIns="91425" tIns="91425" rIns="91425" bIns="91425" anchor="b" anchorCtr="0">
             <a:normAutofit/>
           </a:bodyPr>
           <a:lstStyle>
@@ -3132,9 +3394,11 @@
       <p:sp>
         <p:nvSpPr>
           <p:cNvPr id="51" name="Google Shape;51;p11"/>
-          <p:cNvSpPr txBox="1"/>
+          <p:cNvSpPr txBox="1">
+            <a:spLocks noGrp="1"/>
+          </p:cNvSpPr>
           <p:nvPr>
-            <p:ph idx="1" type="body"/>
+            <p:ph type="body" idx="1"/>
           </p:nvPr>
         </p:nvSpPr>
         <p:spPr>
@@ -3147,11 +3411,11 @@
           </a:prstGeom>
         </p:spPr>
         <p:txBody>
-          <a:bodyPr anchorCtr="0" anchor="t" bIns="91425" lIns="91425" spcFirstLastPara="1" rIns="91425" wrap="square" tIns="91425">
+          <a:bodyPr spcFirstLastPara="1" wrap="square" lIns="91425" tIns="91425" rIns="91425" bIns="91425" anchor="t" anchorCtr="0">
             <a:normAutofit/>
           </a:bodyPr>
           <a:lstStyle>
-            <a:lvl1pPr indent="-342900" lvl="0" marL="457200" algn="ctr">
+            <a:lvl1pPr marL="457200" lvl="0" indent="-342900" algn="ctr">
               <a:spcBef>
                 <a:spcPts val="0"/>
               </a:spcBef>
@@ -3162,7 +3426,7 @@
               <a:buChar char="●"/>
               <a:defRPr/>
             </a:lvl1pPr>
-            <a:lvl2pPr indent="-317500" lvl="1" marL="914400" algn="ctr">
+            <a:lvl2pPr marL="914400" lvl="1" indent="-317500" algn="ctr">
               <a:spcBef>
                 <a:spcPts val="0"/>
               </a:spcBef>
@@ -3173,7 +3437,7 @@
               <a:buChar char="○"/>
               <a:defRPr/>
             </a:lvl2pPr>
-            <a:lvl3pPr indent="-317500" lvl="2" marL="1371600" algn="ctr">
+            <a:lvl3pPr marL="1371600" lvl="2" indent="-317500" algn="ctr">
               <a:spcBef>
                 <a:spcPts val="0"/>
               </a:spcBef>
@@ -3184,7 +3448,7 @@
               <a:buChar char="■"/>
               <a:defRPr/>
             </a:lvl3pPr>
-            <a:lvl4pPr indent="-317500" lvl="3" marL="1828800" algn="ctr">
+            <a:lvl4pPr marL="1828800" lvl="3" indent="-317500" algn="ctr">
               <a:spcBef>
                 <a:spcPts val="0"/>
               </a:spcBef>
@@ -3195,7 +3459,7 @@
               <a:buChar char="●"/>
               <a:defRPr/>
             </a:lvl4pPr>
-            <a:lvl5pPr indent="-317500" lvl="4" marL="2286000" algn="ctr">
+            <a:lvl5pPr marL="2286000" lvl="4" indent="-317500" algn="ctr">
               <a:spcBef>
                 <a:spcPts val="0"/>
               </a:spcBef>
@@ -3206,7 +3470,7 @@
               <a:buChar char="○"/>
               <a:defRPr/>
             </a:lvl5pPr>
-            <a:lvl6pPr indent="-317500" lvl="5" marL="2743200" algn="ctr">
+            <a:lvl6pPr marL="2743200" lvl="5" indent="-317500" algn="ctr">
               <a:spcBef>
                 <a:spcPts val="0"/>
               </a:spcBef>
@@ -3217,7 +3481,7 @@
               <a:buChar char="■"/>
               <a:defRPr/>
             </a:lvl6pPr>
-            <a:lvl7pPr indent="-317500" lvl="6" marL="3200400" algn="ctr">
+            <a:lvl7pPr marL="3200400" lvl="6" indent="-317500" algn="ctr">
               <a:spcBef>
                 <a:spcPts val="0"/>
               </a:spcBef>
@@ -3228,7 +3492,7 @@
               <a:buChar char="●"/>
               <a:defRPr/>
             </a:lvl7pPr>
-            <a:lvl8pPr indent="-317500" lvl="7" marL="3657600" algn="ctr">
+            <a:lvl8pPr marL="3657600" lvl="7" indent="-317500" algn="ctr">
               <a:spcBef>
                 <a:spcPts val="0"/>
               </a:spcBef>
@@ -3239,7 +3503,7 @@
               <a:buChar char="○"/>
               <a:defRPr/>
             </a:lvl8pPr>
-            <a:lvl9pPr indent="-317500" lvl="8" marL="4114800" algn="ctr">
+            <a:lvl9pPr marL="4114800" lvl="8" indent="-317500" algn="ctr">
               <a:spcBef>
                 <a:spcPts val="0"/>
               </a:spcBef>
@@ -3251,15 +3515,19 @@
               <a:defRPr/>
             </a:lvl9pPr>
           </a:lstStyle>
-          <a:p/>
+          <a:p>
+            <a:endParaRPr/>
+          </a:p>
         </p:txBody>
       </p:sp>
       <p:sp>
         <p:nvSpPr>
           <p:cNvPr id="52" name="Google Shape;52;p11"/>
-          <p:cNvSpPr txBox="1"/>
+          <p:cNvSpPr txBox="1">
+            <a:spLocks noGrp="1"/>
+          </p:cNvSpPr>
           <p:nvPr>
-            <p:ph idx="12" type="sldNum"/>
+            <p:ph type="sldNum" idx="12"/>
           </p:nvPr>
         </p:nvSpPr>
         <p:spPr>
@@ -3272,7 +3540,7 @@
           </a:prstGeom>
         </p:spPr>
         <p:txBody>
-          <a:bodyPr anchorCtr="0" anchor="ctr" bIns="91425" lIns="91425" spcFirstLastPara="1" rIns="91425" wrap="square" tIns="91425">
+          <a:bodyPr spcFirstLastPara="1" wrap="square" lIns="91425" tIns="91425" rIns="91425" bIns="91425" anchor="ctr" anchorCtr="0">
             <a:normAutofit/>
           </a:bodyPr>
           <a:lstStyle>
@@ -3314,7 +3582,7 @@
             </a:lvl9pPr>
           </a:lstStyle>
           <a:p>
-            <a:pPr indent="0" lvl="0" marL="0" rtl="0" algn="r">
+            <a:pPr marL="0" lvl="0" indent="0" algn="r" rtl="0">
               <a:spcBef>
                 <a:spcPts val="0"/>
               </a:spcBef>
@@ -3340,11 +3608,11 @@
 </file>
 
 <file path=ppt/slideLayouts/slideLayout11.xml><?xml version="1.0" encoding="utf-8"?>
-<p:sldLayout xmlns:a="http://schemas.openxmlformats.org/drawingml/2006/main" xmlns:r="http://schemas.openxmlformats.org/officeDocument/2006/relationships" xmlns:mc="http://schemas.openxmlformats.org/markup-compatibility/2006" xmlns:mv="urn:schemas-microsoft-com:mac:vml" xmlns:p="http://schemas.openxmlformats.org/presentationml/2006/main" xmlns:c="http://schemas.openxmlformats.org/drawingml/2006/chart" xmlns:dgm="http://schemas.openxmlformats.org/drawingml/2006/diagram" xmlns:o="urn:schemas-microsoft-com:office:office" xmlns:v="urn:schemas-microsoft-com:vml" xmlns:pvml="urn:schemas-microsoft-com:office:powerpoint" xmlns:com="http://schemas.openxmlformats.org/drawingml/2006/compatibility" xmlns:p14="http://schemas.microsoft.com/office/powerpoint/2010/main" xmlns:p15="http://schemas.microsoft.com/office/powerpoint/2012/main" xmlns:ahyp="http://schemas.microsoft.com/office/drawing/2018/hyperlinkcolor" matchingName="Blank" type="blank">
+<p:sldLayout xmlns:a="http://schemas.openxmlformats.org/drawingml/2006/main" xmlns:r="http://schemas.openxmlformats.org/officeDocument/2006/relationships" xmlns:p="http://schemas.openxmlformats.org/presentationml/2006/main" matchingName="Blank" type="blank">
   <p:cSld name="BLANK">
     <p:spTree>
       <p:nvGrpSpPr>
-        <p:cNvPr id="53" name="Shape 53"/>
+        <p:cNvPr id="1" name="Shape 53"/>
         <p:cNvGrpSpPr/>
         <p:nvPr/>
       </p:nvGrpSpPr>
@@ -3359,9 +3627,11 @@
       <p:sp>
         <p:nvSpPr>
           <p:cNvPr id="54" name="Google Shape;54;p12"/>
-          <p:cNvSpPr txBox="1"/>
+          <p:cNvSpPr txBox="1">
+            <a:spLocks noGrp="1"/>
+          </p:cNvSpPr>
           <p:nvPr>
-            <p:ph idx="12" type="sldNum"/>
+            <p:ph type="sldNum" idx="12"/>
           </p:nvPr>
         </p:nvSpPr>
         <p:spPr>
@@ -3374,7 +3644,7 @@
           </a:prstGeom>
         </p:spPr>
         <p:txBody>
-          <a:bodyPr anchorCtr="0" anchor="ctr" bIns="91425" lIns="91425" spcFirstLastPara="1" rIns="91425" wrap="square" tIns="91425">
+          <a:bodyPr spcFirstLastPara="1" wrap="square" lIns="91425" tIns="91425" rIns="91425" bIns="91425" anchor="ctr" anchorCtr="0">
             <a:normAutofit/>
           </a:bodyPr>
           <a:lstStyle>
@@ -3416,7 +3686,7 @@
             </a:lvl9pPr>
           </a:lstStyle>
           <a:p>
-            <a:pPr indent="0" lvl="0" marL="0" rtl="0" algn="r">
+            <a:pPr marL="0" lvl="0" indent="0" algn="r" rtl="0">
               <a:spcBef>
                 <a:spcPts val="0"/>
               </a:spcBef>
@@ -3442,18 +3712,19 @@
 </file>
 
 <file path=ppt/slideLayouts/slideLayout2.xml><?xml version="1.0" encoding="utf-8"?>
-<p:sldLayout xmlns:a="http://schemas.openxmlformats.org/drawingml/2006/main" xmlns:r="http://schemas.openxmlformats.org/officeDocument/2006/relationships" xmlns:mc="http://schemas.openxmlformats.org/markup-compatibility/2006" xmlns:mv="urn:schemas-microsoft-com:mac:vml" xmlns:p="http://schemas.openxmlformats.org/presentationml/2006/main" xmlns:c="http://schemas.openxmlformats.org/drawingml/2006/chart" xmlns:dgm="http://schemas.openxmlformats.org/drawingml/2006/diagram" xmlns:o="urn:schemas-microsoft-com:office:office" xmlns:v="urn:schemas-microsoft-com:vml" xmlns:pvml="urn:schemas-microsoft-com:office:powerpoint" xmlns:com="http://schemas.openxmlformats.org/drawingml/2006/compatibility" xmlns:p14="http://schemas.microsoft.com/office/powerpoint/2010/main" xmlns:p15="http://schemas.microsoft.com/office/powerpoint/2012/main" xmlns:ahyp="http://schemas.microsoft.com/office/drawing/2018/hyperlinkcolor" matchingName="Section header" type="secHead">
+<p:sldLayout xmlns:a="http://schemas.openxmlformats.org/drawingml/2006/main" xmlns:r="http://schemas.openxmlformats.org/officeDocument/2006/relationships" xmlns:p="http://schemas.openxmlformats.org/presentationml/2006/main" matchingName="Section header" type="secHead">
   <p:cSld name="SECTION_HEADER">
     <p:bg>
       <p:bgPr>
         <a:solidFill>
           <a:schemeClr val="dk1"/>
         </a:solidFill>
+        <a:effectLst/>
       </p:bgPr>
     </p:bg>
     <p:spTree>
       <p:nvGrpSpPr>
-        <p:cNvPr id="15" name="Shape 15"/>
+        <p:cNvPr id="1" name="Shape 15"/>
         <p:cNvGrpSpPr/>
         <p:nvPr/>
       </p:nvGrpSpPr>
@@ -3468,7 +3739,9 @@
       <p:sp>
         <p:nvSpPr>
           <p:cNvPr id="16" name="Google Shape;16;p3"/>
-          <p:cNvSpPr txBox="1"/>
+          <p:cNvSpPr txBox="1">
+            <a:spLocks noGrp="1"/>
+          </p:cNvSpPr>
           <p:nvPr>
             <p:ph type="title"/>
           </p:nvPr>
@@ -3483,7 +3756,7 @@
           </a:prstGeom>
         </p:spPr>
         <p:txBody>
-          <a:bodyPr anchorCtr="0" anchor="ctr" bIns="91425" lIns="91425" spcFirstLastPara="1" rIns="91425" wrap="square" tIns="91425">
+          <a:bodyPr spcFirstLastPara="1" wrap="square" lIns="91425" tIns="91425" rIns="91425" bIns="91425" anchor="ctr" anchorCtr="0">
             <a:normAutofit/>
           </a:bodyPr>
           <a:lstStyle>
@@ -3500,7 +3773,7 @@
               <a:buSzPts val="4800"/>
               <a:buFont typeface="Lato"/>
               <a:buNone/>
-              <a:defRPr b="0" sz="4800">
+              <a:defRPr sz="4800" b="0">
                 <a:solidFill>
                   <a:schemeClr val="lt1"/>
                 </a:solidFill>
@@ -3523,7 +3796,7 @@
               <a:buSzPts val="4800"/>
               <a:buFont typeface="Lato"/>
               <a:buNone/>
-              <a:defRPr b="0" sz="4800">
+              <a:defRPr sz="4800" b="0">
                 <a:solidFill>
                   <a:schemeClr val="lt1"/>
                 </a:solidFill>
@@ -3546,7 +3819,7 @@
               <a:buSzPts val="4800"/>
               <a:buFont typeface="Lato"/>
               <a:buNone/>
-              <a:defRPr b="0" sz="4800">
+              <a:defRPr sz="4800" b="0">
                 <a:solidFill>
                   <a:schemeClr val="lt1"/>
                 </a:solidFill>
@@ -3569,7 +3842,7 @@
               <a:buSzPts val="4800"/>
               <a:buFont typeface="Lato"/>
               <a:buNone/>
-              <a:defRPr b="0" sz="4800">
+              <a:defRPr sz="4800" b="0">
                 <a:solidFill>
                   <a:schemeClr val="lt1"/>
                 </a:solidFill>
@@ -3592,7 +3865,7 @@
               <a:buSzPts val="4800"/>
               <a:buFont typeface="Lato"/>
               <a:buNone/>
-              <a:defRPr b="0" sz="4800">
+              <a:defRPr sz="4800" b="0">
                 <a:solidFill>
                   <a:schemeClr val="lt1"/>
                 </a:solidFill>
@@ -3615,7 +3888,7 @@
               <a:buSzPts val="4800"/>
               <a:buFont typeface="Lato"/>
               <a:buNone/>
-              <a:defRPr b="0" sz="4800">
+              <a:defRPr sz="4800" b="0">
                 <a:solidFill>
                   <a:schemeClr val="lt1"/>
                 </a:solidFill>
@@ -3638,7 +3911,7 @@
               <a:buSzPts val="4800"/>
               <a:buFont typeface="Lato"/>
               <a:buNone/>
-              <a:defRPr b="0" sz="4800">
+              <a:defRPr sz="4800" b="0">
                 <a:solidFill>
                   <a:schemeClr val="lt1"/>
                 </a:solidFill>
@@ -3661,7 +3934,7 @@
               <a:buSzPts val="4800"/>
               <a:buFont typeface="Lato"/>
               <a:buNone/>
-              <a:defRPr b="0" sz="4800">
+              <a:defRPr sz="4800" b="0">
                 <a:solidFill>
                   <a:schemeClr val="lt1"/>
                 </a:solidFill>
@@ -3684,7 +3957,7 @@
               <a:buSzPts val="4800"/>
               <a:buFont typeface="Lato"/>
               <a:buNone/>
-              <a:defRPr b="0" sz="4800">
+              <a:defRPr sz="4800" b="0">
                 <a:solidFill>
                   <a:schemeClr val="lt1"/>
                 </a:solidFill>
@@ -3695,15 +3968,19 @@
               </a:defRPr>
             </a:lvl9pPr>
           </a:lstStyle>
-          <a:p/>
+          <a:p>
+            <a:endParaRPr/>
+          </a:p>
         </p:txBody>
       </p:sp>
       <p:sp>
         <p:nvSpPr>
           <p:cNvPr id="17" name="Google Shape;17;p3"/>
-          <p:cNvSpPr txBox="1"/>
+          <p:cNvSpPr txBox="1">
+            <a:spLocks noGrp="1"/>
+          </p:cNvSpPr>
           <p:nvPr>
-            <p:ph idx="12" type="sldNum"/>
+            <p:ph type="sldNum" idx="12"/>
           </p:nvPr>
         </p:nvSpPr>
         <p:spPr>
@@ -3716,7 +3993,7 @@
           </a:prstGeom>
         </p:spPr>
         <p:txBody>
-          <a:bodyPr anchorCtr="0" anchor="ctr" bIns="91425" lIns="91425" spcFirstLastPara="1" rIns="91425" wrap="square" tIns="91425">
+          <a:bodyPr spcFirstLastPara="1" wrap="square" lIns="91425" tIns="91425" rIns="91425" bIns="91425" anchor="ctr" anchorCtr="0">
             <a:normAutofit/>
           </a:bodyPr>
           <a:lstStyle>
@@ -3794,7 +4071,7 @@
             </a:lvl9pPr>
           </a:lstStyle>
           <a:p>
-            <a:pPr indent="0" lvl="0" marL="0" rtl="0" algn="r">
+            <a:pPr marL="0" lvl="0" indent="0" algn="r" rtl="0">
               <a:spcBef>
                 <a:spcPts val="0"/>
               </a:spcBef>
@@ -3820,11 +4097,11 @@
 </file>
 
 <file path=ppt/slideLayouts/slideLayout3.xml><?xml version="1.0" encoding="utf-8"?>
-<p:sldLayout xmlns:a="http://schemas.openxmlformats.org/drawingml/2006/main" xmlns:r="http://schemas.openxmlformats.org/officeDocument/2006/relationships" xmlns:mc="http://schemas.openxmlformats.org/markup-compatibility/2006" xmlns:mv="urn:schemas-microsoft-com:mac:vml" xmlns:p="http://schemas.openxmlformats.org/presentationml/2006/main" xmlns:c="http://schemas.openxmlformats.org/drawingml/2006/chart" xmlns:dgm="http://schemas.openxmlformats.org/drawingml/2006/diagram" xmlns:o="urn:schemas-microsoft-com:office:office" xmlns:v="urn:schemas-microsoft-com:vml" xmlns:pvml="urn:schemas-microsoft-com:office:powerpoint" xmlns:com="http://schemas.openxmlformats.org/drawingml/2006/compatibility" xmlns:p14="http://schemas.microsoft.com/office/powerpoint/2010/main" xmlns:p15="http://schemas.microsoft.com/office/powerpoint/2012/main" xmlns:ahyp="http://schemas.microsoft.com/office/drawing/2018/hyperlinkcolor" matchingName="Title and body" type="tx">
+<p:sldLayout xmlns:a="http://schemas.openxmlformats.org/drawingml/2006/main" xmlns:r="http://schemas.openxmlformats.org/officeDocument/2006/relationships" xmlns:p="http://schemas.openxmlformats.org/presentationml/2006/main" matchingName="Title and body" type="tx">
   <p:cSld name="TITLE_AND_BODY">
     <p:spTree>
       <p:nvGrpSpPr>
-        <p:cNvPr id="18" name="Shape 18"/>
+        <p:cNvPr id="1" name="Shape 18"/>
         <p:cNvGrpSpPr/>
         <p:nvPr/>
       </p:nvGrpSpPr>
@@ -3858,12 +4135,12 @@
           </a:ln>
         </p:spPr>
         <p:txBody>
-          <a:bodyPr anchorCtr="0" anchor="ctr" bIns="91425" lIns="91425" spcFirstLastPara="1" rIns="91425" wrap="square" tIns="91425">
+          <a:bodyPr spcFirstLastPara="1" wrap="square" lIns="91425" tIns="91425" rIns="91425" bIns="91425" anchor="ctr" anchorCtr="0">
             <a:noAutofit/>
           </a:bodyPr>
           <a:lstStyle/>
           <a:p>
-            <a:pPr indent="0" lvl="0" marL="0" rtl="0" algn="l">
+            <a:pPr marL="0" lvl="0" indent="0" algn="l" rtl="0">
               <a:spcBef>
                 <a:spcPts val="0"/>
               </a:spcBef>
@@ -3872,9 +4149,6 @@
               </a:spcAft>
               <a:buNone/>
             </a:pPr>
-            <a:r>
-              <a:t/>
-            </a:r>
             <a:endParaRPr/>
           </a:p>
         </p:txBody>
@@ -3882,7 +4156,9 @@
       <p:sp>
         <p:nvSpPr>
           <p:cNvPr id="20" name="Google Shape;20;p4"/>
-          <p:cNvSpPr txBox="1"/>
+          <p:cNvSpPr txBox="1">
+            <a:spLocks noGrp="1"/>
+          </p:cNvSpPr>
           <p:nvPr>
             <p:ph type="title"/>
           </p:nvPr>
@@ -3897,7 +4173,7 @@
           </a:prstGeom>
         </p:spPr>
         <p:txBody>
-          <a:bodyPr anchorCtr="0" anchor="t" bIns="91425" lIns="91425" spcFirstLastPara="1" rIns="91425" wrap="square" tIns="91425">
+          <a:bodyPr spcFirstLastPara="1" wrap="square" lIns="91425" tIns="91425" rIns="91425" bIns="91425" anchor="t" anchorCtr="0">
             <a:normAutofit/>
           </a:bodyPr>
           <a:lstStyle>
@@ -4001,15 +4277,19 @@
               <a:defRPr/>
             </a:lvl9pPr>
           </a:lstStyle>
-          <a:p/>
+          <a:p>
+            <a:endParaRPr/>
+          </a:p>
         </p:txBody>
       </p:sp>
       <p:sp>
         <p:nvSpPr>
           <p:cNvPr id="21" name="Google Shape;21;p4"/>
-          <p:cNvSpPr txBox="1"/>
+          <p:cNvSpPr txBox="1">
+            <a:spLocks noGrp="1"/>
+          </p:cNvSpPr>
           <p:nvPr>
-            <p:ph idx="1" type="body"/>
+            <p:ph type="body" idx="1"/>
           </p:nvPr>
         </p:nvSpPr>
         <p:spPr>
@@ -4022,11 +4302,11 @@
           </a:prstGeom>
         </p:spPr>
         <p:txBody>
-          <a:bodyPr anchorCtr="0" anchor="t" bIns="91425" lIns="91425" spcFirstLastPara="1" rIns="91425" wrap="square" tIns="91425">
+          <a:bodyPr spcFirstLastPara="1" wrap="square" lIns="91425" tIns="91425" rIns="91425" bIns="91425" anchor="t" anchorCtr="0">
             <a:normAutofit/>
           </a:bodyPr>
           <a:lstStyle>
-            <a:lvl1pPr indent="-342900" lvl="0" marL="457200">
+            <a:lvl1pPr marL="457200" lvl="0" indent="-342900">
               <a:spcBef>
                 <a:spcPts val="0"/>
               </a:spcBef>
@@ -4037,7 +4317,7 @@
               <a:buChar char="●"/>
               <a:defRPr/>
             </a:lvl1pPr>
-            <a:lvl2pPr indent="-317500" lvl="1" marL="914400">
+            <a:lvl2pPr marL="914400" lvl="1" indent="-317500">
               <a:spcBef>
                 <a:spcPts val="0"/>
               </a:spcBef>
@@ -4048,7 +4328,7 @@
               <a:buChar char="○"/>
               <a:defRPr/>
             </a:lvl2pPr>
-            <a:lvl3pPr indent="-317500" lvl="2" marL="1371600">
+            <a:lvl3pPr marL="1371600" lvl="2" indent="-317500">
               <a:spcBef>
                 <a:spcPts val="0"/>
               </a:spcBef>
@@ -4059,7 +4339,7 @@
               <a:buChar char="■"/>
               <a:defRPr/>
             </a:lvl3pPr>
-            <a:lvl4pPr indent="-317500" lvl="3" marL="1828800">
+            <a:lvl4pPr marL="1828800" lvl="3" indent="-317500">
               <a:spcBef>
                 <a:spcPts val="0"/>
               </a:spcBef>
@@ -4070,7 +4350,7 @@
               <a:buChar char="●"/>
               <a:defRPr/>
             </a:lvl4pPr>
-            <a:lvl5pPr indent="-317500" lvl="4" marL="2286000">
+            <a:lvl5pPr marL="2286000" lvl="4" indent="-317500">
               <a:spcBef>
                 <a:spcPts val="0"/>
               </a:spcBef>
@@ -4081,7 +4361,7 @@
               <a:buChar char="○"/>
               <a:defRPr/>
             </a:lvl5pPr>
-            <a:lvl6pPr indent="-317500" lvl="5" marL="2743200">
+            <a:lvl6pPr marL="2743200" lvl="5" indent="-317500">
               <a:spcBef>
                 <a:spcPts val="0"/>
               </a:spcBef>
@@ -4092,7 +4372,7 @@
               <a:buChar char="■"/>
               <a:defRPr/>
             </a:lvl6pPr>
-            <a:lvl7pPr indent="-317500" lvl="6" marL="3200400">
+            <a:lvl7pPr marL="3200400" lvl="6" indent="-317500">
               <a:spcBef>
                 <a:spcPts val="0"/>
               </a:spcBef>
@@ -4103,7 +4383,7 @@
               <a:buChar char="●"/>
               <a:defRPr/>
             </a:lvl7pPr>
-            <a:lvl8pPr indent="-317500" lvl="7" marL="3657600">
+            <a:lvl8pPr marL="3657600" lvl="7" indent="-317500">
               <a:spcBef>
                 <a:spcPts val="0"/>
               </a:spcBef>
@@ -4114,7 +4394,7 @@
               <a:buChar char="○"/>
               <a:defRPr/>
             </a:lvl8pPr>
-            <a:lvl9pPr indent="-317500" lvl="8" marL="4114800">
+            <a:lvl9pPr marL="4114800" lvl="8" indent="-317500">
               <a:spcBef>
                 <a:spcPts val="0"/>
               </a:spcBef>
@@ -4126,15 +4406,19 @@
               <a:defRPr/>
             </a:lvl9pPr>
           </a:lstStyle>
-          <a:p/>
+          <a:p>
+            <a:endParaRPr/>
+          </a:p>
         </p:txBody>
       </p:sp>
       <p:sp>
         <p:nvSpPr>
           <p:cNvPr id="22" name="Google Shape;22;p4"/>
-          <p:cNvSpPr txBox="1"/>
+          <p:cNvSpPr txBox="1">
+            <a:spLocks noGrp="1"/>
+          </p:cNvSpPr>
           <p:nvPr>
-            <p:ph idx="12" type="sldNum"/>
+            <p:ph type="sldNum" idx="12"/>
           </p:nvPr>
         </p:nvSpPr>
         <p:spPr>
@@ -4147,7 +4431,7 @@
           </a:prstGeom>
         </p:spPr>
         <p:txBody>
-          <a:bodyPr anchorCtr="0" anchor="ctr" bIns="91425" lIns="91425" spcFirstLastPara="1" rIns="91425" wrap="square" tIns="91425">
+          <a:bodyPr spcFirstLastPara="1" wrap="square" lIns="91425" tIns="91425" rIns="91425" bIns="91425" anchor="ctr" anchorCtr="0">
             <a:normAutofit/>
           </a:bodyPr>
           <a:lstStyle>
@@ -4189,7 +4473,7 @@
             </a:lvl9pPr>
           </a:lstStyle>
           <a:p>
-            <a:pPr indent="0" lvl="0" marL="0" rtl="0" algn="r">
+            <a:pPr marL="0" lvl="0" indent="0" algn="r" rtl="0">
               <a:spcBef>
                 <a:spcPts val="0"/>
               </a:spcBef>
@@ -4215,11 +4499,11 @@
 </file>
 
 <file path=ppt/slideLayouts/slideLayout4.xml><?xml version="1.0" encoding="utf-8"?>
-<p:sldLayout xmlns:a="http://schemas.openxmlformats.org/drawingml/2006/main" xmlns:r="http://schemas.openxmlformats.org/officeDocument/2006/relationships" xmlns:mc="http://schemas.openxmlformats.org/markup-compatibility/2006" xmlns:mv="urn:schemas-microsoft-com:mac:vml" xmlns:p="http://schemas.openxmlformats.org/presentationml/2006/main" xmlns:c="http://schemas.openxmlformats.org/drawingml/2006/chart" xmlns:dgm="http://schemas.openxmlformats.org/drawingml/2006/diagram" xmlns:o="urn:schemas-microsoft-com:office:office" xmlns:v="urn:schemas-microsoft-com:vml" xmlns:pvml="urn:schemas-microsoft-com:office:powerpoint" xmlns:com="http://schemas.openxmlformats.org/drawingml/2006/compatibility" xmlns:p14="http://schemas.microsoft.com/office/powerpoint/2010/main" xmlns:p15="http://schemas.microsoft.com/office/powerpoint/2012/main" xmlns:ahyp="http://schemas.microsoft.com/office/drawing/2018/hyperlinkcolor" matchingName="Title and two columns" type="twoColTx">
+<p:sldLayout xmlns:a="http://schemas.openxmlformats.org/drawingml/2006/main" xmlns:r="http://schemas.openxmlformats.org/officeDocument/2006/relationships" xmlns:p="http://schemas.openxmlformats.org/presentationml/2006/main" matchingName="Title and two columns" type="twoColTx">
   <p:cSld name="TITLE_AND_TWO_COLUMNS">
     <p:spTree>
       <p:nvGrpSpPr>
-        <p:cNvPr id="23" name="Shape 23"/>
+        <p:cNvPr id="1" name="Shape 23"/>
         <p:cNvGrpSpPr/>
         <p:nvPr/>
       </p:nvGrpSpPr>
@@ -4234,7 +4518,9 @@
       <p:sp>
         <p:nvSpPr>
           <p:cNvPr id="24" name="Google Shape;24;p5"/>
-          <p:cNvSpPr txBox="1"/>
+          <p:cNvSpPr txBox="1">
+            <a:spLocks noGrp="1"/>
+          </p:cNvSpPr>
           <p:nvPr>
             <p:ph type="title"/>
           </p:nvPr>
@@ -4249,7 +4535,7 @@
           </a:prstGeom>
         </p:spPr>
         <p:txBody>
-          <a:bodyPr anchorCtr="0" anchor="t" bIns="91425" lIns="91425" spcFirstLastPara="1" rIns="91425" wrap="square" tIns="91425">
+          <a:bodyPr spcFirstLastPara="1" wrap="square" lIns="91425" tIns="91425" rIns="91425" bIns="91425" anchor="t" anchorCtr="0">
             <a:normAutofit/>
           </a:bodyPr>
           <a:lstStyle>
@@ -4353,15 +4639,19 @@
               <a:defRPr/>
             </a:lvl9pPr>
           </a:lstStyle>
-          <a:p/>
+          <a:p>
+            <a:endParaRPr/>
+          </a:p>
         </p:txBody>
       </p:sp>
       <p:sp>
         <p:nvSpPr>
           <p:cNvPr id="25" name="Google Shape;25;p5"/>
-          <p:cNvSpPr txBox="1"/>
+          <p:cNvSpPr txBox="1">
+            <a:spLocks noGrp="1"/>
+          </p:cNvSpPr>
           <p:nvPr>
-            <p:ph idx="1" type="body"/>
+            <p:ph type="body" idx="1"/>
           </p:nvPr>
         </p:nvSpPr>
         <p:spPr>
@@ -4374,11 +4664,11 @@
           </a:prstGeom>
         </p:spPr>
         <p:txBody>
-          <a:bodyPr anchorCtr="0" anchor="t" bIns="91425" lIns="91425" spcFirstLastPara="1" rIns="91425" wrap="square" tIns="91425">
+          <a:bodyPr spcFirstLastPara="1" wrap="square" lIns="91425" tIns="91425" rIns="91425" bIns="91425" anchor="t" anchorCtr="0">
             <a:normAutofit/>
           </a:bodyPr>
           <a:lstStyle>
-            <a:lvl1pPr indent="-317500" lvl="0" marL="457200">
+            <a:lvl1pPr marL="457200" lvl="0" indent="-317500">
               <a:spcBef>
                 <a:spcPts val="0"/>
               </a:spcBef>
@@ -4389,7 +4679,7 @@
               <a:buChar char="●"/>
               <a:defRPr sz="1400"/>
             </a:lvl1pPr>
-            <a:lvl2pPr indent="-304800" lvl="1" marL="914400">
+            <a:lvl2pPr marL="914400" lvl="1" indent="-304800">
               <a:spcBef>
                 <a:spcPts val="0"/>
               </a:spcBef>
@@ -4400,7 +4690,7 @@
               <a:buChar char="○"/>
               <a:defRPr sz="1200"/>
             </a:lvl2pPr>
-            <a:lvl3pPr indent="-304800" lvl="2" marL="1371600">
+            <a:lvl3pPr marL="1371600" lvl="2" indent="-304800">
               <a:spcBef>
                 <a:spcPts val="0"/>
               </a:spcBef>
@@ -4411,7 +4701,7 @@
               <a:buChar char="■"/>
               <a:defRPr sz="1200"/>
             </a:lvl3pPr>
-            <a:lvl4pPr indent="-304800" lvl="3" marL="1828800">
+            <a:lvl4pPr marL="1828800" lvl="3" indent="-304800">
               <a:spcBef>
                 <a:spcPts val="0"/>
               </a:spcBef>
@@ -4422,7 +4712,7 @@
               <a:buChar char="●"/>
               <a:defRPr sz="1200"/>
             </a:lvl4pPr>
-            <a:lvl5pPr indent="-304800" lvl="4" marL="2286000">
+            <a:lvl5pPr marL="2286000" lvl="4" indent="-304800">
               <a:spcBef>
                 <a:spcPts val="0"/>
               </a:spcBef>
@@ -4433,7 +4723,7 @@
               <a:buChar char="○"/>
               <a:defRPr sz="1200"/>
             </a:lvl5pPr>
-            <a:lvl6pPr indent="-304800" lvl="5" marL="2743200">
+            <a:lvl6pPr marL="2743200" lvl="5" indent="-304800">
               <a:spcBef>
                 <a:spcPts val="0"/>
               </a:spcBef>
@@ -4444,7 +4734,7 @@
               <a:buChar char="■"/>
               <a:defRPr sz="1200"/>
             </a:lvl6pPr>
-            <a:lvl7pPr indent="-304800" lvl="6" marL="3200400">
+            <a:lvl7pPr marL="3200400" lvl="6" indent="-304800">
               <a:spcBef>
                 <a:spcPts val="0"/>
               </a:spcBef>
@@ -4455,7 +4745,7 @@
               <a:buChar char="●"/>
               <a:defRPr sz="1200"/>
             </a:lvl7pPr>
-            <a:lvl8pPr indent="-304800" lvl="7" marL="3657600">
+            <a:lvl8pPr marL="3657600" lvl="7" indent="-304800">
               <a:spcBef>
                 <a:spcPts val="0"/>
               </a:spcBef>
@@ -4466,7 +4756,7 @@
               <a:buChar char="○"/>
               <a:defRPr sz="1200"/>
             </a:lvl8pPr>
-            <a:lvl9pPr indent="-304800" lvl="8" marL="4114800">
+            <a:lvl9pPr marL="4114800" lvl="8" indent="-304800">
               <a:spcBef>
                 <a:spcPts val="0"/>
               </a:spcBef>
@@ -4478,15 +4768,19 @@
               <a:defRPr sz="1200"/>
             </a:lvl9pPr>
           </a:lstStyle>
-          <a:p/>
+          <a:p>
+            <a:endParaRPr/>
+          </a:p>
         </p:txBody>
       </p:sp>
       <p:sp>
         <p:nvSpPr>
           <p:cNvPr id="26" name="Google Shape;26;p5"/>
-          <p:cNvSpPr txBox="1"/>
+          <p:cNvSpPr txBox="1">
+            <a:spLocks noGrp="1"/>
+          </p:cNvSpPr>
           <p:nvPr>
-            <p:ph idx="2" type="body"/>
+            <p:ph type="body" idx="2"/>
           </p:nvPr>
         </p:nvSpPr>
         <p:spPr>
@@ -4499,11 +4793,11 @@
           </a:prstGeom>
         </p:spPr>
         <p:txBody>
-          <a:bodyPr anchorCtr="0" anchor="t" bIns="91425" lIns="91425" spcFirstLastPara="1" rIns="91425" wrap="square" tIns="91425">
+          <a:bodyPr spcFirstLastPara="1" wrap="square" lIns="91425" tIns="91425" rIns="91425" bIns="91425" anchor="t" anchorCtr="0">
             <a:normAutofit/>
           </a:bodyPr>
           <a:lstStyle>
-            <a:lvl1pPr indent="-317500" lvl="0" marL="457200">
+            <a:lvl1pPr marL="457200" lvl="0" indent="-317500">
               <a:spcBef>
                 <a:spcPts val="0"/>
               </a:spcBef>
@@ -4514,7 +4808,7 @@
               <a:buChar char="●"/>
               <a:defRPr sz="1400"/>
             </a:lvl1pPr>
-            <a:lvl2pPr indent="-304800" lvl="1" marL="914400">
+            <a:lvl2pPr marL="914400" lvl="1" indent="-304800">
               <a:spcBef>
                 <a:spcPts val="0"/>
               </a:spcBef>
@@ -4525,7 +4819,7 @@
               <a:buChar char="○"/>
               <a:defRPr sz="1200"/>
             </a:lvl2pPr>
-            <a:lvl3pPr indent="-304800" lvl="2" marL="1371600">
+            <a:lvl3pPr marL="1371600" lvl="2" indent="-304800">
               <a:spcBef>
                 <a:spcPts val="0"/>
               </a:spcBef>
@@ -4536,7 +4830,7 @@
               <a:buChar char="■"/>
               <a:defRPr sz="1200"/>
             </a:lvl3pPr>
-            <a:lvl4pPr indent="-304800" lvl="3" marL="1828800">
+            <a:lvl4pPr marL="1828800" lvl="3" indent="-304800">
               <a:spcBef>
                 <a:spcPts val="0"/>
               </a:spcBef>
@@ -4547,7 +4841,7 @@
               <a:buChar char="●"/>
               <a:defRPr sz="1200"/>
             </a:lvl4pPr>
-            <a:lvl5pPr indent="-304800" lvl="4" marL="2286000">
+            <a:lvl5pPr marL="2286000" lvl="4" indent="-304800">
               <a:spcBef>
                 <a:spcPts val="0"/>
               </a:spcBef>
@@ -4558,7 +4852,7 @@
               <a:buChar char="○"/>
               <a:defRPr sz="1200"/>
             </a:lvl5pPr>
-            <a:lvl6pPr indent="-304800" lvl="5" marL="2743200">
+            <a:lvl6pPr marL="2743200" lvl="5" indent="-304800">
               <a:spcBef>
                 <a:spcPts val="0"/>
               </a:spcBef>
@@ -4569,7 +4863,7 @@
               <a:buChar char="■"/>
               <a:defRPr sz="1200"/>
             </a:lvl6pPr>
-            <a:lvl7pPr indent="-304800" lvl="6" marL="3200400">
+            <a:lvl7pPr marL="3200400" lvl="6" indent="-304800">
               <a:spcBef>
                 <a:spcPts val="0"/>
               </a:spcBef>
@@ -4580,7 +4874,7 @@
               <a:buChar char="●"/>
               <a:defRPr sz="1200"/>
             </a:lvl7pPr>
-            <a:lvl8pPr indent="-304800" lvl="7" marL="3657600">
+            <a:lvl8pPr marL="3657600" lvl="7" indent="-304800">
               <a:spcBef>
                 <a:spcPts val="0"/>
               </a:spcBef>
@@ -4591,7 +4885,7 @@
               <a:buChar char="○"/>
               <a:defRPr sz="1200"/>
             </a:lvl8pPr>
-            <a:lvl9pPr indent="-304800" lvl="8" marL="4114800">
+            <a:lvl9pPr marL="4114800" lvl="8" indent="-304800">
               <a:spcBef>
                 <a:spcPts val="0"/>
               </a:spcBef>
@@ -4603,15 +4897,19 @@
               <a:defRPr sz="1200"/>
             </a:lvl9pPr>
           </a:lstStyle>
-          <a:p/>
+          <a:p>
+            <a:endParaRPr/>
+          </a:p>
         </p:txBody>
       </p:sp>
       <p:sp>
         <p:nvSpPr>
           <p:cNvPr id="27" name="Google Shape;27;p5"/>
-          <p:cNvSpPr txBox="1"/>
+          <p:cNvSpPr txBox="1">
+            <a:spLocks noGrp="1"/>
+          </p:cNvSpPr>
           <p:nvPr>
-            <p:ph idx="12" type="sldNum"/>
+            <p:ph type="sldNum" idx="12"/>
           </p:nvPr>
         </p:nvSpPr>
         <p:spPr>
@@ -4624,7 +4922,7 @@
           </a:prstGeom>
         </p:spPr>
         <p:txBody>
-          <a:bodyPr anchorCtr="0" anchor="ctr" bIns="91425" lIns="91425" spcFirstLastPara="1" rIns="91425" wrap="square" tIns="91425">
+          <a:bodyPr spcFirstLastPara="1" wrap="square" lIns="91425" tIns="91425" rIns="91425" bIns="91425" anchor="ctr" anchorCtr="0">
             <a:normAutofit/>
           </a:bodyPr>
           <a:lstStyle>
@@ -4666,7 +4964,7 @@
             </a:lvl9pPr>
           </a:lstStyle>
           <a:p>
-            <a:pPr indent="0" lvl="0" marL="0" rtl="0" algn="r">
+            <a:pPr marL="0" lvl="0" indent="0" algn="r" rtl="0">
               <a:spcBef>
                 <a:spcPts val="0"/>
               </a:spcBef>
@@ -4692,11 +4990,11 @@
 </file>
 
 <file path=ppt/slideLayouts/slideLayout5.xml><?xml version="1.0" encoding="utf-8"?>
-<p:sldLayout xmlns:a="http://schemas.openxmlformats.org/drawingml/2006/main" xmlns:r="http://schemas.openxmlformats.org/officeDocument/2006/relationships" xmlns:mc="http://schemas.openxmlformats.org/markup-compatibility/2006" xmlns:mv="urn:schemas-microsoft-com:mac:vml" xmlns:p="http://schemas.openxmlformats.org/presentationml/2006/main" xmlns:c="http://schemas.openxmlformats.org/drawingml/2006/chart" xmlns:dgm="http://schemas.openxmlformats.org/drawingml/2006/diagram" xmlns:o="urn:schemas-microsoft-com:office:office" xmlns:v="urn:schemas-microsoft-com:vml" xmlns:pvml="urn:schemas-microsoft-com:office:powerpoint" xmlns:com="http://schemas.openxmlformats.org/drawingml/2006/compatibility" xmlns:p14="http://schemas.microsoft.com/office/powerpoint/2010/main" xmlns:p15="http://schemas.microsoft.com/office/powerpoint/2012/main" xmlns:ahyp="http://schemas.microsoft.com/office/drawing/2018/hyperlinkcolor" matchingName="Title only" type="titleOnly">
+<p:sldLayout xmlns:a="http://schemas.openxmlformats.org/drawingml/2006/main" xmlns:r="http://schemas.openxmlformats.org/officeDocument/2006/relationships" xmlns:p="http://schemas.openxmlformats.org/presentationml/2006/main" matchingName="Title only" type="titleOnly">
   <p:cSld name="TITLE_ONLY">
     <p:spTree>
       <p:nvGrpSpPr>
-        <p:cNvPr id="28" name="Shape 28"/>
+        <p:cNvPr id="1" name="Shape 28"/>
         <p:cNvGrpSpPr/>
         <p:nvPr/>
       </p:nvGrpSpPr>
@@ -4711,7 +5009,9 @@
       <p:sp>
         <p:nvSpPr>
           <p:cNvPr id="29" name="Google Shape;29;p6"/>
-          <p:cNvSpPr txBox="1"/>
+          <p:cNvSpPr txBox="1">
+            <a:spLocks noGrp="1"/>
+          </p:cNvSpPr>
           <p:nvPr>
             <p:ph type="title"/>
           </p:nvPr>
@@ -4726,7 +5026,7 @@
           </a:prstGeom>
         </p:spPr>
         <p:txBody>
-          <a:bodyPr anchorCtr="0" anchor="t" bIns="91425" lIns="91425" spcFirstLastPara="1" rIns="91425" wrap="square" tIns="91425">
+          <a:bodyPr spcFirstLastPara="1" wrap="square" lIns="91425" tIns="91425" rIns="91425" bIns="91425" anchor="t" anchorCtr="0">
             <a:normAutofit/>
           </a:bodyPr>
           <a:lstStyle>
@@ -4830,15 +5130,19 @@
               <a:defRPr/>
             </a:lvl9pPr>
           </a:lstStyle>
-          <a:p/>
+          <a:p>
+            <a:endParaRPr/>
+          </a:p>
         </p:txBody>
       </p:sp>
       <p:sp>
         <p:nvSpPr>
           <p:cNvPr id="30" name="Google Shape;30;p6"/>
-          <p:cNvSpPr txBox="1"/>
+          <p:cNvSpPr txBox="1">
+            <a:spLocks noGrp="1"/>
+          </p:cNvSpPr>
           <p:nvPr>
-            <p:ph idx="12" type="sldNum"/>
+            <p:ph type="sldNum" idx="12"/>
           </p:nvPr>
         </p:nvSpPr>
         <p:spPr>
@@ -4851,7 +5155,7 @@
           </a:prstGeom>
         </p:spPr>
         <p:txBody>
-          <a:bodyPr anchorCtr="0" anchor="ctr" bIns="91425" lIns="91425" spcFirstLastPara="1" rIns="91425" wrap="square" tIns="91425">
+          <a:bodyPr spcFirstLastPara="1" wrap="square" lIns="91425" tIns="91425" rIns="91425" bIns="91425" anchor="ctr" anchorCtr="0">
             <a:normAutofit/>
           </a:bodyPr>
           <a:lstStyle>
@@ -4893,7 +5197,7 @@
             </a:lvl9pPr>
           </a:lstStyle>
           <a:p>
-            <a:pPr indent="0" lvl="0" marL="0" rtl="0" algn="r">
+            <a:pPr marL="0" lvl="0" indent="0" algn="r" rtl="0">
               <a:spcBef>
                 <a:spcPts val="0"/>
               </a:spcBef>
@@ -4919,11 +5223,11 @@
 </file>
 
 <file path=ppt/slideLayouts/slideLayout6.xml><?xml version="1.0" encoding="utf-8"?>
-<p:sldLayout xmlns:a="http://schemas.openxmlformats.org/drawingml/2006/main" xmlns:r="http://schemas.openxmlformats.org/officeDocument/2006/relationships" xmlns:mc="http://schemas.openxmlformats.org/markup-compatibility/2006" xmlns:mv="urn:schemas-microsoft-com:mac:vml" xmlns:p="http://schemas.openxmlformats.org/presentationml/2006/main" xmlns:c="http://schemas.openxmlformats.org/drawingml/2006/chart" xmlns:dgm="http://schemas.openxmlformats.org/drawingml/2006/diagram" xmlns:o="urn:schemas-microsoft-com:office:office" xmlns:v="urn:schemas-microsoft-com:vml" xmlns:pvml="urn:schemas-microsoft-com:office:powerpoint" xmlns:com="http://schemas.openxmlformats.org/drawingml/2006/compatibility" xmlns:p14="http://schemas.microsoft.com/office/powerpoint/2010/main" xmlns:p15="http://schemas.microsoft.com/office/powerpoint/2012/main" xmlns:ahyp="http://schemas.microsoft.com/office/drawing/2018/hyperlinkcolor" matchingName="One column text">
+<p:sldLayout xmlns:a="http://schemas.openxmlformats.org/drawingml/2006/main" xmlns:r="http://schemas.openxmlformats.org/officeDocument/2006/relationships" xmlns:p="http://schemas.openxmlformats.org/presentationml/2006/main" matchingName="One column text">
   <p:cSld name="ONE_COLUMN_TEXT">
     <p:spTree>
       <p:nvGrpSpPr>
-        <p:cNvPr id="31" name="Shape 31"/>
+        <p:cNvPr id="1" name="Shape 31"/>
         <p:cNvGrpSpPr/>
         <p:nvPr/>
       </p:nvGrpSpPr>
@@ -4938,7 +5242,9 @@
       <p:sp>
         <p:nvSpPr>
           <p:cNvPr id="32" name="Google Shape;32;p7"/>
-          <p:cNvSpPr txBox="1"/>
+          <p:cNvSpPr txBox="1">
+            <a:spLocks noGrp="1"/>
+          </p:cNvSpPr>
           <p:nvPr>
             <p:ph type="title"/>
           </p:nvPr>
@@ -4953,7 +5259,7 @@
           </a:prstGeom>
         </p:spPr>
         <p:txBody>
-          <a:bodyPr anchorCtr="0" anchor="b" bIns="91425" lIns="91425" spcFirstLastPara="1" rIns="91425" wrap="square" tIns="91425">
+          <a:bodyPr spcFirstLastPara="1" wrap="square" lIns="91425" tIns="91425" rIns="91425" bIns="91425" anchor="b" anchorCtr="0">
             <a:normAutofit/>
           </a:bodyPr>
           <a:lstStyle>
@@ -5057,15 +5363,19 @@
               <a:defRPr sz="2400"/>
             </a:lvl9pPr>
           </a:lstStyle>
-          <a:p/>
+          <a:p>
+            <a:endParaRPr/>
+          </a:p>
         </p:txBody>
       </p:sp>
       <p:sp>
         <p:nvSpPr>
           <p:cNvPr id="33" name="Google Shape;33;p7"/>
-          <p:cNvSpPr txBox="1"/>
+          <p:cNvSpPr txBox="1">
+            <a:spLocks noGrp="1"/>
+          </p:cNvSpPr>
           <p:nvPr>
-            <p:ph idx="1" type="body"/>
+            <p:ph type="body" idx="1"/>
           </p:nvPr>
         </p:nvSpPr>
         <p:spPr>
@@ -5078,11 +5388,11 @@
           </a:prstGeom>
         </p:spPr>
         <p:txBody>
-          <a:bodyPr anchorCtr="0" anchor="t" bIns="91425" lIns="91425" spcFirstLastPara="1" rIns="91425" wrap="square" tIns="91425">
+          <a:bodyPr spcFirstLastPara="1" wrap="square" lIns="91425" tIns="91425" rIns="91425" bIns="91425" anchor="t" anchorCtr="0">
             <a:normAutofit/>
           </a:bodyPr>
           <a:lstStyle>
-            <a:lvl1pPr indent="-304800" lvl="0" marL="457200">
+            <a:lvl1pPr marL="457200" lvl="0" indent="-304800">
               <a:spcBef>
                 <a:spcPts val="0"/>
               </a:spcBef>
@@ -5093,7 +5403,7 @@
               <a:buChar char="●"/>
               <a:defRPr sz="1200"/>
             </a:lvl1pPr>
-            <a:lvl2pPr indent="-304800" lvl="1" marL="914400">
+            <a:lvl2pPr marL="914400" lvl="1" indent="-304800">
               <a:spcBef>
                 <a:spcPts val="0"/>
               </a:spcBef>
@@ -5104,7 +5414,7 @@
               <a:buChar char="○"/>
               <a:defRPr sz="1200"/>
             </a:lvl2pPr>
-            <a:lvl3pPr indent="-304800" lvl="2" marL="1371600">
+            <a:lvl3pPr marL="1371600" lvl="2" indent="-304800">
               <a:spcBef>
                 <a:spcPts val="0"/>
               </a:spcBef>
@@ -5115,7 +5425,7 @@
               <a:buChar char="■"/>
               <a:defRPr sz="1200"/>
             </a:lvl3pPr>
-            <a:lvl4pPr indent="-304800" lvl="3" marL="1828800">
+            <a:lvl4pPr marL="1828800" lvl="3" indent="-304800">
               <a:spcBef>
                 <a:spcPts val="0"/>
               </a:spcBef>
@@ -5126,7 +5436,7 @@
               <a:buChar char="●"/>
               <a:defRPr sz="1200"/>
             </a:lvl4pPr>
-            <a:lvl5pPr indent="-304800" lvl="4" marL="2286000">
+            <a:lvl5pPr marL="2286000" lvl="4" indent="-304800">
               <a:spcBef>
                 <a:spcPts val="0"/>
               </a:spcBef>
@@ -5137,7 +5447,7 @@
               <a:buChar char="○"/>
               <a:defRPr sz="1200"/>
             </a:lvl5pPr>
-            <a:lvl6pPr indent="-304800" lvl="5" marL="2743200">
+            <a:lvl6pPr marL="2743200" lvl="5" indent="-304800">
               <a:spcBef>
                 <a:spcPts val="0"/>
               </a:spcBef>
@@ -5148,7 +5458,7 @@
               <a:buChar char="■"/>
               <a:defRPr sz="1200"/>
             </a:lvl6pPr>
-            <a:lvl7pPr indent="-304800" lvl="6" marL="3200400">
+            <a:lvl7pPr marL="3200400" lvl="6" indent="-304800">
               <a:spcBef>
                 <a:spcPts val="0"/>
               </a:spcBef>
@@ -5159,7 +5469,7 @@
               <a:buChar char="●"/>
               <a:defRPr sz="1200"/>
             </a:lvl7pPr>
-            <a:lvl8pPr indent="-304800" lvl="7" marL="3657600">
+            <a:lvl8pPr marL="3657600" lvl="7" indent="-304800">
               <a:spcBef>
                 <a:spcPts val="0"/>
               </a:spcBef>
@@ -5170,7 +5480,7 @@
               <a:buChar char="○"/>
               <a:defRPr sz="1200"/>
             </a:lvl8pPr>
-            <a:lvl9pPr indent="-304800" lvl="8" marL="4114800">
+            <a:lvl9pPr marL="4114800" lvl="8" indent="-304800">
               <a:spcBef>
                 <a:spcPts val="0"/>
               </a:spcBef>
@@ -5182,15 +5492,19 @@
               <a:defRPr sz="1200"/>
             </a:lvl9pPr>
           </a:lstStyle>
-          <a:p/>
+          <a:p>
+            <a:endParaRPr/>
+          </a:p>
         </p:txBody>
       </p:sp>
       <p:sp>
         <p:nvSpPr>
           <p:cNvPr id="34" name="Google Shape;34;p7"/>
-          <p:cNvSpPr txBox="1"/>
+          <p:cNvSpPr txBox="1">
+            <a:spLocks noGrp="1"/>
+          </p:cNvSpPr>
           <p:nvPr>
-            <p:ph idx="12" type="sldNum"/>
+            <p:ph type="sldNum" idx="12"/>
           </p:nvPr>
         </p:nvSpPr>
         <p:spPr>
@@ -5203,7 +5517,7 @@
           </a:prstGeom>
         </p:spPr>
         <p:txBody>
-          <a:bodyPr anchorCtr="0" anchor="ctr" bIns="91425" lIns="91425" spcFirstLastPara="1" rIns="91425" wrap="square" tIns="91425">
+          <a:bodyPr spcFirstLastPara="1" wrap="square" lIns="91425" tIns="91425" rIns="91425" bIns="91425" anchor="ctr" anchorCtr="0">
             <a:normAutofit/>
           </a:bodyPr>
           <a:lstStyle>
@@ -5245,7 +5559,7 @@
             </a:lvl9pPr>
           </a:lstStyle>
           <a:p>
-            <a:pPr indent="0" lvl="0" marL="0" rtl="0" algn="r">
+            <a:pPr marL="0" lvl="0" indent="0" algn="r" rtl="0">
               <a:spcBef>
                 <a:spcPts val="0"/>
               </a:spcBef>
@@ -5271,18 +5585,19 @@
 </file>
 
 <file path=ppt/slideLayouts/slideLayout7.xml><?xml version="1.0" encoding="utf-8"?>
-<p:sldLayout xmlns:a="http://schemas.openxmlformats.org/drawingml/2006/main" xmlns:r="http://schemas.openxmlformats.org/officeDocument/2006/relationships" xmlns:mc="http://schemas.openxmlformats.org/markup-compatibility/2006" xmlns:mv="urn:schemas-microsoft-com:mac:vml" xmlns:p="http://schemas.openxmlformats.org/presentationml/2006/main" xmlns:c="http://schemas.openxmlformats.org/drawingml/2006/chart" xmlns:dgm="http://schemas.openxmlformats.org/drawingml/2006/diagram" xmlns:o="urn:schemas-microsoft-com:office:office" xmlns:v="urn:schemas-microsoft-com:vml" xmlns:pvml="urn:schemas-microsoft-com:office:powerpoint" xmlns:com="http://schemas.openxmlformats.org/drawingml/2006/compatibility" xmlns:p14="http://schemas.microsoft.com/office/powerpoint/2010/main" xmlns:p15="http://schemas.microsoft.com/office/powerpoint/2012/main" xmlns:ahyp="http://schemas.microsoft.com/office/drawing/2018/hyperlinkcolor" matchingName="Main point">
+<p:sldLayout xmlns:a="http://schemas.openxmlformats.org/drawingml/2006/main" xmlns:r="http://schemas.openxmlformats.org/officeDocument/2006/relationships" xmlns:p="http://schemas.openxmlformats.org/presentationml/2006/main" matchingName="Main point">
   <p:cSld name="MAIN_POINT">
     <p:bg>
       <p:bgPr>
         <a:solidFill>
           <a:schemeClr val="dk2"/>
         </a:solidFill>
+        <a:effectLst/>
       </p:bgPr>
     </p:bg>
     <p:spTree>
       <p:nvGrpSpPr>
-        <p:cNvPr id="35" name="Shape 35"/>
+        <p:cNvPr id="1" name="Shape 35"/>
         <p:cNvGrpSpPr/>
         <p:nvPr/>
       </p:nvGrpSpPr>
@@ -5297,7 +5612,9 @@
       <p:sp>
         <p:nvSpPr>
           <p:cNvPr id="36" name="Google Shape;36;p8"/>
-          <p:cNvSpPr txBox="1"/>
+          <p:cNvSpPr txBox="1">
+            <a:spLocks noGrp="1"/>
+          </p:cNvSpPr>
           <p:nvPr>
             <p:ph type="title"/>
           </p:nvPr>
@@ -5312,7 +5629,7 @@
           </a:prstGeom>
         </p:spPr>
         <p:txBody>
-          <a:bodyPr anchorCtr="0" anchor="ctr" bIns="91425" lIns="91425" spcFirstLastPara="1" rIns="91425" wrap="square" tIns="91425">
+          <a:bodyPr spcFirstLastPara="1" wrap="square" lIns="91425" tIns="91425" rIns="91425" bIns="91425" anchor="ctr" anchorCtr="0">
             <a:normAutofit/>
           </a:bodyPr>
           <a:lstStyle>
@@ -5329,7 +5646,7 @@
               <a:buSzPts val="4800"/>
               <a:buFont typeface="Lato"/>
               <a:buNone/>
-              <a:defRPr b="0" sz="4800">
+              <a:defRPr sz="4800" b="0">
                 <a:solidFill>
                   <a:schemeClr val="lt1"/>
                 </a:solidFill>
@@ -5352,7 +5669,7 @@
               <a:buSzPts val="4800"/>
               <a:buFont typeface="Lato"/>
               <a:buNone/>
-              <a:defRPr b="0" sz="4800">
+              <a:defRPr sz="4800" b="0">
                 <a:solidFill>
                   <a:schemeClr val="lt1"/>
                 </a:solidFill>
@@ -5375,7 +5692,7 @@
               <a:buSzPts val="4800"/>
               <a:buFont typeface="Lato"/>
               <a:buNone/>
-              <a:defRPr b="0" sz="4800">
+              <a:defRPr sz="4800" b="0">
                 <a:solidFill>
                   <a:schemeClr val="lt1"/>
                 </a:solidFill>
@@ -5398,7 +5715,7 @@
               <a:buSzPts val="4800"/>
               <a:buFont typeface="Lato"/>
               <a:buNone/>
-              <a:defRPr b="0" sz="4800">
+              <a:defRPr sz="4800" b="0">
                 <a:solidFill>
                   <a:schemeClr val="lt1"/>
                 </a:solidFill>
@@ -5421,7 +5738,7 @@
               <a:buSzPts val="4800"/>
               <a:buFont typeface="Lato"/>
               <a:buNone/>
-              <a:defRPr b="0" sz="4800">
+              <a:defRPr sz="4800" b="0">
                 <a:solidFill>
                   <a:schemeClr val="lt1"/>
                 </a:solidFill>
@@ -5444,7 +5761,7 @@
               <a:buSzPts val="4800"/>
               <a:buFont typeface="Lato"/>
               <a:buNone/>
-              <a:defRPr b="0" sz="4800">
+              <a:defRPr sz="4800" b="0">
                 <a:solidFill>
                   <a:schemeClr val="lt1"/>
                 </a:solidFill>
@@ -5467,7 +5784,7 @@
               <a:buSzPts val="4800"/>
               <a:buFont typeface="Lato"/>
               <a:buNone/>
-              <a:defRPr b="0" sz="4800">
+              <a:defRPr sz="4800" b="0">
                 <a:solidFill>
                   <a:schemeClr val="lt1"/>
                 </a:solidFill>
@@ -5490,7 +5807,7 @@
               <a:buSzPts val="4800"/>
               <a:buFont typeface="Lato"/>
               <a:buNone/>
-              <a:defRPr b="0" sz="4800">
+              <a:defRPr sz="4800" b="0">
                 <a:solidFill>
                   <a:schemeClr val="lt1"/>
                 </a:solidFill>
@@ -5513,7 +5830,7 @@
               <a:buSzPts val="4800"/>
               <a:buFont typeface="Lato"/>
               <a:buNone/>
-              <a:defRPr b="0" sz="4800">
+              <a:defRPr sz="4800" b="0">
                 <a:solidFill>
                   <a:schemeClr val="lt1"/>
                 </a:solidFill>
@@ -5524,15 +5841,19 @@
               </a:defRPr>
             </a:lvl9pPr>
           </a:lstStyle>
-          <a:p/>
+          <a:p>
+            <a:endParaRPr/>
+          </a:p>
         </p:txBody>
       </p:sp>
       <p:sp>
         <p:nvSpPr>
           <p:cNvPr id="37" name="Google Shape;37;p8"/>
-          <p:cNvSpPr txBox="1"/>
+          <p:cNvSpPr txBox="1">
+            <a:spLocks noGrp="1"/>
+          </p:cNvSpPr>
           <p:nvPr>
-            <p:ph idx="12" type="sldNum"/>
+            <p:ph type="sldNum" idx="12"/>
           </p:nvPr>
         </p:nvSpPr>
         <p:spPr>
@@ -5545,7 +5866,7 @@
           </a:prstGeom>
         </p:spPr>
         <p:txBody>
-          <a:bodyPr anchorCtr="0" anchor="ctr" bIns="91425" lIns="91425" spcFirstLastPara="1" rIns="91425" wrap="square" tIns="91425">
+          <a:bodyPr spcFirstLastPara="1" wrap="square" lIns="91425" tIns="91425" rIns="91425" bIns="91425" anchor="ctr" anchorCtr="0">
             <a:normAutofit/>
           </a:bodyPr>
           <a:lstStyle>
@@ -5623,7 +5944,7 @@
             </a:lvl9pPr>
           </a:lstStyle>
           <a:p>
-            <a:pPr indent="0" lvl="0" marL="0" rtl="0" algn="r">
+            <a:pPr marL="0" lvl="0" indent="0" algn="r" rtl="0">
               <a:spcBef>
                 <a:spcPts val="0"/>
               </a:spcBef>
@@ -5649,11 +5970,11 @@
 </file>
 
 <file path=ppt/slideLayouts/slideLayout8.xml><?xml version="1.0" encoding="utf-8"?>
-<p:sldLayout xmlns:a="http://schemas.openxmlformats.org/drawingml/2006/main" xmlns:r="http://schemas.openxmlformats.org/officeDocument/2006/relationships" xmlns:mc="http://schemas.openxmlformats.org/markup-compatibility/2006" xmlns:mv="urn:schemas-microsoft-com:mac:vml" xmlns:p="http://schemas.openxmlformats.org/presentationml/2006/main" xmlns:c="http://schemas.openxmlformats.org/drawingml/2006/chart" xmlns:dgm="http://schemas.openxmlformats.org/drawingml/2006/diagram" xmlns:o="urn:schemas-microsoft-com:office:office" xmlns:v="urn:schemas-microsoft-com:vml" xmlns:pvml="urn:schemas-microsoft-com:office:powerpoint" xmlns:com="http://schemas.openxmlformats.org/drawingml/2006/compatibility" xmlns:p14="http://schemas.microsoft.com/office/powerpoint/2010/main" xmlns:p15="http://schemas.microsoft.com/office/powerpoint/2012/main" xmlns:ahyp="http://schemas.microsoft.com/office/drawing/2018/hyperlinkcolor" matchingName="Section title and description">
+<p:sldLayout xmlns:a="http://schemas.openxmlformats.org/drawingml/2006/main" xmlns:r="http://schemas.openxmlformats.org/officeDocument/2006/relationships" xmlns:p="http://schemas.openxmlformats.org/presentationml/2006/main" matchingName="Section title and description">
   <p:cSld name="SECTION_TITLE_AND_DESCRIPTION">
     <p:spTree>
       <p:nvGrpSpPr>
-        <p:cNvPr id="38" name="Shape 38"/>
+        <p:cNvPr id="1" name="Shape 38"/>
         <p:cNvGrpSpPr/>
         <p:nvPr/>
       </p:nvGrpSpPr>
@@ -5687,12 +6008,12 @@
           </a:ln>
         </p:spPr>
         <p:txBody>
-          <a:bodyPr anchorCtr="0" anchor="ctr" bIns="91425" lIns="91425" spcFirstLastPara="1" rIns="91425" wrap="square" tIns="91425">
+          <a:bodyPr spcFirstLastPara="1" wrap="square" lIns="91425" tIns="91425" rIns="91425" bIns="91425" anchor="ctr" anchorCtr="0">
             <a:noAutofit/>
           </a:bodyPr>
           <a:lstStyle/>
           <a:p>
-            <a:pPr indent="0" lvl="0" marL="0" rtl="0" algn="l">
+            <a:pPr marL="0" lvl="0" indent="0" algn="l" rtl="0">
               <a:spcBef>
                 <a:spcPts val="0"/>
               </a:spcBef>
@@ -5701,9 +6022,6 @@
               </a:spcAft>
               <a:buNone/>
             </a:pPr>
-            <a:r>
-              <a:t/>
-            </a:r>
             <a:endParaRPr/>
           </a:p>
         </p:txBody>
@@ -5723,21 +6041,23 @@
             <a:avLst/>
           </a:prstGeom>
           <a:noFill/>
-          <a:ln cap="flat" cmpd="sng" w="19050">
+          <a:ln w="19050" cap="flat" cmpd="sng">
             <a:solidFill>
               <a:schemeClr val="lt1"/>
             </a:solidFill>
             <a:prstDash val="solid"/>
             <a:round/>
-            <a:headEnd len="sm" w="sm" type="none"/>
-            <a:tailEnd len="sm" w="sm" type="none"/>
+            <a:headEnd type="none" w="sm" len="sm"/>
+            <a:tailEnd type="none" w="sm" len="sm"/>
           </a:ln>
         </p:spPr>
       </p:cxnSp>
       <p:sp>
         <p:nvSpPr>
           <p:cNvPr id="41" name="Google Shape;41;p9"/>
-          <p:cNvSpPr txBox="1"/>
+          <p:cNvSpPr txBox="1">
+            <a:spLocks noGrp="1"/>
+          </p:cNvSpPr>
           <p:nvPr>
             <p:ph type="title"/>
           </p:nvPr>
@@ -5752,7 +6072,7 @@
           </a:prstGeom>
         </p:spPr>
         <p:txBody>
-          <a:bodyPr anchorCtr="0" anchor="b" bIns="91425" lIns="91425" spcFirstLastPara="1" rIns="91425" wrap="square" tIns="91425">
+          <a:bodyPr spcFirstLastPara="1" wrap="square" lIns="91425" tIns="91425" rIns="91425" bIns="91425" anchor="b" anchorCtr="0">
             <a:normAutofit/>
           </a:bodyPr>
           <a:lstStyle>
@@ -5856,15 +6176,19 @@
               <a:defRPr sz="4200"/>
             </a:lvl9pPr>
           </a:lstStyle>
-          <a:p/>
+          <a:p>
+            <a:endParaRPr/>
+          </a:p>
         </p:txBody>
       </p:sp>
       <p:sp>
         <p:nvSpPr>
           <p:cNvPr id="42" name="Google Shape;42;p9"/>
-          <p:cNvSpPr txBox="1"/>
+          <p:cNvSpPr txBox="1">
+            <a:spLocks noGrp="1"/>
+          </p:cNvSpPr>
           <p:nvPr>
-            <p:ph idx="1" type="subTitle"/>
+            <p:ph type="subTitle" idx="1"/>
           </p:nvPr>
         </p:nvSpPr>
         <p:spPr>
@@ -5877,7 +6201,7 @@
           </a:prstGeom>
         </p:spPr>
         <p:txBody>
-          <a:bodyPr anchorCtr="0" anchor="t" bIns="91425" lIns="91425" spcFirstLastPara="1" rIns="91425" wrap="square" tIns="91425">
+          <a:bodyPr spcFirstLastPara="1" wrap="square" lIns="91425" tIns="91425" rIns="91425" bIns="91425" anchor="t" anchorCtr="0">
             <a:normAutofit/>
           </a:bodyPr>
           <a:lstStyle>
@@ -6008,15 +6332,19 @@
               <a:defRPr sz="2100"/>
             </a:lvl9pPr>
           </a:lstStyle>
-          <a:p/>
+          <a:p>
+            <a:endParaRPr/>
+          </a:p>
         </p:txBody>
       </p:sp>
       <p:sp>
         <p:nvSpPr>
           <p:cNvPr id="43" name="Google Shape;43;p9"/>
-          <p:cNvSpPr txBox="1"/>
+          <p:cNvSpPr txBox="1">
+            <a:spLocks noGrp="1"/>
+          </p:cNvSpPr>
           <p:nvPr>
-            <p:ph idx="2" type="body"/>
+            <p:ph type="body" idx="2"/>
           </p:nvPr>
         </p:nvSpPr>
         <p:spPr>
@@ -6029,11 +6357,11 @@
           </a:prstGeom>
         </p:spPr>
         <p:txBody>
-          <a:bodyPr anchorCtr="0" anchor="ctr" bIns="91425" lIns="91425" spcFirstLastPara="1" rIns="91425" wrap="square" tIns="91425">
+          <a:bodyPr spcFirstLastPara="1" wrap="square" lIns="91425" tIns="91425" rIns="91425" bIns="91425" anchor="ctr" anchorCtr="0">
             <a:normAutofit/>
           </a:bodyPr>
           <a:lstStyle>
-            <a:lvl1pPr indent="-342900" lvl="0" marL="457200">
+            <a:lvl1pPr marL="457200" lvl="0" indent="-342900">
               <a:spcBef>
                 <a:spcPts val="0"/>
               </a:spcBef>
@@ -6051,7 +6379,7 @@
                 </a:solidFill>
               </a:defRPr>
             </a:lvl1pPr>
-            <a:lvl2pPr indent="-317500" lvl="1" marL="914400">
+            <a:lvl2pPr marL="914400" lvl="1" indent="-317500">
               <a:spcBef>
                 <a:spcPts val="0"/>
               </a:spcBef>
@@ -6069,7 +6397,7 @@
                 </a:solidFill>
               </a:defRPr>
             </a:lvl2pPr>
-            <a:lvl3pPr indent="-317500" lvl="2" marL="1371600">
+            <a:lvl3pPr marL="1371600" lvl="2" indent="-317500">
               <a:spcBef>
                 <a:spcPts val="0"/>
               </a:spcBef>
@@ -6087,7 +6415,7 @@
                 </a:solidFill>
               </a:defRPr>
             </a:lvl3pPr>
-            <a:lvl4pPr indent="-317500" lvl="3" marL="1828800">
+            <a:lvl4pPr marL="1828800" lvl="3" indent="-317500">
               <a:spcBef>
                 <a:spcPts val="0"/>
               </a:spcBef>
@@ -6105,7 +6433,7 @@
                 </a:solidFill>
               </a:defRPr>
             </a:lvl4pPr>
-            <a:lvl5pPr indent="-317500" lvl="4" marL="2286000">
+            <a:lvl5pPr marL="2286000" lvl="4" indent="-317500">
               <a:spcBef>
                 <a:spcPts val="0"/>
               </a:spcBef>
@@ -6123,7 +6451,7 @@
                 </a:solidFill>
               </a:defRPr>
             </a:lvl5pPr>
-            <a:lvl6pPr indent="-317500" lvl="5" marL="2743200">
+            <a:lvl6pPr marL="2743200" lvl="5" indent="-317500">
               <a:spcBef>
                 <a:spcPts val="0"/>
               </a:spcBef>
@@ -6141,7 +6469,7 @@
                 </a:solidFill>
               </a:defRPr>
             </a:lvl6pPr>
-            <a:lvl7pPr indent="-317500" lvl="6" marL="3200400">
+            <a:lvl7pPr marL="3200400" lvl="6" indent="-317500">
               <a:spcBef>
                 <a:spcPts val="0"/>
               </a:spcBef>
@@ -6159,7 +6487,7 @@
                 </a:solidFill>
               </a:defRPr>
             </a:lvl7pPr>
-            <a:lvl8pPr indent="-317500" lvl="7" marL="3657600">
+            <a:lvl8pPr marL="3657600" lvl="7" indent="-317500">
               <a:spcBef>
                 <a:spcPts val="0"/>
               </a:spcBef>
@@ -6177,7 +6505,7 @@
                 </a:solidFill>
               </a:defRPr>
             </a:lvl8pPr>
-            <a:lvl9pPr indent="-317500" lvl="8" marL="4114800">
+            <a:lvl9pPr marL="4114800" lvl="8" indent="-317500">
               <a:spcBef>
                 <a:spcPts val="0"/>
               </a:spcBef>
@@ -6196,15 +6524,19 @@
               </a:defRPr>
             </a:lvl9pPr>
           </a:lstStyle>
-          <a:p/>
+          <a:p>
+            <a:endParaRPr/>
+          </a:p>
         </p:txBody>
       </p:sp>
       <p:sp>
         <p:nvSpPr>
           <p:cNvPr id="44" name="Google Shape;44;p9"/>
-          <p:cNvSpPr txBox="1"/>
+          <p:cNvSpPr txBox="1">
+            <a:spLocks noGrp="1"/>
+          </p:cNvSpPr>
           <p:nvPr>
-            <p:ph idx="12" type="sldNum"/>
+            <p:ph type="sldNum" idx="12"/>
           </p:nvPr>
         </p:nvSpPr>
         <p:spPr>
@@ -6217,7 +6549,7 @@
           </a:prstGeom>
         </p:spPr>
         <p:txBody>
-          <a:bodyPr anchorCtr="0" anchor="ctr" bIns="91425" lIns="91425" spcFirstLastPara="1" rIns="91425" wrap="square" tIns="91425">
+          <a:bodyPr spcFirstLastPara="1" wrap="square" lIns="91425" tIns="91425" rIns="91425" bIns="91425" anchor="ctr" anchorCtr="0">
             <a:normAutofit/>
           </a:bodyPr>
           <a:lstStyle>
@@ -6295,7 +6627,7 @@
             </a:lvl9pPr>
           </a:lstStyle>
           <a:p>
-            <a:pPr indent="0" lvl="0" marL="0" rtl="0" algn="r">
+            <a:pPr marL="0" lvl="0" indent="0" algn="r" rtl="0">
               <a:spcBef>
                 <a:spcPts val="0"/>
               </a:spcBef>
@@ -6321,11 +6653,11 @@
 </file>
 
 <file path=ppt/slideLayouts/slideLayout9.xml><?xml version="1.0" encoding="utf-8"?>
-<p:sldLayout xmlns:a="http://schemas.openxmlformats.org/drawingml/2006/main" xmlns:r="http://schemas.openxmlformats.org/officeDocument/2006/relationships" xmlns:mc="http://schemas.openxmlformats.org/markup-compatibility/2006" xmlns:mv="urn:schemas-microsoft-com:mac:vml" xmlns:p="http://schemas.openxmlformats.org/presentationml/2006/main" xmlns:c="http://schemas.openxmlformats.org/drawingml/2006/chart" xmlns:dgm="http://schemas.openxmlformats.org/drawingml/2006/diagram" xmlns:o="urn:schemas-microsoft-com:office:office" xmlns:v="urn:schemas-microsoft-com:vml" xmlns:pvml="urn:schemas-microsoft-com:office:powerpoint" xmlns:com="http://schemas.openxmlformats.org/drawingml/2006/compatibility" xmlns:p14="http://schemas.microsoft.com/office/powerpoint/2010/main" xmlns:p15="http://schemas.microsoft.com/office/powerpoint/2012/main" xmlns:ahyp="http://schemas.microsoft.com/office/drawing/2018/hyperlinkcolor" matchingName="Caption">
+<p:sldLayout xmlns:a="http://schemas.openxmlformats.org/drawingml/2006/main" xmlns:r="http://schemas.openxmlformats.org/officeDocument/2006/relationships" xmlns:p="http://schemas.openxmlformats.org/presentationml/2006/main" matchingName="Caption">
   <p:cSld name="CAPTION_ONLY">
     <p:spTree>
       <p:nvGrpSpPr>
-        <p:cNvPr id="45" name="Shape 45"/>
+        <p:cNvPr id="1" name="Shape 45"/>
         <p:cNvGrpSpPr/>
         <p:nvPr/>
       </p:nvGrpSpPr>
@@ -6340,9 +6672,11 @@
       <p:sp>
         <p:nvSpPr>
           <p:cNvPr id="46" name="Google Shape;46;p10"/>
-          <p:cNvSpPr txBox="1"/>
+          <p:cNvSpPr txBox="1">
+            <a:spLocks noGrp="1"/>
+          </p:cNvSpPr>
           <p:nvPr>
-            <p:ph idx="1" type="body"/>
+            <p:ph type="body" idx="1"/>
           </p:nvPr>
         </p:nvSpPr>
         <p:spPr>
@@ -6355,11 +6689,11 @@
           </a:prstGeom>
         </p:spPr>
         <p:txBody>
-          <a:bodyPr anchorCtr="0" anchor="ctr" bIns="91425" lIns="91425" spcFirstLastPara="1" rIns="91425" wrap="square" tIns="91425">
+          <a:bodyPr spcFirstLastPara="1" wrap="square" lIns="91425" tIns="91425" rIns="91425" bIns="91425" anchor="ctr" anchorCtr="0">
             <a:normAutofit/>
           </a:bodyPr>
           <a:lstStyle>
-            <a:lvl1pPr indent="-228600" lvl="0" marL="457200">
+            <a:lvl1pPr marL="457200" lvl="0" indent="-228600">
               <a:lnSpc>
                 <a:spcPct val="100000"/>
               </a:lnSpc>
@@ -6374,15 +6708,19 @@
               <a:defRPr/>
             </a:lvl1pPr>
           </a:lstStyle>
-          <a:p/>
+          <a:p>
+            <a:endParaRPr/>
+          </a:p>
         </p:txBody>
       </p:sp>
       <p:sp>
         <p:nvSpPr>
           <p:cNvPr id="47" name="Google Shape;47;p10"/>
-          <p:cNvSpPr txBox="1"/>
+          <p:cNvSpPr txBox="1">
+            <a:spLocks noGrp="1"/>
+          </p:cNvSpPr>
           <p:nvPr>
-            <p:ph idx="12" type="sldNum"/>
+            <p:ph type="sldNum" idx="12"/>
           </p:nvPr>
         </p:nvSpPr>
         <p:spPr>
@@ -6395,7 +6733,7 @@
           </a:prstGeom>
         </p:spPr>
         <p:txBody>
-          <a:bodyPr anchorCtr="0" anchor="ctr" bIns="91425" lIns="91425" spcFirstLastPara="1" rIns="91425" wrap="square" tIns="91425">
+          <a:bodyPr spcFirstLastPara="1" wrap="square" lIns="91425" tIns="91425" rIns="91425" bIns="91425" anchor="ctr" anchorCtr="0">
             <a:normAutofit/>
           </a:bodyPr>
           <a:lstStyle>
@@ -6437,7 +6775,7 @@
             </a:lvl9pPr>
           </a:lstStyle>
           <a:p>
-            <a:pPr indent="0" lvl="0" marL="0" rtl="0" algn="r">
+            <a:pPr marL="0" lvl="0" indent="0" algn="r" rtl="0">
               <a:spcBef>
                 <a:spcPts val="0"/>
               </a:spcBef>
@@ -6463,18 +6801,19 @@
 </file>
 
 <file path=ppt/slideMasters/slideMaster1.xml><?xml version="1.0" encoding="utf-8"?>
-<p:sldMaster xmlns:a="http://schemas.openxmlformats.org/drawingml/2006/main" xmlns:r="http://schemas.openxmlformats.org/officeDocument/2006/relationships" xmlns:mc="http://schemas.openxmlformats.org/markup-compatibility/2006" xmlns:mv="urn:schemas-microsoft-com:mac:vml" xmlns:p="http://schemas.openxmlformats.org/presentationml/2006/main" xmlns:c="http://schemas.openxmlformats.org/drawingml/2006/chart" xmlns:dgm="http://schemas.openxmlformats.org/drawingml/2006/diagram" xmlns:o="urn:schemas-microsoft-com:office:office" xmlns:v="urn:schemas-microsoft-com:vml" xmlns:pvml="urn:schemas-microsoft-com:office:powerpoint" xmlns:com="http://schemas.openxmlformats.org/drawingml/2006/compatibility" xmlns:p14="http://schemas.microsoft.com/office/powerpoint/2010/main" xmlns:p15="http://schemas.microsoft.com/office/powerpoint/2012/main" xmlns:ahyp="http://schemas.microsoft.com/office/drawing/2018/hyperlinkcolor">
+<p:sldMaster xmlns:a="http://schemas.openxmlformats.org/drawingml/2006/main" xmlns:r="http://schemas.openxmlformats.org/officeDocument/2006/relationships" xmlns:p="http://schemas.openxmlformats.org/presentationml/2006/main">
   <p:cSld name="coral">
     <p:bg>
       <p:bgPr>
         <a:solidFill>
           <a:schemeClr val="dk2"/>
         </a:solidFill>
+        <a:effectLst/>
       </p:bgPr>
     </p:bg>
     <p:spTree>
       <p:nvGrpSpPr>
-        <p:cNvPr id="5" name="Shape 5"/>
+        <p:cNvPr id="1" name="Shape 5"/>
         <p:cNvGrpSpPr/>
         <p:nvPr/>
       </p:nvGrpSpPr>
@@ -6489,7 +6828,9 @@
       <p:sp>
         <p:nvSpPr>
           <p:cNvPr id="6" name="Google Shape;6;p1"/>
-          <p:cNvSpPr txBox="1"/>
+          <p:cNvSpPr txBox="1">
+            <a:spLocks noGrp="1"/>
+          </p:cNvSpPr>
           <p:nvPr>
             <p:ph type="title"/>
           </p:nvPr>
@@ -6508,7 +6849,7 @@
           </a:ln>
         </p:spPr>
         <p:txBody>
-          <a:bodyPr anchorCtr="0" anchor="t" bIns="91425" lIns="91425" spcFirstLastPara="1" rIns="91425" wrap="square" tIns="91425">
+          <a:bodyPr spcFirstLastPara="1" wrap="square" lIns="91425" tIns="91425" rIns="91425" bIns="91425" anchor="t" anchorCtr="0">
             <a:normAutofit/>
           </a:bodyPr>
           <a:lstStyle>
@@ -6525,7 +6866,7 @@
               <a:buSzPts val="3200"/>
               <a:buFont typeface="Playfair Display"/>
               <a:buNone/>
-              <a:defRPr b="1" sz="3200">
+              <a:defRPr sz="3200" b="1">
                 <a:solidFill>
                   <a:schemeClr val="dk1"/>
                 </a:solidFill>
@@ -6548,7 +6889,7 @@
               <a:buSzPts val="3200"/>
               <a:buFont typeface="Playfair Display"/>
               <a:buNone/>
-              <a:defRPr b="1" sz="3200">
+              <a:defRPr sz="3200" b="1">
                 <a:solidFill>
                   <a:schemeClr val="dk1"/>
                 </a:solidFill>
@@ -6571,7 +6912,7 @@
               <a:buSzPts val="3200"/>
               <a:buFont typeface="Playfair Display"/>
               <a:buNone/>
-              <a:defRPr b="1" sz="3200">
+              <a:defRPr sz="3200" b="1">
                 <a:solidFill>
                   <a:schemeClr val="dk1"/>
                 </a:solidFill>
@@ -6594,7 +6935,7 @@
               <a:buSzPts val="3200"/>
               <a:buFont typeface="Playfair Display"/>
               <a:buNone/>
-              <a:defRPr b="1" sz="3200">
+              <a:defRPr sz="3200" b="1">
                 <a:solidFill>
                   <a:schemeClr val="dk1"/>
                 </a:solidFill>
@@ -6617,7 +6958,7 @@
               <a:buSzPts val="3200"/>
               <a:buFont typeface="Playfair Display"/>
               <a:buNone/>
-              <a:defRPr b="1" sz="3200">
+              <a:defRPr sz="3200" b="1">
                 <a:solidFill>
                   <a:schemeClr val="dk1"/>
                 </a:solidFill>
@@ -6640,7 +6981,7 @@
               <a:buSzPts val="3200"/>
               <a:buFont typeface="Playfair Display"/>
               <a:buNone/>
-              <a:defRPr b="1" sz="3200">
+              <a:defRPr sz="3200" b="1">
                 <a:solidFill>
                   <a:schemeClr val="dk1"/>
                 </a:solidFill>
@@ -6663,7 +7004,7 @@
               <a:buSzPts val="3200"/>
               <a:buFont typeface="Playfair Display"/>
               <a:buNone/>
-              <a:defRPr b="1" sz="3200">
+              <a:defRPr sz="3200" b="1">
                 <a:solidFill>
                   <a:schemeClr val="dk1"/>
                 </a:solidFill>
@@ -6686,7 +7027,7 @@
               <a:buSzPts val="3200"/>
               <a:buFont typeface="Playfair Display"/>
               <a:buNone/>
-              <a:defRPr b="1" sz="3200">
+              <a:defRPr sz="3200" b="1">
                 <a:solidFill>
                   <a:schemeClr val="dk1"/>
                 </a:solidFill>
@@ -6709,7 +7050,7 @@
               <a:buSzPts val="3200"/>
               <a:buFont typeface="Playfair Display"/>
               <a:buNone/>
-              <a:defRPr b="1" sz="3200">
+              <a:defRPr sz="3200" b="1">
                 <a:solidFill>
                   <a:schemeClr val="dk1"/>
                 </a:solidFill>
@@ -6720,15 +7061,19 @@
               </a:defRPr>
             </a:lvl9pPr>
           </a:lstStyle>
-          <a:p/>
+          <a:p>
+            <a:endParaRPr/>
+          </a:p>
         </p:txBody>
       </p:sp>
       <p:sp>
         <p:nvSpPr>
           <p:cNvPr id="7" name="Google Shape;7;p1"/>
-          <p:cNvSpPr txBox="1"/>
+          <p:cNvSpPr txBox="1">
+            <a:spLocks noGrp="1"/>
+          </p:cNvSpPr>
           <p:nvPr>
-            <p:ph idx="1" type="body"/>
+            <p:ph type="body" idx="1"/>
           </p:nvPr>
         </p:nvSpPr>
         <p:spPr>
@@ -6745,11 +7090,11 @@
           </a:ln>
         </p:spPr>
         <p:txBody>
-          <a:bodyPr anchorCtr="0" anchor="t" bIns="91425" lIns="91425" spcFirstLastPara="1" rIns="91425" wrap="square" tIns="91425">
+          <a:bodyPr spcFirstLastPara="1" wrap="square" lIns="91425" tIns="91425" rIns="91425" bIns="91425" anchor="t" anchorCtr="0">
             <a:normAutofit/>
           </a:bodyPr>
           <a:lstStyle>
-            <a:lvl1pPr indent="-342900" lvl="0" marL="457200">
+            <a:lvl1pPr marL="457200" lvl="0" indent="-342900">
               <a:lnSpc>
                 <a:spcPct val="115000"/>
               </a:lnSpc>
@@ -6775,7 +7120,7 @@
                 <a:sym typeface="Lato"/>
               </a:defRPr>
             </a:lvl1pPr>
-            <a:lvl2pPr indent="-317500" lvl="1" marL="914400">
+            <a:lvl2pPr marL="914400" lvl="1" indent="-317500">
               <a:lnSpc>
                 <a:spcPct val="115000"/>
               </a:lnSpc>
@@ -6801,7 +7146,7 @@
                 <a:sym typeface="Lato"/>
               </a:defRPr>
             </a:lvl2pPr>
-            <a:lvl3pPr indent="-317500" lvl="2" marL="1371600">
+            <a:lvl3pPr marL="1371600" lvl="2" indent="-317500">
               <a:lnSpc>
                 <a:spcPct val="115000"/>
               </a:lnSpc>
@@ -6827,7 +7172,7 @@
                 <a:sym typeface="Lato"/>
               </a:defRPr>
             </a:lvl3pPr>
-            <a:lvl4pPr indent="-317500" lvl="3" marL="1828800">
+            <a:lvl4pPr marL="1828800" lvl="3" indent="-317500">
               <a:lnSpc>
                 <a:spcPct val="115000"/>
               </a:lnSpc>
@@ -6853,7 +7198,7 @@
                 <a:sym typeface="Lato"/>
               </a:defRPr>
             </a:lvl4pPr>
-            <a:lvl5pPr indent="-317500" lvl="4" marL="2286000">
+            <a:lvl5pPr marL="2286000" lvl="4" indent="-317500">
               <a:lnSpc>
                 <a:spcPct val="115000"/>
               </a:lnSpc>
@@ -6879,7 +7224,7 @@
                 <a:sym typeface="Lato"/>
               </a:defRPr>
             </a:lvl5pPr>
-            <a:lvl6pPr indent="-317500" lvl="5" marL="2743200">
+            <a:lvl6pPr marL="2743200" lvl="5" indent="-317500">
               <a:lnSpc>
                 <a:spcPct val="115000"/>
               </a:lnSpc>
@@ -6905,7 +7250,7 @@
                 <a:sym typeface="Lato"/>
               </a:defRPr>
             </a:lvl6pPr>
-            <a:lvl7pPr indent="-317500" lvl="6" marL="3200400">
+            <a:lvl7pPr marL="3200400" lvl="6" indent="-317500">
               <a:lnSpc>
                 <a:spcPct val="115000"/>
               </a:lnSpc>
@@ -6931,7 +7276,7 @@
                 <a:sym typeface="Lato"/>
               </a:defRPr>
             </a:lvl7pPr>
-            <a:lvl8pPr indent="-317500" lvl="7" marL="3657600">
+            <a:lvl8pPr marL="3657600" lvl="7" indent="-317500">
               <a:lnSpc>
                 <a:spcPct val="115000"/>
               </a:lnSpc>
@@ -6957,7 +7302,7 @@
                 <a:sym typeface="Lato"/>
               </a:defRPr>
             </a:lvl8pPr>
-            <a:lvl9pPr indent="-317500" lvl="8" marL="4114800">
+            <a:lvl9pPr marL="4114800" lvl="8" indent="-317500">
               <a:lnSpc>
                 <a:spcPct val="115000"/>
               </a:lnSpc>
@@ -6984,15 +7329,19 @@
               </a:defRPr>
             </a:lvl9pPr>
           </a:lstStyle>
-          <a:p/>
+          <a:p>
+            <a:endParaRPr/>
+          </a:p>
         </p:txBody>
       </p:sp>
       <p:sp>
         <p:nvSpPr>
           <p:cNvPr id="8" name="Google Shape;8;p1"/>
-          <p:cNvSpPr txBox="1"/>
+          <p:cNvSpPr txBox="1">
+            <a:spLocks noGrp="1"/>
+          </p:cNvSpPr>
           <p:nvPr>
-            <p:ph idx="12" type="sldNum"/>
+            <p:ph type="sldNum" idx="12"/>
           </p:nvPr>
         </p:nvSpPr>
         <p:spPr>
@@ -7009,7 +7358,7 @@
           </a:ln>
         </p:spPr>
         <p:txBody>
-          <a:bodyPr anchorCtr="0" anchor="ctr" bIns="91425" lIns="91425" spcFirstLastPara="1" rIns="91425" wrap="square" tIns="91425">
+          <a:bodyPr spcFirstLastPara="1" wrap="square" lIns="91425" tIns="91425" rIns="91425" bIns="91425" anchor="ctr" anchorCtr="0">
             <a:normAutofit/>
           </a:bodyPr>
           <a:lstStyle>
@@ -7123,7 +7472,7 @@
             </a:lvl9pPr>
           </a:lstStyle>
           <a:p>
-            <a:pPr indent="0" lvl="0" marL="0" rtl="0" algn="r">
+            <a:pPr marL="0" lvl="0" indent="0" algn="r" rtl="0">
               <a:spcBef>
                 <a:spcPts val="0"/>
               </a:spcBef>
@@ -7142,7 +7491,7 @@
       </p:sp>
     </p:spTree>
   </p:cSld>
-  <p:clrMap accent1="accent1" accent2="accent2" accent3="accent3" accent4="accent4" accent5="accent5" accent6="accent6" bg1="lt1" bg2="dk2" tx1="dk1" tx2="lt2" folHlink="folHlink" hlink="hlink"/>
+  <p:clrMap bg1="lt1" tx1="dk1" bg2="dk2" tx2="lt2" accent1="accent1" accent2="accent2" accent3="accent3" accent4="accent4" accent5="accent5" accent6="accent6" hlink="hlink" folHlink="folHlink"/>
   <p:sldLayoutIdLst>
     <p:sldLayoutId id="2147483648" r:id="rId1"/>
     <p:sldLayoutId id="2147483649" r:id="rId2"/>
@@ -7156,10 +7505,10 @@
     <p:sldLayoutId id="2147483657" r:id="rId10"/>
     <p:sldLayoutId id="2147483658" r:id="rId11"/>
   </p:sldLayoutIdLst>
-  <p:hf dt="0" ftr="0" hdr="0" sldNum="0"/>
+  <p:hf sldNum="0" hdr="0" ftr="0" dt="0"/>
   <p:txStyles>
     <p:titleStyle>
-      <a:defPPr lvl="0" marR="0" rtl="0" algn="l">
+      <a:defPPr marR="0" lvl="0" algn="l" rtl="0">
         <a:lnSpc>
           <a:spcPct val="100000"/>
         </a:lnSpc>
@@ -7170,7 +7519,7 @@
           <a:spcPts val="0"/>
         </a:spcAft>
       </a:defPPr>
-      <a:lvl1pPr lvl="0" marR="0" rtl="0" algn="l">
+      <a:lvl1pPr marR="0" lvl="0" algn="l" rtl="0">
         <a:lnSpc>
           <a:spcPct val="100000"/>
         </a:lnSpc>
@@ -7184,7 +7533,7 @@
           <a:srgbClr val="000000"/>
         </a:buClr>
         <a:buFont typeface="Arial"/>
-        <a:defRPr b="0" i="0" sz="1400" u="none" cap="none" strike="noStrike">
+        <a:defRPr sz="1400" b="0" i="0" u="none" strike="noStrike" cap="none">
           <a:solidFill>
             <a:srgbClr val="000000"/>
           </a:solidFill>
@@ -7194,7 +7543,7 @@
           <a:sym typeface="Arial"/>
         </a:defRPr>
       </a:lvl1pPr>
-      <a:lvl2pPr lvl="1" marR="0" rtl="0" algn="l">
+      <a:lvl2pPr marR="0" lvl="1" algn="l" rtl="0">
         <a:lnSpc>
           <a:spcPct val="100000"/>
         </a:lnSpc>
@@ -7208,7 +7557,7 @@
           <a:srgbClr val="000000"/>
         </a:buClr>
         <a:buFont typeface="Arial"/>
-        <a:defRPr b="0" i="0" sz="1400" u="none" cap="none" strike="noStrike">
+        <a:defRPr sz="1400" b="0" i="0" u="none" strike="noStrike" cap="none">
           <a:solidFill>
             <a:srgbClr val="000000"/>
           </a:solidFill>
@@ -7218,7 +7567,7 @@
           <a:sym typeface="Arial"/>
         </a:defRPr>
       </a:lvl2pPr>
-      <a:lvl3pPr lvl="2" marR="0" rtl="0" algn="l">
+      <a:lvl3pPr marR="0" lvl="2" algn="l" rtl="0">
         <a:lnSpc>
           <a:spcPct val="100000"/>
         </a:lnSpc>
@@ -7232,7 +7581,7 @@
           <a:srgbClr val="000000"/>
         </a:buClr>
         <a:buFont typeface="Arial"/>
-        <a:defRPr b="0" i="0" sz="1400" u="none" cap="none" strike="noStrike">
+        <a:defRPr sz="1400" b="0" i="0" u="none" strike="noStrike" cap="none">
           <a:solidFill>
             <a:srgbClr val="000000"/>
           </a:solidFill>
@@ -7242,7 +7591,7 @@
           <a:sym typeface="Arial"/>
         </a:defRPr>
       </a:lvl3pPr>
-      <a:lvl4pPr lvl="3" marR="0" rtl="0" algn="l">
+      <a:lvl4pPr marR="0" lvl="3" algn="l" rtl="0">
         <a:lnSpc>
           <a:spcPct val="100000"/>
         </a:lnSpc>
@@ -7256,7 +7605,7 @@
           <a:srgbClr val="000000"/>
         </a:buClr>
         <a:buFont typeface="Arial"/>
-        <a:defRPr b="0" i="0" sz="1400" u="none" cap="none" strike="noStrike">
+        <a:defRPr sz="1400" b="0" i="0" u="none" strike="noStrike" cap="none">
           <a:solidFill>
             <a:srgbClr val="000000"/>
           </a:solidFill>
@@ -7266,7 +7615,7 @@
           <a:sym typeface="Arial"/>
         </a:defRPr>
       </a:lvl4pPr>
-      <a:lvl5pPr lvl="4" marR="0" rtl="0" algn="l">
+      <a:lvl5pPr marR="0" lvl="4" algn="l" rtl="0">
         <a:lnSpc>
           <a:spcPct val="100000"/>
         </a:lnSpc>
@@ -7280,7 +7629,7 @@
           <a:srgbClr val="000000"/>
         </a:buClr>
         <a:buFont typeface="Arial"/>
-        <a:defRPr b="0" i="0" sz="1400" u="none" cap="none" strike="noStrike">
+        <a:defRPr sz="1400" b="0" i="0" u="none" strike="noStrike" cap="none">
           <a:solidFill>
             <a:srgbClr val="000000"/>
           </a:solidFill>
@@ -7290,7 +7639,7 @@
           <a:sym typeface="Arial"/>
         </a:defRPr>
       </a:lvl5pPr>
-      <a:lvl6pPr lvl="5" marR="0" rtl="0" algn="l">
+      <a:lvl6pPr marR="0" lvl="5" algn="l" rtl="0">
         <a:lnSpc>
           <a:spcPct val="100000"/>
         </a:lnSpc>
@@ -7304,7 +7653,7 @@
           <a:srgbClr val="000000"/>
         </a:buClr>
         <a:buFont typeface="Arial"/>
-        <a:defRPr b="0" i="0" sz="1400" u="none" cap="none" strike="noStrike">
+        <a:defRPr sz="1400" b="0" i="0" u="none" strike="noStrike" cap="none">
           <a:solidFill>
             <a:srgbClr val="000000"/>
           </a:solidFill>
@@ -7314,7 +7663,7 @@
           <a:sym typeface="Arial"/>
         </a:defRPr>
       </a:lvl6pPr>
-      <a:lvl7pPr lvl="6" marR="0" rtl="0" algn="l">
+      <a:lvl7pPr marR="0" lvl="6" algn="l" rtl="0">
         <a:lnSpc>
           <a:spcPct val="100000"/>
         </a:lnSpc>
@@ -7328,7 +7677,7 @@
           <a:srgbClr val="000000"/>
         </a:buClr>
         <a:buFont typeface="Arial"/>
-        <a:defRPr b="0" i="0" sz="1400" u="none" cap="none" strike="noStrike">
+        <a:defRPr sz="1400" b="0" i="0" u="none" strike="noStrike" cap="none">
           <a:solidFill>
             <a:srgbClr val="000000"/>
           </a:solidFill>
@@ -7338,7 +7687,7 @@
           <a:sym typeface="Arial"/>
         </a:defRPr>
       </a:lvl7pPr>
-      <a:lvl8pPr lvl="7" marR="0" rtl="0" algn="l">
+      <a:lvl8pPr marR="0" lvl="7" algn="l" rtl="0">
         <a:lnSpc>
           <a:spcPct val="100000"/>
         </a:lnSpc>
@@ -7352,7 +7701,7 @@
           <a:srgbClr val="000000"/>
         </a:buClr>
         <a:buFont typeface="Arial"/>
-        <a:defRPr b="0" i="0" sz="1400" u="none" cap="none" strike="noStrike">
+        <a:defRPr sz="1400" b="0" i="0" u="none" strike="noStrike" cap="none">
           <a:solidFill>
             <a:srgbClr val="000000"/>
           </a:solidFill>
@@ -7362,7 +7711,7 @@
           <a:sym typeface="Arial"/>
         </a:defRPr>
       </a:lvl8pPr>
-      <a:lvl9pPr lvl="8" marR="0" rtl="0" algn="l">
+      <a:lvl9pPr marR="0" lvl="8" algn="l" rtl="0">
         <a:lnSpc>
           <a:spcPct val="100000"/>
         </a:lnSpc>
@@ -7376,7 +7725,7 @@
           <a:srgbClr val="000000"/>
         </a:buClr>
         <a:buFont typeface="Arial"/>
-        <a:defRPr b="0" i="0" sz="1400" u="none" cap="none" strike="noStrike">
+        <a:defRPr sz="1400" b="0" i="0" u="none" strike="noStrike" cap="none">
           <a:solidFill>
             <a:srgbClr val="000000"/>
           </a:solidFill>
@@ -7388,7 +7737,7 @@
       </a:lvl9pPr>
     </p:titleStyle>
     <p:bodyStyle>
-      <a:defPPr lvl="0" marR="0" rtl="0" algn="l">
+      <a:defPPr marR="0" lvl="0" algn="l" rtl="0">
         <a:lnSpc>
           <a:spcPct val="100000"/>
         </a:lnSpc>
@@ -7399,7 +7748,7 @@
           <a:spcPts val="0"/>
         </a:spcAft>
       </a:defPPr>
-      <a:lvl1pPr lvl="0" marR="0" rtl="0" algn="l">
+      <a:lvl1pPr marR="0" lvl="0" algn="l" rtl="0">
         <a:lnSpc>
           <a:spcPct val="100000"/>
         </a:lnSpc>
@@ -7413,7 +7762,7 @@
           <a:srgbClr val="000000"/>
         </a:buClr>
         <a:buFont typeface="Arial"/>
-        <a:defRPr b="0" i="0" sz="1400" u="none" cap="none" strike="noStrike">
+        <a:defRPr sz="1400" b="0" i="0" u="none" strike="noStrike" cap="none">
           <a:solidFill>
             <a:srgbClr val="000000"/>
           </a:solidFill>
@@ -7423,7 +7772,7 @@
           <a:sym typeface="Arial"/>
         </a:defRPr>
       </a:lvl1pPr>
-      <a:lvl2pPr lvl="1" marR="0" rtl="0" algn="l">
+      <a:lvl2pPr marR="0" lvl="1" algn="l" rtl="0">
         <a:lnSpc>
           <a:spcPct val="100000"/>
         </a:lnSpc>
@@ -7437,7 +7786,7 @@
           <a:srgbClr val="000000"/>
         </a:buClr>
         <a:buFont typeface="Arial"/>
-        <a:defRPr b="0" i="0" sz="1400" u="none" cap="none" strike="noStrike">
+        <a:defRPr sz="1400" b="0" i="0" u="none" strike="noStrike" cap="none">
           <a:solidFill>
             <a:srgbClr val="000000"/>
           </a:solidFill>
@@ -7447,7 +7796,7 @@
           <a:sym typeface="Arial"/>
         </a:defRPr>
       </a:lvl2pPr>
-      <a:lvl3pPr lvl="2" marR="0" rtl="0" algn="l">
+      <a:lvl3pPr marR="0" lvl="2" algn="l" rtl="0">
         <a:lnSpc>
           <a:spcPct val="100000"/>
         </a:lnSpc>
@@ -7461,7 +7810,7 @@
           <a:srgbClr val="000000"/>
         </a:buClr>
         <a:buFont typeface="Arial"/>
-        <a:defRPr b="0" i="0" sz="1400" u="none" cap="none" strike="noStrike">
+        <a:defRPr sz="1400" b="0" i="0" u="none" strike="noStrike" cap="none">
           <a:solidFill>
             <a:srgbClr val="000000"/>
           </a:solidFill>
@@ -7471,7 +7820,7 @@
           <a:sym typeface="Arial"/>
         </a:defRPr>
       </a:lvl3pPr>
-      <a:lvl4pPr lvl="3" marR="0" rtl="0" algn="l">
+      <a:lvl4pPr marR="0" lvl="3" algn="l" rtl="0">
         <a:lnSpc>
           <a:spcPct val="100000"/>
         </a:lnSpc>
@@ -7485,7 +7834,7 @@
           <a:srgbClr val="000000"/>
         </a:buClr>
         <a:buFont typeface="Arial"/>
-        <a:defRPr b="0" i="0" sz="1400" u="none" cap="none" strike="noStrike">
+        <a:defRPr sz="1400" b="0" i="0" u="none" strike="noStrike" cap="none">
           <a:solidFill>
             <a:srgbClr val="000000"/>
           </a:solidFill>
@@ -7495,7 +7844,7 @@
           <a:sym typeface="Arial"/>
         </a:defRPr>
       </a:lvl4pPr>
-      <a:lvl5pPr lvl="4" marR="0" rtl="0" algn="l">
+      <a:lvl5pPr marR="0" lvl="4" algn="l" rtl="0">
         <a:lnSpc>
           <a:spcPct val="100000"/>
         </a:lnSpc>
@@ -7509,7 +7858,7 @@
           <a:srgbClr val="000000"/>
         </a:buClr>
         <a:buFont typeface="Arial"/>
-        <a:defRPr b="0" i="0" sz="1400" u="none" cap="none" strike="noStrike">
+        <a:defRPr sz="1400" b="0" i="0" u="none" strike="noStrike" cap="none">
           <a:solidFill>
             <a:srgbClr val="000000"/>
           </a:solidFill>
@@ -7519,7 +7868,7 @@
           <a:sym typeface="Arial"/>
         </a:defRPr>
       </a:lvl5pPr>
-      <a:lvl6pPr lvl="5" marR="0" rtl="0" algn="l">
+      <a:lvl6pPr marR="0" lvl="5" algn="l" rtl="0">
         <a:lnSpc>
           <a:spcPct val="100000"/>
         </a:lnSpc>
@@ -7533,7 +7882,7 @@
           <a:srgbClr val="000000"/>
         </a:buClr>
         <a:buFont typeface="Arial"/>
-        <a:defRPr b="0" i="0" sz="1400" u="none" cap="none" strike="noStrike">
+        <a:defRPr sz="1400" b="0" i="0" u="none" strike="noStrike" cap="none">
           <a:solidFill>
             <a:srgbClr val="000000"/>
           </a:solidFill>
@@ -7543,7 +7892,7 @@
           <a:sym typeface="Arial"/>
         </a:defRPr>
       </a:lvl6pPr>
-      <a:lvl7pPr lvl="6" marR="0" rtl="0" algn="l">
+      <a:lvl7pPr marR="0" lvl="6" algn="l" rtl="0">
         <a:lnSpc>
           <a:spcPct val="100000"/>
         </a:lnSpc>
@@ -7557,7 +7906,7 @@
           <a:srgbClr val="000000"/>
         </a:buClr>
         <a:buFont typeface="Arial"/>
-        <a:defRPr b="0" i="0" sz="1400" u="none" cap="none" strike="noStrike">
+        <a:defRPr sz="1400" b="0" i="0" u="none" strike="noStrike" cap="none">
           <a:solidFill>
             <a:srgbClr val="000000"/>
           </a:solidFill>
@@ -7567,7 +7916,7 @@
           <a:sym typeface="Arial"/>
         </a:defRPr>
       </a:lvl7pPr>
-      <a:lvl8pPr lvl="7" marR="0" rtl="0" algn="l">
+      <a:lvl8pPr marR="0" lvl="7" algn="l" rtl="0">
         <a:lnSpc>
           <a:spcPct val="100000"/>
         </a:lnSpc>
@@ -7581,7 +7930,7 @@
           <a:srgbClr val="000000"/>
         </a:buClr>
         <a:buFont typeface="Arial"/>
-        <a:defRPr b="0" i="0" sz="1400" u="none" cap="none" strike="noStrike">
+        <a:defRPr sz="1400" b="0" i="0" u="none" strike="noStrike" cap="none">
           <a:solidFill>
             <a:srgbClr val="000000"/>
           </a:solidFill>
@@ -7591,7 +7940,7 @@
           <a:sym typeface="Arial"/>
         </a:defRPr>
       </a:lvl8pPr>
-      <a:lvl9pPr lvl="8" marR="0" rtl="0" algn="l">
+      <a:lvl9pPr marR="0" lvl="8" algn="l" rtl="0">
         <a:lnSpc>
           <a:spcPct val="100000"/>
         </a:lnSpc>
@@ -7605,7 +7954,7 @@
           <a:srgbClr val="000000"/>
         </a:buClr>
         <a:buFont typeface="Arial"/>
-        <a:defRPr b="0" i="0" sz="1400" u="none" cap="none" strike="noStrike">
+        <a:defRPr sz="1400" b="0" i="0" u="none" strike="noStrike" cap="none">
           <a:solidFill>
             <a:srgbClr val="000000"/>
           </a:solidFill>
@@ -7617,7 +7966,7 @@
       </a:lvl9pPr>
     </p:bodyStyle>
     <p:otherStyle>
-      <a:defPPr lvl="0" marR="0" rtl="0" algn="l">
+      <a:defPPr marR="0" lvl="0" algn="l" rtl="0">
         <a:lnSpc>
           <a:spcPct val="100000"/>
         </a:lnSpc>
@@ -7628,7 +7977,7 @@
           <a:spcPts val="0"/>
         </a:spcAft>
       </a:defPPr>
-      <a:lvl1pPr lvl="0" marR="0" rtl="0" algn="l">
+      <a:lvl1pPr marR="0" lvl="0" algn="l" rtl="0">
         <a:lnSpc>
           <a:spcPct val="100000"/>
         </a:lnSpc>
@@ -7642,7 +7991,7 @@
           <a:srgbClr val="000000"/>
         </a:buClr>
         <a:buFont typeface="Arial"/>
-        <a:defRPr b="0" i="0" sz="1400" u="none" cap="none" strike="noStrike">
+        <a:defRPr sz="1400" b="0" i="0" u="none" strike="noStrike" cap="none">
           <a:solidFill>
             <a:srgbClr val="000000"/>
           </a:solidFill>
@@ -7652,7 +8001,7 @@
           <a:sym typeface="Arial"/>
         </a:defRPr>
       </a:lvl1pPr>
-      <a:lvl2pPr lvl="1" marR="0" rtl="0" algn="l">
+      <a:lvl2pPr marR="0" lvl="1" algn="l" rtl="0">
         <a:lnSpc>
           <a:spcPct val="100000"/>
         </a:lnSpc>
@@ -7666,7 +8015,7 @@
           <a:srgbClr val="000000"/>
         </a:buClr>
         <a:buFont typeface="Arial"/>
-        <a:defRPr b="0" i="0" sz="1400" u="none" cap="none" strike="noStrike">
+        <a:defRPr sz="1400" b="0" i="0" u="none" strike="noStrike" cap="none">
           <a:solidFill>
             <a:srgbClr val="000000"/>
           </a:solidFill>
@@ -7676,7 +8025,7 @@
           <a:sym typeface="Arial"/>
         </a:defRPr>
       </a:lvl2pPr>
-      <a:lvl3pPr lvl="2" marR="0" rtl="0" algn="l">
+      <a:lvl3pPr marR="0" lvl="2" algn="l" rtl="0">
         <a:lnSpc>
           <a:spcPct val="100000"/>
         </a:lnSpc>
@@ -7690,7 +8039,7 @@
           <a:srgbClr val="000000"/>
         </a:buClr>
         <a:buFont typeface="Arial"/>
-        <a:defRPr b="0" i="0" sz="1400" u="none" cap="none" strike="noStrike">
+        <a:defRPr sz="1400" b="0" i="0" u="none" strike="noStrike" cap="none">
           <a:solidFill>
             <a:srgbClr val="000000"/>
           </a:solidFill>
@@ -7700,7 +8049,7 @@
           <a:sym typeface="Arial"/>
         </a:defRPr>
       </a:lvl3pPr>
-      <a:lvl4pPr lvl="3" marR="0" rtl="0" algn="l">
+      <a:lvl4pPr marR="0" lvl="3" algn="l" rtl="0">
         <a:lnSpc>
           <a:spcPct val="100000"/>
         </a:lnSpc>
@@ -7714,7 +8063,7 @@
           <a:srgbClr val="000000"/>
         </a:buClr>
         <a:buFont typeface="Arial"/>
-        <a:defRPr b="0" i="0" sz="1400" u="none" cap="none" strike="noStrike">
+        <a:defRPr sz="1400" b="0" i="0" u="none" strike="noStrike" cap="none">
           <a:solidFill>
             <a:srgbClr val="000000"/>
           </a:solidFill>
@@ -7724,7 +8073,7 @@
           <a:sym typeface="Arial"/>
         </a:defRPr>
       </a:lvl4pPr>
-      <a:lvl5pPr lvl="4" marR="0" rtl="0" algn="l">
+      <a:lvl5pPr marR="0" lvl="4" algn="l" rtl="0">
         <a:lnSpc>
           <a:spcPct val="100000"/>
         </a:lnSpc>
@@ -7738,7 +8087,7 @@
           <a:srgbClr val="000000"/>
         </a:buClr>
         <a:buFont typeface="Arial"/>
-        <a:defRPr b="0" i="0" sz="1400" u="none" cap="none" strike="noStrike">
+        <a:defRPr sz="1400" b="0" i="0" u="none" strike="noStrike" cap="none">
           <a:solidFill>
             <a:srgbClr val="000000"/>
           </a:solidFill>
@@ -7748,7 +8097,7 @@
           <a:sym typeface="Arial"/>
         </a:defRPr>
       </a:lvl5pPr>
-      <a:lvl6pPr lvl="5" marR="0" rtl="0" algn="l">
+      <a:lvl6pPr marR="0" lvl="5" algn="l" rtl="0">
         <a:lnSpc>
           <a:spcPct val="100000"/>
         </a:lnSpc>
@@ -7762,7 +8111,7 @@
           <a:srgbClr val="000000"/>
         </a:buClr>
         <a:buFont typeface="Arial"/>
-        <a:defRPr b="0" i="0" sz="1400" u="none" cap="none" strike="noStrike">
+        <a:defRPr sz="1400" b="0" i="0" u="none" strike="noStrike" cap="none">
           <a:solidFill>
             <a:srgbClr val="000000"/>
           </a:solidFill>
@@ -7772,7 +8121,7 @@
           <a:sym typeface="Arial"/>
         </a:defRPr>
       </a:lvl6pPr>
-      <a:lvl7pPr lvl="6" marR="0" rtl="0" algn="l">
+      <a:lvl7pPr marR="0" lvl="6" algn="l" rtl="0">
         <a:lnSpc>
           <a:spcPct val="100000"/>
         </a:lnSpc>
@@ -7786,7 +8135,7 @@
           <a:srgbClr val="000000"/>
         </a:buClr>
         <a:buFont typeface="Arial"/>
-        <a:defRPr b="0" i="0" sz="1400" u="none" cap="none" strike="noStrike">
+        <a:defRPr sz="1400" b="0" i="0" u="none" strike="noStrike" cap="none">
           <a:solidFill>
             <a:srgbClr val="000000"/>
           </a:solidFill>
@@ -7796,7 +8145,7 @@
           <a:sym typeface="Arial"/>
         </a:defRPr>
       </a:lvl7pPr>
-      <a:lvl8pPr lvl="7" marR="0" rtl="0" algn="l">
+      <a:lvl8pPr marR="0" lvl="7" algn="l" rtl="0">
         <a:lnSpc>
           <a:spcPct val="100000"/>
         </a:lnSpc>
@@ -7810,7 +8159,7 @@
           <a:srgbClr val="000000"/>
         </a:buClr>
         <a:buFont typeface="Arial"/>
-        <a:defRPr b="0" i="0" sz="1400" u="none" cap="none" strike="noStrike">
+        <a:defRPr sz="1400" b="0" i="0" u="none" strike="noStrike" cap="none">
           <a:solidFill>
             <a:srgbClr val="000000"/>
           </a:solidFill>
@@ -7820,7 +8169,7 @@
           <a:sym typeface="Arial"/>
         </a:defRPr>
       </a:lvl8pPr>
-      <a:lvl9pPr lvl="8" marR="0" rtl="0" algn="l">
+      <a:lvl9pPr marR="0" lvl="8" algn="l" rtl="0">
         <a:lnSpc>
           <a:spcPct val="100000"/>
         </a:lnSpc>
@@ -7834,7 +8183,7 @@
           <a:srgbClr val="000000"/>
         </a:buClr>
         <a:buFont typeface="Arial"/>
-        <a:defRPr b="0" i="0" sz="1400" u="none" cap="none" strike="noStrike">
+        <a:defRPr sz="1400" b="0" i="0" u="none" strike="noStrike" cap="none">
           <a:solidFill>
             <a:srgbClr val="000000"/>
           </a:solidFill>
@@ -7850,11 +8199,11 @@
 </file>
 
 <file path=ppt/slides/slide1.xml><?xml version="1.0" encoding="utf-8"?>
-<p:sld xmlns:a="http://schemas.openxmlformats.org/drawingml/2006/main" xmlns:r="http://schemas.openxmlformats.org/officeDocument/2006/relationships" xmlns:mc="http://schemas.openxmlformats.org/markup-compatibility/2006" xmlns:mv="urn:schemas-microsoft-com:mac:vml" xmlns:p="http://schemas.openxmlformats.org/presentationml/2006/main" xmlns:c="http://schemas.openxmlformats.org/drawingml/2006/chart" xmlns:dgm="http://schemas.openxmlformats.org/drawingml/2006/diagram" xmlns:o="urn:schemas-microsoft-com:office:office" xmlns:v="urn:schemas-microsoft-com:vml" xmlns:pvml="urn:schemas-microsoft-com:office:powerpoint" xmlns:com="http://schemas.openxmlformats.org/drawingml/2006/compatibility" xmlns:p14="http://schemas.microsoft.com/office/powerpoint/2010/main" xmlns:p15="http://schemas.microsoft.com/office/powerpoint/2012/main" xmlns:ahyp="http://schemas.microsoft.com/office/drawing/2018/hyperlinkcolor">
+<p:sld xmlns:a="http://schemas.openxmlformats.org/drawingml/2006/main" xmlns:r="http://schemas.openxmlformats.org/officeDocument/2006/relationships" xmlns:p="http://schemas.openxmlformats.org/presentationml/2006/main">
   <p:cSld>
     <p:spTree>
       <p:nvGrpSpPr>
-        <p:cNvPr id="58" name="Shape 58"/>
+        <p:cNvPr id="1" name="Shape 58"/>
         <p:cNvGrpSpPr/>
         <p:nvPr/>
       </p:nvGrpSpPr>
@@ -7869,7 +8218,9 @@
       <p:sp>
         <p:nvSpPr>
           <p:cNvPr id="59" name="Google Shape;59;p13"/>
-          <p:cNvSpPr txBox="1"/>
+          <p:cNvSpPr txBox="1">
+            <a:spLocks noGrp="1"/>
+          </p:cNvSpPr>
           <p:nvPr>
             <p:ph type="ctrTitle"/>
           </p:nvPr>
@@ -7884,12 +8235,12 @@
           </a:prstGeom>
         </p:spPr>
         <p:txBody>
-          <a:bodyPr anchorCtr="0" anchor="ctr" bIns="91425" lIns="91425" spcFirstLastPara="1" rIns="91425" wrap="square" tIns="91425">
+          <a:bodyPr spcFirstLastPara="1" wrap="square" lIns="91425" tIns="91425" rIns="91425" bIns="91425" anchor="ctr" anchorCtr="0">
             <a:normAutofit/>
           </a:bodyPr>
           <a:lstStyle/>
           <a:p>
-            <a:pPr indent="0" lvl="0" marL="0" rtl="0" algn="ctr">
+            <a:pPr marL="0" lvl="0" indent="0" algn="ctr" rtl="0">
               <a:spcBef>
                 <a:spcPts val="0"/>
               </a:spcBef>
@@ -7905,7 +8256,7 @@
             <a:endParaRPr/>
           </a:p>
           <a:p>
-            <a:pPr indent="0" lvl="0" marL="0" rtl="0" algn="ctr">
+            <a:pPr marL="0" lvl="0" indent="0" algn="ctr" rtl="0">
               <a:spcBef>
                 <a:spcPts val="0"/>
               </a:spcBef>
@@ -7925,9 +8276,11 @@
       <p:sp>
         <p:nvSpPr>
           <p:cNvPr id="60" name="Google Shape;60;p13"/>
-          <p:cNvSpPr txBox="1"/>
+          <p:cNvSpPr txBox="1">
+            <a:spLocks noGrp="1"/>
+          </p:cNvSpPr>
           <p:nvPr>
-            <p:ph idx="1" type="subTitle"/>
+            <p:ph type="subTitle" idx="1"/>
           </p:nvPr>
         </p:nvSpPr>
         <p:spPr>
@@ -7940,12 +8293,12 @@
           </a:prstGeom>
         </p:spPr>
         <p:txBody>
-          <a:bodyPr anchorCtr="0" anchor="b" bIns="91425" lIns="91425" spcFirstLastPara="1" rIns="91425" wrap="square" tIns="91425">
-            <a:normAutofit fontScale="70000" lnSpcReduction="10000"/>
+          <a:bodyPr spcFirstLastPara="1" wrap="square" lIns="91425" tIns="91425" rIns="91425" bIns="91425" anchor="b" anchorCtr="0">
+            <a:normAutofit fontScale="62500" lnSpcReduction="20000"/>
           </a:bodyPr>
           <a:lstStyle/>
           <a:p>
-            <a:pPr indent="0" lvl="0" marL="0" rtl="0" algn="ctr">
+            <a:pPr marL="0" lvl="0" indent="0" algn="ctr" rtl="0">
               <a:spcBef>
                 <a:spcPts val="0"/>
               </a:spcBef>
@@ -7961,7 +8314,7 @@
             <a:endParaRPr/>
           </a:p>
           <a:p>
-            <a:pPr indent="0" lvl="0" marL="0" rtl="0" algn="ctr">
+            <a:pPr marL="0" lvl="0" indent="0" algn="ctr" rtl="0">
               <a:spcBef>
                 <a:spcPts val="0"/>
               </a:spcBef>
@@ -7977,7 +8330,7 @@
             <a:endParaRPr/>
           </a:p>
           <a:p>
-            <a:pPr indent="0" lvl="0" marL="0" rtl="0" algn="ctr">
+            <a:pPr marL="0" lvl="0" indent="0" algn="ctr" rtl="0">
               <a:spcBef>
                 <a:spcPts val="0"/>
               </a:spcBef>
@@ -7988,15 +8341,7 @@
             </a:pPr>
             <a:r>
               <a:rPr lang="en"/>
-              <a:t>Aloysius Ng, </a:t>
-            </a:r>
-            <a:r>
-              <a:rPr lang="en"/>
-              <a:t>Fabian</a:t>
-            </a:r>
-            <a:r>
-              <a:rPr lang="en"/>
-              <a:t> Tay, Yannaroj Chua</a:t>
+              <a:t>Aloysius Ng, Fabian Tay, Yannaroj Chua</a:t>
             </a:r>
             <a:endParaRPr/>
           </a:p>
@@ -8011,11 +8356,11 @@
 </file>
 
 <file path=ppt/slides/slide10.xml><?xml version="1.0" encoding="utf-8"?>
-<p:sld xmlns:a="http://schemas.openxmlformats.org/drawingml/2006/main" xmlns:r="http://schemas.openxmlformats.org/officeDocument/2006/relationships" xmlns:mc="http://schemas.openxmlformats.org/markup-compatibility/2006" xmlns:mv="urn:schemas-microsoft-com:mac:vml" xmlns:p="http://schemas.openxmlformats.org/presentationml/2006/main" xmlns:c="http://schemas.openxmlformats.org/drawingml/2006/chart" xmlns:dgm="http://schemas.openxmlformats.org/drawingml/2006/diagram" xmlns:o="urn:schemas-microsoft-com:office:office" xmlns:v="urn:schemas-microsoft-com:vml" xmlns:pvml="urn:schemas-microsoft-com:office:powerpoint" xmlns:com="http://schemas.openxmlformats.org/drawingml/2006/compatibility" xmlns:p14="http://schemas.microsoft.com/office/powerpoint/2010/main" xmlns:p15="http://schemas.microsoft.com/office/powerpoint/2012/main" xmlns:ahyp="http://schemas.microsoft.com/office/drawing/2018/hyperlinkcolor">
+<p:sld xmlns:a="http://schemas.openxmlformats.org/drawingml/2006/main" xmlns:r="http://schemas.openxmlformats.org/officeDocument/2006/relationships" xmlns:p="http://schemas.openxmlformats.org/presentationml/2006/main">
   <p:cSld>
     <p:spTree>
       <p:nvGrpSpPr>
-        <p:cNvPr id="131" name="Shape 131"/>
+        <p:cNvPr id="1" name="Shape 131"/>
         <p:cNvGrpSpPr/>
         <p:nvPr/>
       </p:nvGrpSpPr>
@@ -8030,7 +8375,9 @@
       <p:sp>
         <p:nvSpPr>
           <p:cNvPr id="132" name="Google Shape;132;p22"/>
-          <p:cNvSpPr txBox="1"/>
+          <p:cNvSpPr txBox="1">
+            <a:spLocks noGrp="1"/>
+          </p:cNvSpPr>
           <p:nvPr>
             <p:ph type="title"/>
           </p:nvPr>
@@ -8045,12 +8392,12 @@
           </a:prstGeom>
         </p:spPr>
         <p:txBody>
-          <a:bodyPr anchorCtr="0" anchor="t" bIns="91425" lIns="91425" spcFirstLastPara="1" rIns="91425" wrap="square" tIns="91425">
+          <a:bodyPr spcFirstLastPara="1" wrap="square" lIns="91425" tIns="91425" rIns="91425" bIns="91425" anchor="t" anchorCtr="0">
             <a:normAutofit fontScale="90000"/>
           </a:bodyPr>
           <a:lstStyle/>
           <a:p>
-            <a:pPr indent="0" lvl="0" marL="0" rtl="0" algn="l">
+            <a:pPr marL="0" lvl="0" indent="0" algn="l" rtl="0">
               <a:spcBef>
                 <a:spcPts val="0"/>
               </a:spcBef>
@@ -8070,9 +8417,11 @@
       <p:sp>
         <p:nvSpPr>
           <p:cNvPr id="133" name="Google Shape;133;p22"/>
-          <p:cNvSpPr txBox="1"/>
+          <p:cNvSpPr txBox="1">
+            <a:spLocks noGrp="1"/>
+          </p:cNvSpPr>
           <p:nvPr>
-            <p:ph idx="1" type="body"/>
+            <p:ph type="body" idx="1"/>
           </p:nvPr>
         </p:nvSpPr>
         <p:spPr>
@@ -8085,12 +8434,12 @@
           </a:prstGeom>
         </p:spPr>
         <p:txBody>
-          <a:bodyPr anchorCtr="0" anchor="t" bIns="91425" lIns="91425" spcFirstLastPara="1" rIns="91425" wrap="square" tIns="91425">
+          <a:bodyPr spcFirstLastPara="1" wrap="square" lIns="91425" tIns="91425" rIns="91425" bIns="91425" anchor="t" anchorCtr="0">
             <a:normAutofit/>
           </a:bodyPr>
           <a:lstStyle/>
           <a:p>
-            <a:pPr indent="-342900" lvl="0" marL="457200" rtl="0" algn="l">
+            <a:pPr marL="457200" lvl="0" indent="-342900" algn="l" rtl="0">
               <a:spcBef>
                 <a:spcPts val="0"/>
               </a:spcBef>
@@ -8107,7 +8456,7 @@
             <a:endParaRPr/>
           </a:p>
           <a:p>
-            <a:pPr indent="0" lvl="0" marL="0" rtl="0" algn="l">
+            <a:pPr marL="0" lvl="0" indent="0" algn="l" rtl="0">
               <a:spcBef>
                 <a:spcPts val="1200"/>
               </a:spcBef>
@@ -8116,9 +8465,6 @@
               </a:spcAft>
               <a:buNone/>
             </a:pPr>
-            <a:r>
-              <a:t/>
-            </a:r>
             <a:endParaRPr/>
           </a:p>
         </p:txBody>
@@ -8132,11 +8478,11 @@
 </file>
 
 <file path=ppt/slides/slide11.xml><?xml version="1.0" encoding="utf-8"?>
-<p:sld xmlns:a="http://schemas.openxmlformats.org/drawingml/2006/main" xmlns:r="http://schemas.openxmlformats.org/officeDocument/2006/relationships" xmlns:mc="http://schemas.openxmlformats.org/markup-compatibility/2006" xmlns:mv="urn:schemas-microsoft-com:mac:vml" xmlns:p="http://schemas.openxmlformats.org/presentationml/2006/main" xmlns:c="http://schemas.openxmlformats.org/drawingml/2006/chart" xmlns:dgm="http://schemas.openxmlformats.org/drawingml/2006/diagram" xmlns:o="urn:schemas-microsoft-com:office:office" xmlns:v="urn:schemas-microsoft-com:vml" xmlns:pvml="urn:schemas-microsoft-com:office:powerpoint" xmlns:com="http://schemas.openxmlformats.org/drawingml/2006/compatibility" xmlns:p14="http://schemas.microsoft.com/office/powerpoint/2010/main" xmlns:p15="http://schemas.microsoft.com/office/powerpoint/2012/main" xmlns:ahyp="http://schemas.microsoft.com/office/drawing/2018/hyperlinkcolor">
+<p:sld xmlns:a="http://schemas.openxmlformats.org/drawingml/2006/main" xmlns:r="http://schemas.openxmlformats.org/officeDocument/2006/relationships" xmlns:p="http://schemas.openxmlformats.org/presentationml/2006/main">
   <p:cSld>
     <p:spTree>
       <p:nvGrpSpPr>
-        <p:cNvPr id="137" name="Shape 137"/>
+        <p:cNvPr id="1" name="Shape 137"/>
         <p:cNvGrpSpPr/>
         <p:nvPr/>
       </p:nvGrpSpPr>
@@ -8151,7 +8497,9 @@
       <p:sp>
         <p:nvSpPr>
           <p:cNvPr id="138" name="Google Shape;138;p23"/>
-          <p:cNvSpPr txBox="1"/>
+          <p:cNvSpPr txBox="1">
+            <a:spLocks noGrp="1"/>
+          </p:cNvSpPr>
           <p:nvPr>
             <p:ph type="title"/>
           </p:nvPr>
@@ -8166,12 +8514,12 @@
           </a:prstGeom>
         </p:spPr>
         <p:txBody>
-          <a:bodyPr anchorCtr="0" anchor="t" bIns="91425" lIns="91425" spcFirstLastPara="1" rIns="91425" wrap="square" tIns="91425">
+          <a:bodyPr spcFirstLastPara="1" wrap="square" lIns="91425" tIns="91425" rIns="91425" bIns="91425" anchor="t" anchorCtr="0">
             <a:normAutofit fontScale="90000"/>
           </a:bodyPr>
           <a:lstStyle/>
           <a:p>
-            <a:pPr indent="0" lvl="0" marL="0" rtl="0" algn="l">
+            <a:pPr marL="0" lvl="0" indent="0" algn="l" rtl="0">
               <a:spcBef>
                 <a:spcPts val="0"/>
               </a:spcBef>
@@ -8191,9 +8539,11 @@
       <p:sp>
         <p:nvSpPr>
           <p:cNvPr id="139" name="Google Shape;139;p23"/>
-          <p:cNvSpPr txBox="1"/>
+          <p:cNvSpPr txBox="1">
+            <a:spLocks noGrp="1"/>
+          </p:cNvSpPr>
           <p:nvPr>
-            <p:ph idx="1" type="body"/>
+            <p:ph type="body" idx="1"/>
           </p:nvPr>
         </p:nvSpPr>
         <p:spPr>
@@ -8206,12 +8556,12 @@
           </a:prstGeom>
         </p:spPr>
         <p:txBody>
-          <a:bodyPr anchorCtr="0" anchor="t" bIns="91425" lIns="91425" spcFirstLastPara="1" rIns="91425" wrap="square" tIns="91425">
-            <a:normAutofit lnSpcReduction="20000"/>
+          <a:bodyPr spcFirstLastPara="1" wrap="square" lIns="91425" tIns="91425" rIns="91425" bIns="91425" anchor="t" anchorCtr="0">
+            <a:normAutofit fontScale="92500"/>
           </a:bodyPr>
           <a:lstStyle/>
           <a:p>
-            <a:pPr indent="-342900" lvl="0" marL="457200" rtl="0" algn="l">
+            <a:pPr marL="457200" lvl="0" indent="-342900" algn="l" rtl="0">
               <a:spcBef>
                 <a:spcPts val="0"/>
               </a:spcBef>
@@ -8226,7 +8576,7 @@
               <a:t>Adjacency Matrix (Array) : O(V</a:t>
             </a:r>
             <a:r>
-              <a:rPr baseline="30000" lang="en"/>
+              <a:rPr lang="en" baseline="30000"/>
               <a:t>2</a:t>
             </a:r>
             <a:r>
@@ -8236,7 +8586,7 @@
             <a:endParaRPr/>
           </a:p>
           <a:p>
-            <a:pPr indent="-342900" lvl="0" marL="457200" rtl="0" algn="l">
+            <a:pPr marL="457200" lvl="0" indent="-342900" algn="l" rtl="0">
               <a:spcBef>
                 <a:spcPts val="0"/>
               </a:spcBef>
@@ -8253,7 +8603,7 @@
             <a:endParaRPr/>
           </a:p>
           <a:p>
-            <a:pPr indent="0" lvl="0" marL="0" rtl="0" algn="l">
+            <a:pPr marL="0" lvl="0" indent="0" algn="l" rtl="0">
               <a:spcBef>
                 <a:spcPts val="1200"/>
               </a:spcBef>
@@ -8269,7 +8619,7 @@
             <a:endParaRPr/>
           </a:p>
           <a:p>
-            <a:pPr indent="-342900" lvl="0" marL="457200" rtl="0" algn="l">
+            <a:pPr marL="457200" lvl="0" indent="-342900" algn="l" rtl="0">
               <a:spcBef>
                 <a:spcPts val="1200"/>
               </a:spcBef>
@@ -8281,14 +8631,10 @@
             </a:pPr>
             <a:r>
               <a:rPr lang="en"/>
-              <a:t>|E| -&gt; |V|, hence for Adjacency List: O((V+E) logV) -&gt; O((V+V) logV) -&gt; O(V logV), which is better than </a:t>
+              <a:t>|E| -&gt; |V|, hence for Adjacency List: O((V+E) logV) -&gt; O((V+V) logV) -&gt; O(V logV), which is better than O(V</a:t>
             </a:r>
             <a:r>
-              <a:rPr lang="en"/>
-              <a:t>O(V</a:t>
-            </a:r>
-            <a:r>
-              <a:rPr baseline="30000" lang="en"/>
+              <a:rPr lang="en" baseline="30000"/>
               <a:t>2</a:t>
             </a:r>
             <a:r>
@@ -8298,7 +8644,7 @@
             <a:endParaRPr/>
           </a:p>
           <a:p>
-            <a:pPr indent="-342900" lvl="0" marL="457200" rtl="0" algn="l">
+            <a:pPr marL="457200" lvl="0" indent="-342900" algn="l" rtl="0">
               <a:spcBef>
                 <a:spcPts val="0"/>
               </a:spcBef>
@@ -8315,7 +8661,7 @@
             <a:endParaRPr/>
           </a:p>
           <a:p>
-            <a:pPr indent="0" lvl="0" marL="0" rtl="0" algn="l">
+            <a:pPr marL="0" lvl="0" indent="0" algn="l" rtl="0">
               <a:spcBef>
                 <a:spcPts val="1200"/>
               </a:spcBef>
@@ -8331,7 +8677,7 @@
             <a:endParaRPr/>
           </a:p>
           <a:p>
-            <a:pPr indent="-342900" lvl="0" marL="457200" rtl="0" algn="l">
+            <a:pPr marL="457200" lvl="0" indent="-342900" algn="l" rtl="0">
               <a:spcBef>
                 <a:spcPts val="1200"/>
               </a:spcBef>
@@ -8346,7 +8692,7 @@
               <a:t>|E| -&gt; |V|</a:t>
             </a:r>
             <a:r>
-              <a:rPr baseline="30000" lang="en"/>
+              <a:rPr lang="en" baseline="30000"/>
               <a:t>2</a:t>
             </a:r>
             <a:r>
@@ -8354,7 +8700,7 @@
               <a:t>, hence for Adjacency List: O((V+E) logV) -&gt; O((V+V</a:t>
             </a:r>
             <a:r>
-              <a:rPr baseline="30000" lang="en"/>
+              <a:rPr lang="en" baseline="30000"/>
               <a:t>2</a:t>
             </a:r>
             <a:r>
@@ -8362,7 +8708,7 @@
               <a:t>) logV) -&gt; O(V</a:t>
             </a:r>
             <a:r>
-              <a:rPr baseline="30000" lang="en"/>
+              <a:rPr lang="en" baseline="30000"/>
               <a:t>2</a:t>
             </a:r>
             <a:r>
@@ -8370,7 +8716,7 @@
               <a:t> logV), which is worse than O(V</a:t>
             </a:r>
             <a:r>
-              <a:rPr baseline="30000" lang="en"/>
+              <a:rPr lang="en" baseline="30000"/>
               <a:t>2</a:t>
             </a:r>
             <a:r>
@@ -8380,7 +8726,7 @@
             <a:endParaRPr/>
           </a:p>
           <a:p>
-            <a:pPr indent="-342900" lvl="0" marL="457200" rtl="0" algn="l">
+            <a:pPr marL="457200" lvl="0" indent="-342900" algn="l" rtl="0">
               <a:spcBef>
                 <a:spcPts val="0"/>
               </a:spcBef>
@@ -8397,7 +8743,7 @@
             <a:endParaRPr/>
           </a:p>
           <a:p>
-            <a:pPr indent="0" lvl="0" marL="0" rtl="0" algn="l">
+            <a:pPr marL="0" lvl="0" indent="0" algn="l" rtl="0">
               <a:spcBef>
                 <a:spcPts val="1200"/>
               </a:spcBef>
@@ -8406,9 +8752,6 @@
               </a:spcAft>
               <a:buNone/>
             </a:pPr>
-            <a:r>
-              <a:t/>
-            </a:r>
             <a:endParaRPr/>
           </a:p>
         </p:txBody>
@@ -8422,11 +8765,11 @@
 </file>
 
 <file path=ppt/slides/slide12.xml><?xml version="1.0" encoding="utf-8"?>
-<p:sld xmlns:a="http://schemas.openxmlformats.org/drawingml/2006/main" xmlns:r="http://schemas.openxmlformats.org/officeDocument/2006/relationships" xmlns:mc="http://schemas.openxmlformats.org/markup-compatibility/2006" xmlns:mv="urn:schemas-microsoft-com:mac:vml" xmlns:p="http://schemas.openxmlformats.org/presentationml/2006/main" xmlns:c="http://schemas.openxmlformats.org/drawingml/2006/chart" xmlns:dgm="http://schemas.openxmlformats.org/drawingml/2006/diagram" xmlns:o="urn:schemas-microsoft-com:office:office" xmlns:v="urn:schemas-microsoft-com:vml" xmlns:pvml="urn:schemas-microsoft-com:office:powerpoint" xmlns:com="http://schemas.openxmlformats.org/drawingml/2006/compatibility" xmlns:p14="http://schemas.microsoft.com/office/powerpoint/2010/main" xmlns:p15="http://schemas.microsoft.com/office/powerpoint/2012/main" xmlns:ahyp="http://schemas.microsoft.com/office/drawing/2018/hyperlinkcolor">
+<p:sld xmlns:a="http://schemas.openxmlformats.org/drawingml/2006/main" xmlns:r="http://schemas.openxmlformats.org/officeDocument/2006/relationships" xmlns:p="http://schemas.openxmlformats.org/presentationml/2006/main">
   <p:cSld>
     <p:spTree>
       <p:nvGrpSpPr>
-        <p:cNvPr id="143" name="Shape 143"/>
+        <p:cNvPr id="1" name="Shape 143"/>
         <p:cNvGrpSpPr/>
         <p:nvPr/>
       </p:nvGrpSpPr>
@@ -8441,7 +8784,9 @@
       <p:sp>
         <p:nvSpPr>
           <p:cNvPr id="144" name="Google Shape;144;p24"/>
-          <p:cNvSpPr txBox="1"/>
+          <p:cNvSpPr txBox="1">
+            <a:spLocks noGrp="1"/>
+          </p:cNvSpPr>
           <p:nvPr>
             <p:ph type="title"/>
           </p:nvPr>
@@ -8456,12 +8801,12 @@
           </a:prstGeom>
         </p:spPr>
         <p:txBody>
-          <a:bodyPr anchorCtr="0" anchor="t" bIns="91425" lIns="91425" spcFirstLastPara="1" rIns="91425" wrap="square" tIns="91425">
+          <a:bodyPr spcFirstLastPara="1" wrap="square" lIns="91425" tIns="91425" rIns="91425" bIns="91425" anchor="t" anchorCtr="0">
             <a:normAutofit fontScale="90000"/>
           </a:bodyPr>
           <a:lstStyle/>
           <a:p>
-            <a:pPr indent="0" lvl="0" marL="0" rtl="0" algn="l">
+            <a:pPr marL="0" lvl="0" indent="0" algn="l" rtl="0">
               <a:spcBef>
                 <a:spcPts val="0"/>
               </a:spcBef>
@@ -8472,11 +8817,7 @@
             </a:pPr>
             <a:r>
               <a:rPr lang="en"/>
-              <a:t>Time Complexity</a:t>
-            </a:r>
-            <a:r>
-              <a:rPr lang="en"/>
-              <a:t> (Empirical Analysis)</a:t>
+              <a:t>Time Complexity (Empirical Analysis)</a:t>
             </a:r>
             <a:endParaRPr/>
           </a:p>
@@ -8519,11 +8860,11 @@
 </file>
 
 <file path=ppt/slides/slide13.xml><?xml version="1.0" encoding="utf-8"?>
-<p:sld xmlns:a="http://schemas.openxmlformats.org/drawingml/2006/main" xmlns:r="http://schemas.openxmlformats.org/officeDocument/2006/relationships" xmlns:mc="http://schemas.openxmlformats.org/markup-compatibility/2006" xmlns:mv="urn:schemas-microsoft-com:mac:vml" xmlns:p="http://schemas.openxmlformats.org/presentationml/2006/main" xmlns:c="http://schemas.openxmlformats.org/drawingml/2006/chart" xmlns:dgm="http://schemas.openxmlformats.org/drawingml/2006/diagram" xmlns:o="urn:schemas-microsoft-com:office:office" xmlns:v="urn:schemas-microsoft-com:vml" xmlns:pvml="urn:schemas-microsoft-com:office:powerpoint" xmlns:com="http://schemas.openxmlformats.org/drawingml/2006/compatibility" xmlns:p14="http://schemas.microsoft.com/office/powerpoint/2010/main" xmlns:p15="http://schemas.microsoft.com/office/powerpoint/2012/main" xmlns:ahyp="http://schemas.microsoft.com/office/drawing/2018/hyperlinkcolor">
+<p:sld xmlns:a="http://schemas.openxmlformats.org/drawingml/2006/main" xmlns:r="http://schemas.openxmlformats.org/officeDocument/2006/relationships" xmlns:p="http://schemas.openxmlformats.org/presentationml/2006/main">
   <p:cSld>
     <p:spTree>
       <p:nvGrpSpPr>
-        <p:cNvPr id="149" name="Shape 149"/>
+        <p:cNvPr id="1" name="Shape 149"/>
         <p:cNvGrpSpPr/>
         <p:nvPr/>
       </p:nvGrpSpPr>
@@ -8538,7 +8879,9 @@
       <p:sp>
         <p:nvSpPr>
           <p:cNvPr id="150" name="Google Shape;150;p25"/>
-          <p:cNvSpPr txBox="1"/>
+          <p:cNvSpPr txBox="1">
+            <a:spLocks noGrp="1"/>
+          </p:cNvSpPr>
           <p:nvPr>
             <p:ph type="title"/>
           </p:nvPr>
@@ -8553,12 +8896,12 @@
           </a:prstGeom>
         </p:spPr>
         <p:txBody>
-          <a:bodyPr anchorCtr="0" anchor="t" bIns="91425" lIns="91425" spcFirstLastPara="1" rIns="91425" wrap="square" tIns="91425">
+          <a:bodyPr spcFirstLastPara="1" wrap="square" lIns="91425" tIns="91425" rIns="91425" bIns="91425" anchor="t" anchorCtr="0">
             <a:normAutofit fontScale="90000"/>
           </a:bodyPr>
           <a:lstStyle/>
           <a:p>
-            <a:pPr indent="0" lvl="0" marL="0" rtl="0" algn="l">
+            <a:pPr marL="0" lvl="0" indent="0" algn="l" rtl="0">
               <a:spcBef>
                 <a:spcPts val="0"/>
               </a:spcBef>
@@ -8651,12 +8994,12 @@
           </a:ln>
         </p:spPr>
         <p:txBody>
-          <a:bodyPr anchorCtr="0" anchor="ctr" bIns="91425" lIns="91425" spcFirstLastPara="1" rIns="91425" wrap="square" tIns="91425">
+          <a:bodyPr spcFirstLastPara="1" wrap="square" lIns="91425" tIns="91425" rIns="91425" bIns="91425" anchor="ctr" anchorCtr="0">
             <a:noAutofit/>
           </a:bodyPr>
           <a:lstStyle/>
           <a:p>
-            <a:pPr indent="0" lvl="0" marL="0" rtl="0" algn="ctr">
+            <a:pPr marL="0" lvl="0" indent="0" algn="ctr" rtl="0">
               <a:lnSpc>
                 <a:spcPct val="115000"/>
               </a:lnSpc>
@@ -8680,7 +9023,7 @@
               </a:rPr>
               <a:t>|V| = 10</a:t>
             </a:r>
-            <a:endParaRPr b="1" sz="1600">
+            <a:endParaRPr sz="1600" b="1">
               <a:solidFill>
                 <a:srgbClr val="595959"/>
               </a:solidFill>
@@ -8711,12 +9054,12 @@
           </a:ln>
         </p:spPr>
         <p:txBody>
-          <a:bodyPr anchorCtr="0" anchor="ctr" bIns="91425" lIns="91425" spcFirstLastPara="1" rIns="91425" wrap="square" tIns="91425">
+          <a:bodyPr spcFirstLastPara="1" wrap="square" lIns="91425" tIns="91425" rIns="91425" bIns="91425" anchor="ctr" anchorCtr="0">
             <a:noAutofit/>
           </a:bodyPr>
           <a:lstStyle/>
           <a:p>
-            <a:pPr indent="0" lvl="0" marL="0" rtl="0" algn="ctr">
+            <a:pPr marL="0" lvl="0" indent="0" algn="ctr" rtl="0">
               <a:lnSpc>
                 <a:spcPct val="115000"/>
               </a:lnSpc>
@@ -8740,7 +9083,7 @@
               </a:rPr>
               <a:t>|V| = 100</a:t>
             </a:r>
-            <a:endParaRPr b="1" sz="1600">
+            <a:endParaRPr sz="1600" b="1">
               <a:solidFill>
                 <a:srgbClr val="595959"/>
               </a:solidFill>
@@ -8768,12 +9111,12 @@
           </a:ln>
         </p:spPr>
         <p:txBody>
-          <a:bodyPr anchorCtr="0" anchor="t" bIns="91425" lIns="91425" spcFirstLastPara="1" rIns="91425" wrap="square" tIns="91425">
+          <a:bodyPr spcFirstLastPara="1" wrap="square" lIns="91425" tIns="91425" rIns="91425" bIns="91425" anchor="t" anchorCtr="0">
             <a:spAutoFit/>
           </a:bodyPr>
           <a:lstStyle/>
           <a:p>
-            <a:pPr indent="-342900" lvl="0" marL="457200" rtl="0" algn="l">
+            <a:pPr marL="457200" lvl="0" indent="-342900" algn="l" rtl="0">
               <a:lnSpc>
                 <a:spcPct val="115000"/>
               </a:lnSpc>
@@ -8803,7 +9146,7 @@
               <a:t>Adjacency Matrix (Array) : O(V</a:t>
             </a:r>
             <a:r>
-              <a:rPr baseline="30000" lang="en" sz="1800">
+              <a:rPr lang="en" sz="1800" baseline="30000">
                 <a:solidFill>
                   <a:schemeClr val="lt1"/>
                 </a:solidFill>
@@ -8837,7 +9180,7 @@
             </a:endParaRPr>
           </a:p>
           <a:p>
-            <a:pPr indent="-342900" lvl="0" marL="457200" rtl="0" algn="l">
+            <a:pPr marL="457200" lvl="0" indent="-342900" algn="l" rtl="0">
               <a:lnSpc>
                 <a:spcPct val="115000"/>
               </a:lnSpc>
@@ -8884,11 +9227,11 @@
 </file>
 
 <file path=ppt/slides/slide14.xml><?xml version="1.0" encoding="utf-8"?>
-<p:sld xmlns:a="http://schemas.openxmlformats.org/drawingml/2006/main" xmlns:r="http://schemas.openxmlformats.org/officeDocument/2006/relationships" xmlns:mc="http://schemas.openxmlformats.org/markup-compatibility/2006" xmlns:mv="urn:schemas-microsoft-com:mac:vml" xmlns:p="http://schemas.openxmlformats.org/presentationml/2006/main" xmlns:c="http://schemas.openxmlformats.org/drawingml/2006/chart" xmlns:dgm="http://schemas.openxmlformats.org/drawingml/2006/diagram" xmlns:o="urn:schemas-microsoft-com:office:office" xmlns:v="urn:schemas-microsoft-com:vml" xmlns:pvml="urn:schemas-microsoft-com:office:powerpoint" xmlns:com="http://schemas.openxmlformats.org/drawingml/2006/compatibility" xmlns:p14="http://schemas.microsoft.com/office/powerpoint/2010/main" xmlns:p15="http://schemas.microsoft.com/office/powerpoint/2012/main" xmlns:ahyp="http://schemas.microsoft.com/office/drawing/2018/hyperlinkcolor">
+<p:sld xmlns:a="http://schemas.openxmlformats.org/drawingml/2006/main" xmlns:r="http://schemas.openxmlformats.org/officeDocument/2006/relationships" xmlns:p="http://schemas.openxmlformats.org/presentationml/2006/main">
   <p:cSld>
     <p:spTree>
       <p:nvGrpSpPr>
-        <p:cNvPr id="159" name="Shape 159"/>
+        <p:cNvPr id="1" name="Shape 159"/>
         <p:cNvGrpSpPr/>
         <p:nvPr/>
       </p:nvGrpSpPr>
@@ -8903,7 +9246,9 @@
       <p:sp>
         <p:nvSpPr>
           <p:cNvPr id="160" name="Google Shape;160;p26"/>
-          <p:cNvSpPr txBox="1"/>
+          <p:cNvSpPr txBox="1">
+            <a:spLocks noGrp="1"/>
+          </p:cNvSpPr>
           <p:nvPr>
             <p:ph type="title"/>
           </p:nvPr>
@@ -8918,12 +9263,12 @@
           </a:prstGeom>
         </p:spPr>
         <p:txBody>
-          <a:bodyPr anchorCtr="0" anchor="t" bIns="91425" lIns="91425" spcFirstLastPara="1" rIns="91425" wrap="square" tIns="91425">
+          <a:bodyPr spcFirstLastPara="1" wrap="square" lIns="91425" tIns="91425" rIns="91425" bIns="91425" anchor="t" anchorCtr="0">
             <a:normAutofit fontScale="90000"/>
           </a:bodyPr>
           <a:lstStyle/>
           <a:p>
-            <a:pPr indent="0" lvl="0" marL="0" rtl="0" algn="l">
+            <a:pPr marL="0" lvl="0" indent="0" algn="l" rtl="0">
               <a:spcBef>
                 <a:spcPts val="0"/>
               </a:spcBef>
@@ -8950,7 +9295,7 @@
           <a:blip r:embed="rId3">
             <a:alphaModFix/>
           </a:blip>
-          <a:srcRect b="0" l="5135" r="3163" t="0"/>
+          <a:srcRect l="5135" r="3163"/>
           <a:stretch/>
         </p:blipFill>
         <p:spPr>
@@ -8977,7 +9322,7 @@
           <a:blip r:embed="rId4">
             <a:alphaModFix/>
           </a:blip>
-          <a:srcRect b="0" l="0" r="13606" t="0"/>
+          <a:srcRect r="13606"/>
           <a:stretch/>
         </p:blipFill>
         <p:spPr>
@@ -9014,12 +9359,12 @@
           </a:ln>
         </p:spPr>
         <p:txBody>
-          <a:bodyPr anchorCtr="0" anchor="t" bIns="91425" lIns="91425" spcFirstLastPara="1" rIns="91425" wrap="square" tIns="91425">
+          <a:bodyPr spcFirstLastPara="1" wrap="square" lIns="91425" tIns="91425" rIns="91425" bIns="91425" anchor="t" anchorCtr="0">
             <a:noAutofit/>
           </a:bodyPr>
           <a:lstStyle/>
           <a:p>
-            <a:pPr indent="0" lvl="0" marL="0" rtl="0" algn="ctr">
+            <a:pPr marL="0" lvl="0" indent="0" algn="ctr" rtl="0">
               <a:lnSpc>
                 <a:spcPct val="115000"/>
               </a:lnSpc>
@@ -9032,14 +9377,14 @@
               <a:buNone/>
             </a:pPr>
             <a:r>
-              <a:rPr b="1" lang="en" sz="1600">
+              <a:rPr lang="en" sz="1600" b="1">
                 <a:solidFill>
                   <a:schemeClr val="lt1"/>
                 </a:solidFill>
               </a:rPr>
               <a:t>Adjacency Matrix with Array</a:t>
             </a:r>
-            <a:endParaRPr b="1" sz="1600">
+            <a:endParaRPr sz="1600" b="1">
               <a:solidFill>
                 <a:schemeClr val="lt1"/>
               </a:solidFill>
@@ -9067,12 +9412,12 @@
           </a:ln>
         </p:spPr>
         <p:txBody>
-          <a:bodyPr anchorCtr="0" anchor="t" bIns="91425" lIns="91425" spcFirstLastPara="1" rIns="91425" wrap="square" tIns="91425">
+          <a:bodyPr spcFirstLastPara="1" wrap="square" lIns="91425" tIns="91425" rIns="91425" bIns="91425" anchor="t" anchorCtr="0">
             <a:noAutofit/>
           </a:bodyPr>
           <a:lstStyle/>
           <a:p>
-            <a:pPr indent="0" lvl="0" marL="0" rtl="0" algn="ctr">
+            <a:pPr marL="0" lvl="0" indent="0" algn="ctr" rtl="0">
               <a:lnSpc>
                 <a:spcPct val="115000"/>
               </a:lnSpc>
@@ -9085,14 +9430,14 @@
               <a:buNone/>
             </a:pPr>
             <a:r>
-              <a:rPr b="1" lang="en" sz="1600">
+              <a:rPr lang="en" sz="1600" b="1">
                 <a:solidFill>
                   <a:schemeClr val="lt1"/>
                 </a:solidFill>
               </a:rPr>
               <a:t>Adjacency List with minHeap</a:t>
             </a:r>
-            <a:endParaRPr b="1" sz="1600">
+            <a:endParaRPr sz="1600" b="1">
               <a:solidFill>
                 <a:schemeClr val="lt1"/>
               </a:solidFill>
@@ -9109,11 +9454,11 @@
 </file>
 
 <file path=ppt/slides/slide15.xml><?xml version="1.0" encoding="utf-8"?>
-<p:sld xmlns:a="http://schemas.openxmlformats.org/drawingml/2006/main" xmlns:r="http://schemas.openxmlformats.org/officeDocument/2006/relationships" xmlns:mc="http://schemas.openxmlformats.org/markup-compatibility/2006" xmlns:mv="urn:schemas-microsoft-com:mac:vml" xmlns:p="http://schemas.openxmlformats.org/presentationml/2006/main" xmlns:c="http://schemas.openxmlformats.org/drawingml/2006/chart" xmlns:dgm="http://schemas.openxmlformats.org/drawingml/2006/diagram" xmlns:o="urn:schemas-microsoft-com:office:office" xmlns:v="urn:schemas-microsoft-com:vml" xmlns:pvml="urn:schemas-microsoft-com:office:powerpoint" xmlns:com="http://schemas.openxmlformats.org/drawingml/2006/compatibility" xmlns:p14="http://schemas.microsoft.com/office/powerpoint/2010/main" xmlns:p15="http://schemas.microsoft.com/office/powerpoint/2012/main" xmlns:ahyp="http://schemas.microsoft.com/office/drawing/2018/hyperlinkcolor">
+<p:sld xmlns:a="http://schemas.openxmlformats.org/drawingml/2006/main" xmlns:r="http://schemas.openxmlformats.org/officeDocument/2006/relationships" xmlns:p="http://schemas.openxmlformats.org/presentationml/2006/main">
   <p:cSld>
     <p:spTree>
       <p:nvGrpSpPr>
-        <p:cNvPr id="168" name="Shape 168"/>
+        <p:cNvPr id="1" name="Shape 168"/>
         <p:cNvGrpSpPr/>
         <p:nvPr/>
       </p:nvGrpSpPr>
@@ -9128,7 +9473,9 @@
       <p:sp>
         <p:nvSpPr>
           <p:cNvPr id="169" name="Google Shape;169;p27"/>
-          <p:cNvSpPr txBox="1"/>
+          <p:cNvSpPr txBox="1">
+            <a:spLocks noGrp="1"/>
+          </p:cNvSpPr>
           <p:nvPr>
             <p:ph type="title"/>
           </p:nvPr>
@@ -9143,12 +9490,12 @@
           </a:prstGeom>
         </p:spPr>
         <p:txBody>
-          <a:bodyPr anchorCtr="0" anchor="t" bIns="91425" lIns="91425" spcFirstLastPara="1" rIns="91425" wrap="square" tIns="91425">
+          <a:bodyPr spcFirstLastPara="1" wrap="square" lIns="91425" tIns="91425" rIns="91425" bIns="91425" anchor="t" anchorCtr="0">
             <a:normAutofit fontScale="90000"/>
           </a:bodyPr>
           <a:lstStyle/>
           <a:p>
-            <a:pPr indent="0" lvl="0" marL="0" rtl="0" algn="l">
+            <a:pPr marL="0" lvl="0" indent="0" algn="l" rtl="0">
               <a:spcBef>
                 <a:spcPts val="0"/>
               </a:spcBef>
@@ -9168,9 +9515,11 @@
       <p:sp>
         <p:nvSpPr>
           <p:cNvPr id="170" name="Google Shape;170;p27"/>
-          <p:cNvSpPr txBox="1"/>
+          <p:cNvSpPr txBox="1">
+            <a:spLocks noGrp="1"/>
+          </p:cNvSpPr>
           <p:nvPr>
-            <p:ph idx="1" type="body"/>
+            <p:ph type="body" idx="1"/>
           </p:nvPr>
         </p:nvSpPr>
         <p:spPr>
@@ -9183,12 +9532,12 @@
           </a:prstGeom>
         </p:spPr>
         <p:txBody>
-          <a:bodyPr anchorCtr="0" anchor="t" bIns="91425" lIns="91425" spcFirstLastPara="1" rIns="91425" wrap="square" tIns="91425">
+          <a:bodyPr spcFirstLastPara="1" wrap="square" lIns="91425" tIns="91425" rIns="91425" bIns="91425" anchor="t" anchorCtr="0">
             <a:normAutofit/>
           </a:bodyPr>
           <a:lstStyle/>
           <a:p>
-            <a:pPr indent="-342900" lvl="0" marL="457200" rtl="0" algn="l">
+            <a:pPr marL="457200" lvl="0" indent="-342900" algn="l" rtl="0">
               <a:spcBef>
                 <a:spcPts val="0"/>
               </a:spcBef>
@@ -9200,20 +9549,12 @@
             </a:pPr>
             <a:r>
               <a:rPr lang="en"/>
-              <a:t>We observe that Priority Queue method </a:t>
-            </a:r>
-            <a:r>
-              <a:rPr lang="en"/>
-              <a:t>would</a:t>
-            </a:r>
-            <a:r>
-              <a:rPr lang="en"/>
-              <a:t> outperform the Minimising Heap one when the graph is dense, but not when it is sparse.</a:t>
+              <a:t>We observe that Priority Queue method would outperform the Minimising Heap one when the graph is dense, but not when it is sparse.</a:t>
             </a:r>
             <a:endParaRPr/>
           </a:p>
           <a:p>
-            <a:pPr indent="-342900" lvl="0" marL="457200" rtl="0" algn="l">
+            <a:pPr marL="457200" lvl="0" indent="-342900" algn="l" rtl="0">
               <a:spcBef>
                 <a:spcPts val="0"/>
               </a:spcBef>
@@ -9240,11 +9581,11 @@
 </file>
 
 <file path=ppt/slides/slide2.xml><?xml version="1.0" encoding="utf-8"?>
-<p:sld xmlns:a="http://schemas.openxmlformats.org/drawingml/2006/main" xmlns:r="http://schemas.openxmlformats.org/officeDocument/2006/relationships" xmlns:mc="http://schemas.openxmlformats.org/markup-compatibility/2006" xmlns:mv="urn:schemas-microsoft-com:mac:vml" xmlns:p="http://schemas.openxmlformats.org/presentationml/2006/main" xmlns:c="http://schemas.openxmlformats.org/drawingml/2006/chart" xmlns:dgm="http://schemas.openxmlformats.org/drawingml/2006/diagram" xmlns:o="urn:schemas-microsoft-com:office:office" xmlns:v="urn:schemas-microsoft-com:vml" xmlns:pvml="urn:schemas-microsoft-com:office:powerpoint" xmlns:com="http://schemas.openxmlformats.org/drawingml/2006/compatibility" xmlns:p14="http://schemas.microsoft.com/office/powerpoint/2010/main" xmlns:p15="http://schemas.microsoft.com/office/powerpoint/2012/main" xmlns:ahyp="http://schemas.microsoft.com/office/drawing/2018/hyperlinkcolor">
+<p:sld xmlns:a="http://schemas.openxmlformats.org/drawingml/2006/main" xmlns:r="http://schemas.openxmlformats.org/officeDocument/2006/relationships" xmlns:p="http://schemas.openxmlformats.org/presentationml/2006/main">
   <p:cSld>
     <p:spTree>
       <p:nvGrpSpPr>
-        <p:cNvPr id="64" name="Shape 64"/>
+        <p:cNvPr id="1" name="Shape 64"/>
         <p:cNvGrpSpPr/>
         <p:nvPr/>
       </p:nvGrpSpPr>
@@ -9259,7 +9600,9 @@
       <p:sp>
         <p:nvSpPr>
           <p:cNvPr id="65" name="Google Shape;65;p14"/>
-          <p:cNvSpPr txBox="1"/>
+          <p:cNvSpPr txBox="1">
+            <a:spLocks noGrp="1"/>
+          </p:cNvSpPr>
           <p:nvPr>
             <p:ph type="title"/>
           </p:nvPr>
@@ -9274,12 +9617,12 @@
           </a:prstGeom>
         </p:spPr>
         <p:txBody>
-          <a:bodyPr anchorCtr="0" anchor="t" bIns="91425" lIns="91425" spcFirstLastPara="1" rIns="91425" wrap="square" tIns="91425">
+          <a:bodyPr spcFirstLastPara="1" wrap="square" lIns="91425" tIns="91425" rIns="91425" bIns="91425" anchor="t" anchorCtr="0">
             <a:normAutofit fontScale="90000"/>
           </a:bodyPr>
           <a:lstStyle/>
           <a:p>
-            <a:pPr indent="0" lvl="0" marL="0" rtl="0" algn="l">
+            <a:pPr marL="0" lvl="0" indent="0" algn="l" rtl="0">
               <a:spcBef>
                 <a:spcPts val="0"/>
               </a:spcBef>
@@ -9299,9 +9642,11 @@
       <p:sp>
         <p:nvSpPr>
           <p:cNvPr id="66" name="Google Shape;66;p14"/>
-          <p:cNvSpPr txBox="1"/>
+          <p:cNvSpPr txBox="1">
+            <a:spLocks noGrp="1"/>
+          </p:cNvSpPr>
           <p:nvPr>
-            <p:ph idx="1" type="body"/>
+            <p:ph type="body" idx="1"/>
           </p:nvPr>
         </p:nvSpPr>
         <p:spPr>
@@ -9314,12 +9659,12 @@
           </a:prstGeom>
         </p:spPr>
         <p:txBody>
-          <a:bodyPr anchorCtr="0" anchor="t" bIns="91425" lIns="91425" spcFirstLastPara="1" rIns="91425" wrap="square" tIns="91425">
+          <a:bodyPr spcFirstLastPara="1" wrap="square" lIns="91425" tIns="91425" rIns="91425" bIns="91425" anchor="t" anchorCtr="0">
             <a:normAutofit/>
           </a:bodyPr>
           <a:lstStyle/>
           <a:p>
-            <a:pPr indent="-342900" lvl="0" marL="457200" rtl="0" algn="l">
+            <a:pPr marL="457200" lvl="0" indent="-342900" algn="l" rtl="0">
               <a:spcBef>
                 <a:spcPts val="0"/>
               </a:spcBef>
@@ -9334,7 +9679,7 @@
               <a:t>Suppose the input graph G = (V, E) is stored in an </a:t>
             </a:r>
             <a:r>
-              <a:rPr b="1" lang="en">
+              <a:rPr lang="en" b="1">
                 <a:highlight>
                   <a:schemeClr val="dk1"/>
                 </a:highlight>
@@ -9360,7 +9705,7 @@
             <a:endParaRPr/>
           </a:p>
           <a:p>
-            <a:pPr indent="0" lvl="0" marL="0" rtl="0" algn="l">
+            <a:pPr marL="0" lvl="0" indent="0" algn="l" rtl="0">
               <a:spcBef>
                 <a:spcPts val="1200"/>
               </a:spcBef>
@@ -9369,9 +9714,6 @@
               </a:spcAft>
               <a:buNone/>
             </a:pPr>
-            <a:r>
-              <a:t/>
-            </a:r>
             <a:endParaRPr/>
           </a:p>
         </p:txBody>
@@ -9385,11 +9727,11 @@
 </file>
 
 <file path=ppt/slides/slide3.xml><?xml version="1.0" encoding="utf-8"?>
-<p:sld xmlns:a="http://schemas.openxmlformats.org/drawingml/2006/main" xmlns:r="http://schemas.openxmlformats.org/officeDocument/2006/relationships" xmlns:mc="http://schemas.openxmlformats.org/markup-compatibility/2006" xmlns:mv="urn:schemas-microsoft-com:mac:vml" xmlns:p="http://schemas.openxmlformats.org/presentationml/2006/main" xmlns:c="http://schemas.openxmlformats.org/drawingml/2006/chart" xmlns:dgm="http://schemas.openxmlformats.org/drawingml/2006/diagram" xmlns:o="urn:schemas-microsoft-com:office:office" xmlns:v="urn:schemas-microsoft-com:vml" xmlns:pvml="urn:schemas-microsoft-com:office:powerpoint" xmlns:com="http://schemas.openxmlformats.org/drawingml/2006/compatibility" xmlns:p14="http://schemas.microsoft.com/office/powerpoint/2010/main" xmlns:p15="http://schemas.microsoft.com/office/powerpoint/2012/main" xmlns:ahyp="http://schemas.microsoft.com/office/drawing/2018/hyperlinkcolor">
+<p:sld xmlns:a="http://schemas.openxmlformats.org/drawingml/2006/main" xmlns:r="http://schemas.openxmlformats.org/officeDocument/2006/relationships" xmlns:p="http://schemas.openxmlformats.org/presentationml/2006/main">
   <p:cSld>
     <p:spTree>
       <p:nvGrpSpPr>
-        <p:cNvPr id="70" name="Shape 70"/>
+        <p:cNvPr id="1" name="Shape 70"/>
         <p:cNvGrpSpPr/>
         <p:nvPr/>
       </p:nvGrpSpPr>
@@ -9404,7 +9746,9 @@
       <p:sp>
         <p:nvSpPr>
           <p:cNvPr id="71" name="Google Shape;71;p15"/>
-          <p:cNvSpPr txBox="1"/>
+          <p:cNvSpPr txBox="1">
+            <a:spLocks noGrp="1"/>
+          </p:cNvSpPr>
           <p:nvPr>
             <p:ph type="title"/>
           </p:nvPr>
@@ -9419,12 +9763,12 @@
           </a:prstGeom>
         </p:spPr>
         <p:txBody>
-          <a:bodyPr anchorCtr="0" anchor="t" bIns="91425" lIns="91425" spcFirstLastPara="1" rIns="91425" wrap="square" tIns="91425">
+          <a:bodyPr spcFirstLastPara="1" wrap="square" lIns="91425" tIns="91425" rIns="91425" bIns="91425" anchor="t" anchorCtr="0">
             <a:normAutofit fontScale="90000"/>
           </a:bodyPr>
           <a:lstStyle/>
           <a:p>
-            <a:pPr indent="0" lvl="0" marL="0" rtl="0" algn="l">
+            <a:pPr marL="0" lvl="0" indent="0" algn="l" rtl="0">
               <a:spcBef>
                 <a:spcPts val="0"/>
               </a:spcBef>
@@ -9506,11 +9850,11 @@
 </file>
 
 <file path=ppt/slides/slide4.xml><?xml version="1.0" encoding="utf-8"?>
-<p:sld xmlns:a="http://schemas.openxmlformats.org/drawingml/2006/main" xmlns:r="http://schemas.openxmlformats.org/officeDocument/2006/relationships" xmlns:mc="http://schemas.openxmlformats.org/markup-compatibility/2006" xmlns:mv="urn:schemas-microsoft-com:mac:vml" xmlns:p="http://schemas.openxmlformats.org/presentationml/2006/main" xmlns:c="http://schemas.openxmlformats.org/drawingml/2006/chart" xmlns:dgm="http://schemas.openxmlformats.org/drawingml/2006/diagram" xmlns:o="urn:schemas-microsoft-com:office:office" xmlns:v="urn:schemas-microsoft-com:vml" xmlns:pvml="urn:schemas-microsoft-com:office:powerpoint" xmlns:com="http://schemas.openxmlformats.org/drawingml/2006/compatibility" xmlns:p14="http://schemas.microsoft.com/office/powerpoint/2010/main" xmlns:p15="http://schemas.microsoft.com/office/powerpoint/2012/main" xmlns:ahyp="http://schemas.microsoft.com/office/drawing/2018/hyperlinkcolor">
+<p:sld xmlns:a="http://schemas.openxmlformats.org/drawingml/2006/main" xmlns:r="http://schemas.openxmlformats.org/officeDocument/2006/relationships" xmlns:p="http://schemas.openxmlformats.org/presentationml/2006/main">
   <p:cSld>
     <p:spTree>
       <p:nvGrpSpPr>
-        <p:cNvPr id="77" name="Shape 77"/>
+        <p:cNvPr id="1" name="Shape 77"/>
         <p:cNvGrpSpPr/>
         <p:nvPr/>
       </p:nvGrpSpPr>
@@ -9525,7 +9869,9 @@
       <p:sp>
         <p:nvSpPr>
           <p:cNvPr id="78" name="Google Shape;78;p16"/>
-          <p:cNvSpPr txBox="1"/>
+          <p:cNvSpPr txBox="1">
+            <a:spLocks noGrp="1"/>
+          </p:cNvSpPr>
           <p:nvPr>
             <p:ph type="title"/>
           </p:nvPr>
@@ -9540,12 +9886,12 @@
           </a:prstGeom>
         </p:spPr>
         <p:txBody>
-          <a:bodyPr anchorCtr="0" anchor="t" bIns="91425" lIns="91425" spcFirstLastPara="1" rIns="91425" wrap="square" tIns="91425">
+          <a:bodyPr spcFirstLastPara="1" wrap="square" lIns="91425" tIns="91425" rIns="91425" bIns="91425" anchor="t" anchorCtr="0">
             <a:normAutofit fontScale="90000"/>
           </a:bodyPr>
           <a:lstStyle/>
           <a:p>
-            <a:pPr indent="0" lvl="0" marL="0" rtl="0" algn="l">
+            <a:pPr marL="0" lvl="0" indent="0" algn="l" rtl="0">
               <a:spcBef>
                 <a:spcPts val="0"/>
               </a:spcBef>
@@ -9621,9 +9967,11 @@
       <p:sp>
         <p:nvSpPr>
           <p:cNvPr id="81" name="Google Shape;81;p16"/>
-          <p:cNvSpPr txBox="1"/>
+          <p:cNvSpPr txBox="1">
+            <a:spLocks noGrp="1"/>
+          </p:cNvSpPr>
           <p:nvPr>
-            <p:ph idx="1" type="body"/>
+            <p:ph type="body" idx="1"/>
           </p:nvPr>
         </p:nvSpPr>
         <p:spPr>
@@ -9636,12 +9984,12 @@
           </a:prstGeom>
         </p:spPr>
         <p:txBody>
-          <a:bodyPr anchorCtr="0" anchor="t" bIns="91425" lIns="91425" spcFirstLastPara="1" rIns="91425" wrap="square" tIns="91425">
+          <a:bodyPr spcFirstLastPara="1" wrap="square" lIns="91425" tIns="91425" rIns="91425" bIns="91425" anchor="t" anchorCtr="0">
             <a:normAutofit/>
           </a:bodyPr>
           <a:lstStyle/>
           <a:p>
-            <a:pPr indent="-342900" lvl="0" marL="457200" rtl="0" algn="l">
+            <a:pPr marL="457200" lvl="0" indent="-342900" algn="l" rtl="0">
               <a:spcBef>
                 <a:spcPts val="0"/>
               </a:spcBef>
@@ -9658,7 +10006,7 @@
             <a:endParaRPr/>
           </a:p>
           <a:p>
-            <a:pPr indent="0" lvl="0" marL="0" rtl="0" algn="l">
+            <a:pPr marL="0" lvl="0" indent="0" algn="l" rtl="0">
               <a:spcBef>
                 <a:spcPts val="1200"/>
               </a:spcBef>
@@ -9667,9 +10015,6 @@
               </a:spcAft>
               <a:buNone/>
             </a:pPr>
-            <a:r>
-              <a:t/>
-            </a:r>
             <a:endParaRPr/>
           </a:p>
         </p:txBody>
@@ -9687,30 +10032,30 @@
           </a:xfrm>
           <a:prstGeom prst="rightArrow">
             <a:avLst>
-              <a:gd fmla="val 50000" name="adj1"/>
-              <a:gd fmla="val 50000" name="adj2"/>
+              <a:gd name="adj1" fmla="val 50000"/>
+              <a:gd name="adj2" fmla="val 50000"/>
             </a:avLst>
           </a:prstGeom>
           <a:solidFill>
             <a:schemeClr val="dk1"/>
           </a:solidFill>
-          <a:ln cap="flat" cmpd="sng" w="9525">
+          <a:ln w="9525" cap="flat" cmpd="sng">
             <a:solidFill>
               <a:schemeClr val="dk2"/>
             </a:solidFill>
             <a:prstDash val="solid"/>
             <a:round/>
-            <a:headEnd len="sm" w="sm" type="none"/>
-            <a:tailEnd len="sm" w="sm" type="none"/>
+            <a:headEnd type="none" w="sm" len="sm"/>
+            <a:tailEnd type="none" w="sm" len="sm"/>
           </a:ln>
         </p:spPr>
         <p:txBody>
-          <a:bodyPr anchorCtr="0" anchor="ctr" bIns="91425" lIns="91425" spcFirstLastPara="1" rIns="91425" wrap="square" tIns="91425">
+          <a:bodyPr spcFirstLastPara="1" wrap="square" lIns="91425" tIns="91425" rIns="91425" bIns="91425" anchor="ctr" anchorCtr="0">
             <a:noAutofit/>
           </a:bodyPr>
           <a:lstStyle/>
           <a:p>
-            <a:pPr indent="0" lvl="0" marL="0" rtl="0" algn="l">
+            <a:pPr marL="0" lvl="0" indent="0" algn="l" rtl="0">
               <a:spcBef>
                 <a:spcPts val="0"/>
               </a:spcBef>
@@ -9719,9 +10064,6 @@
               </a:spcAft>
               <a:buNone/>
             </a:pPr>
-            <a:r>
-              <a:t/>
-            </a:r>
             <a:endParaRPr/>
           </a:p>
         </p:txBody>
@@ -9734,8 +10076,8 @@
         </p:nvSpPr>
         <p:spPr>
           <a:xfrm>
-            <a:off x="2824125" y="1848250"/>
-            <a:ext cx="1350600" cy="400200"/>
+            <a:off x="2824124" y="1848250"/>
+            <a:ext cx="1532285" cy="400079"/>
           </a:xfrm>
           <a:prstGeom prst="rect">
             <a:avLst/>
@@ -9746,12 +10088,12 @@
           </a:ln>
         </p:spPr>
         <p:txBody>
-          <a:bodyPr anchorCtr="0" anchor="t" bIns="91425" lIns="91425" spcFirstLastPara="1" rIns="91425" wrap="square" tIns="91425">
+          <a:bodyPr spcFirstLastPara="1" wrap="square" lIns="91425" tIns="91425" rIns="91425" bIns="91425" anchor="t" anchorCtr="0">
             <a:spAutoFit/>
           </a:bodyPr>
           <a:lstStyle/>
           <a:p>
-            <a:pPr indent="0" lvl="0" marL="0" rtl="0" algn="l">
+            <a:pPr marL="0" lvl="0" indent="0" algn="l" rtl="0">
               <a:spcBef>
                 <a:spcPts val="0"/>
               </a:spcBef>
@@ -9761,15 +10103,21 @@
               <a:buNone/>
             </a:pPr>
             <a:r>
-              <a:rPr lang="en">
+              <a:rPr lang="en" dirty="0">
+                <a:solidFill>
+                  <a:srgbClr val="0000FF"/>
+                </a:solidFill>
                 <a:latin typeface="Lato"/>
                 <a:ea typeface="Lato"/>
                 <a:cs typeface="Lato"/>
                 <a:sym typeface="Lato"/>
               </a:rPr>
-              <a:t>Initialise: O(n)</a:t>
+              <a:t>Initialise: O(|V|)</a:t>
             </a:r>
-            <a:endParaRPr>
+            <a:endParaRPr dirty="0">
+              <a:solidFill>
+                <a:srgbClr val="0000FF"/>
+              </a:solidFill>
               <a:latin typeface="Lato"/>
               <a:ea typeface="Lato"/>
               <a:cs typeface="Lato"/>
@@ -9798,12 +10146,12 @@
           </a:ln>
         </p:spPr>
         <p:txBody>
-          <a:bodyPr anchorCtr="0" anchor="t" bIns="91425" lIns="91425" spcFirstLastPara="1" rIns="91425" wrap="square" tIns="91425">
+          <a:bodyPr spcFirstLastPara="1" wrap="square" lIns="91425" tIns="91425" rIns="91425" bIns="91425" anchor="t" anchorCtr="0">
             <a:spAutoFit/>
           </a:bodyPr>
           <a:lstStyle/>
           <a:p>
-            <a:pPr indent="0" lvl="0" marL="0" rtl="0" algn="l">
+            <a:pPr marL="0" lvl="0" indent="0" algn="l" rtl="0">
               <a:spcBef>
                 <a:spcPts val="0"/>
               </a:spcBef>
@@ -9844,7 +10192,7 @@
         </p:nvSpPr>
         <p:spPr>
           <a:xfrm>
-            <a:off x="2464675" y="3922875"/>
+            <a:off x="2918158" y="3901325"/>
             <a:ext cx="1048500" cy="400200"/>
           </a:xfrm>
           <a:prstGeom prst="rect">
@@ -9856,12 +10204,12 @@
           </a:ln>
         </p:spPr>
         <p:txBody>
-          <a:bodyPr anchorCtr="0" anchor="t" bIns="91425" lIns="91425" spcFirstLastPara="1" rIns="91425" wrap="square" tIns="91425">
+          <a:bodyPr spcFirstLastPara="1" wrap="square" lIns="91425" tIns="91425" rIns="91425" bIns="91425" anchor="t" anchorCtr="0">
             <a:spAutoFit/>
           </a:bodyPr>
           <a:lstStyle/>
           <a:p>
-            <a:pPr indent="0" lvl="0" marL="0" rtl="0" algn="l">
+            <a:pPr marL="0" lvl="0" indent="0" algn="l" rtl="0">
               <a:spcBef>
                 <a:spcPts val="0"/>
               </a:spcBef>
@@ -9871,7 +10219,7 @@
               <a:buNone/>
             </a:pPr>
             <a:r>
-              <a:rPr lang="en">
+              <a:rPr lang="en" dirty="0">
                 <a:solidFill>
                   <a:srgbClr val="0000FF"/>
                 </a:solidFill>
@@ -9882,7 +10230,7 @@
               </a:rPr>
               <a:t> O(1)</a:t>
             </a:r>
-            <a:endParaRPr>
+            <a:endParaRPr dirty="0">
               <a:solidFill>
                 <a:srgbClr val="0000FF"/>
               </a:solidFill>
@@ -9914,12 +10262,12 @@
           </a:ln>
         </p:spPr>
         <p:txBody>
-          <a:bodyPr anchorCtr="0" anchor="t" bIns="91425" lIns="91425" spcFirstLastPara="1" rIns="91425" wrap="square" tIns="91425">
+          <a:bodyPr spcFirstLastPara="1" wrap="square" lIns="91425" tIns="91425" rIns="91425" bIns="91425" anchor="t" anchorCtr="0">
             <a:spAutoFit/>
           </a:bodyPr>
           <a:lstStyle/>
           <a:p>
-            <a:pPr indent="0" lvl="0" marL="0" rtl="0" algn="l">
+            <a:pPr marL="0" lvl="0" indent="0" algn="l" rtl="0">
               <a:spcBef>
                 <a:spcPts val="0"/>
               </a:spcBef>
@@ -9929,7 +10277,7 @@
               <a:buNone/>
             </a:pPr>
             <a:r>
-              <a:rPr lang="en">
+              <a:rPr lang="en" dirty="0">
                 <a:solidFill>
                   <a:srgbClr val="0000FF"/>
                 </a:solidFill>
@@ -9940,7 +10288,7 @@
               </a:rPr>
               <a:t> O(n) iterations to terminate</a:t>
             </a:r>
-            <a:endParaRPr>
+            <a:endParaRPr dirty="0">
               <a:solidFill>
                 <a:srgbClr val="0000FF"/>
               </a:solidFill>
@@ -9972,12 +10320,12 @@
           </a:ln>
         </p:spPr>
         <p:txBody>
-          <a:bodyPr anchorCtr="0" anchor="t" bIns="91425" lIns="91425" spcFirstLastPara="1" rIns="91425" wrap="square" tIns="91425">
+          <a:bodyPr spcFirstLastPara="1" wrap="square" lIns="91425" tIns="91425" rIns="91425" bIns="91425" anchor="t" anchorCtr="0">
             <a:spAutoFit/>
           </a:bodyPr>
           <a:lstStyle/>
           <a:p>
-            <a:pPr indent="0" lvl="0" marL="0" rtl="0" algn="l">
+            <a:pPr marL="0" lvl="0" indent="0" algn="l" rtl="0">
               <a:spcBef>
                 <a:spcPts val="0"/>
               </a:spcBef>
@@ -9987,7 +10335,7 @@
               <a:buNone/>
             </a:pPr>
             <a:r>
-              <a:rPr lang="en">
+              <a:rPr lang="en" dirty="0">
                 <a:solidFill>
                   <a:srgbClr val="0000FF"/>
                 </a:solidFill>
@@ -9996,21 +10344,9 @@
                 <a:cs typeface="Lato"/>
                 <a:sym typeface="Lato"/>
               </a:rPr>
-              <a:t> O(n) to find </a:t>
+              <a:t> O(|V|) to find cheapest in array</a:t>
             </a:r>
-            <a:r>
-              <a:rPr lang="en">
-                <a:solidFill>
-                  <a:srgbClr val="0000FF"/>
-                </a:solidFill>
-                <a:latin typeface="Lato"/>
-                <a:ea typeface="Lato"/>
-                <a:cs typeface="Lato"/>
-                <a:sym typeface="Lato"/>
-              </a:rPr>
-              <a:t>cheapest in array</a:t>
-            </a:r>
-            <a:endParaRPr>
+            <a:endParaRPr dirty="0">
               <a:solidFill>
                 <a:srgbClr val="0000FF"/>
               </a:solidFill>
@@ -10030,7 +10366,7 @@
         </p:nvSpPr>
         <p:spPr>
           <a:xfrm>
-            <a:off x="5665075" y="3160875"/>
+            <a:off x="5739066" y="3199900"/>
             <a:ext cx="3195900" cy="400200"/>
           </a:xfrm>
           <a:prstGeom prst="rect">
@@ -10042,12 +10378,12 @@
           </a:ln>
         </p:spPr>
         <p:txBody>
-          <a:bodyPr anchorCtr="0" anchor="t" bIns="91425" lIns="91425" spcFirstLastPara="1" rIns="91425" wrap="square" tIns="91425">
+          <a:bodyPr spcFirstLastPara="1" wrap="square" lIns="91425" tIns="91425" rIns="91425" bIns="91425" anchor="t" anchorCtr="0">
             <a:spAutoFit/>
           </a:bodyPr>
           <a:lstStyle/>
           <a:p>
-            <a:pPr indent="0" lvl="0" marL="0" rtl="0" algn="l">
+            <a:pPr marL="0" lvl="0" indent="0" algn="l" rtl="0">
               <a:spcBef>
                 <a:spcPts val="0"/>
               </a:spcBef>
@@ -10057,7 +10393,7 @@
               <a:buNone/>
             </a:pPr>
             <a:r>
-              <a:rPr lang="en">
+              <a:rPr lang="en" dirty="0">
                 <a:solidFill>
                   <a:srgbClr val="0000FF"/>
                 </a:solidFill>
@@ -10068,7 +10404,71 @@
               </a:rPr>
               <a:t> O(1) based on array</a:t>
             </a:r>
-            <a:endParaRPr>
+            <a:endParaRPr dirty="0">
+              <a:solidFill>
+                <a:srgbClr val="0000FF"/>
+              </a:solidFill>
+              <a:latin typeface="Lato"/>
+              <a:ea typeface="Lato"/>
+              <a:cs typeface="Lato"/>
+              <a:sym typeface="Lato"/>
+            </a:endParaRPr>
+          </a:p>
+        </p:txBody>
+      </p:sp>
+      <p:sp>
+        <p:nvSpPr>
+          <p:cNvPr id="3" name="Google Shape;88;p16">
+            <a:extLst>
+              <a:ext uri="{FF2B5EF4-FFF2-40B4-BE49-F238E27FC236}">
+                <a16:creationId xmlns:a16="http://schemas.microsoft.com/office/drawing/2014/main" id="{AD42DB98-F80A-EE18-5CE8-A67AA50086BE}"/>
+              </a:ext>
+            </a:extLst>
+          </p:cNvPr>
+          <p:cNvSpPr txBox="1"/>
+          <p:nvPr/>
+        </p:nvSpPr>
+        <p:spPr>
+          <a:xfrm>
+            <a:off x="5073710" y="885125"/>
+            <a:ext cx="814134" cy="400200"/>
+          </a:xfrm>
+          <a:prstGeom prst="rect">
+            <a:avLst/>
+          </a:prstGeom>
+          <a:noFill/>
+          <a:ln>
+            <a:noFill/>
+          </a:ln>
+        </p:spPr>
+        <p:txBody>
+          <a:bodyPr spcFirstLastPara="1" wrap="square" lIns="91425" tIns="91425" rIns="91425" bIns="91425" anchor="t" anchorCtr="0">
+            <a:spAutoFit/>
+          </a:bodyPr>
+          <a:lstStyle/>
+          <a:p>
+            <a:pPr marL="0" lvl="0" indent="0" algn="l" rtl="0">
+              <a:spcBef>
+                <a:spcPts val="0"/>
+              </a:spcBef>
+              <a:spcAft>
+                <a:spcPts val="0"/>
+              </a:spcAft>
+              <a:buNone/>
+            </a:pPr>
+            <a:r>
+              <a:rPr lang="en" dirty="0">
+                <a:solidFill>
+                  <a:srgbClr val="0000FF"/>
+                </a:solidFill>
+                <a:latin typeface="Lato"/>
+                <a:ea typeface="Lato"/>
+                <a:cs typeface="Lato"/>
+                <a:sym typeface="Lato"/>
+              </a:rPr>
+              <a:t>O(|V-1)</a:t>
+            </a:r>
+            <a:endParaRPr dirty="0">
               <a:solidFill>
                 <a:srgbClr val="0000FF"/>
               </a:solidFill>
@@ -10089,11 +10489,11 @@
 </file>
 
 <file path=ppt/slides/slide5.xml><?xml version="1.0" encoding="utf-8"?>
-<p:sld xmlns:a="http://schemas.openxmlformats.org/drawingml/2006/main" xmlns:r="http://schemas.openxmlformats.org/officeDocument/2006/relationships" xmlns:mc="http://schemas.openxmlformats.org/markup-compatibility/2006" xmlns:mv="urn:schemas-microsoft-com:mac:vml" xmlns:p="http://schemas.openxmlformats.org/presentationml/2006/main" xmlns:c="http://schemas.openxmlformats.org/drawingml/2006/chart" xmlns:dgm="http://schemas.openxmlformats.org/drawingml/2006/diagram" xmlns:o="urn:schemas-microsoft-com:office:office" xmlns:v="urn:schemas-microsoft-com:vml" xmlns:pvml="urn:schemas-microsoft-com:office:powerpoint" xmlns:com="http://schemas.openxmlformats.org/drawingml/2006/compatibility" xmlns:p14="http://schemas.microsoft.com/office/powerpoint/2010/main" xmlns:p15="http://schemas.microsoft.com/office/powerpoint/2012/main" xmlns:ahyp="http://schemas.microsoft.com/office/drawing/2018/hyperlinkcolor">
+<p:sld xmlns:a="http://schemas.openxmlformats.org/drawingml/2006/main" xmlns:r="http://schemas.openxmlformats.org/officeDocument/2006/relationships" xmlns:p="http://schemas.openxmlformats.org/presentationml/2006/main">
   <p:cSld>
     <p:spTree>
       <p:nvGrpSpPr>
-        <p:cNvPr id="92" name="Shape 92"/>
+        <p:cNvPr id="1" name="Shape 92"/>
         <p:cNvGrpSpPr/>
         <p:nvPr/>
       </p:nvGrpSpPr>
@@ -10108,7 +10508,9 @@
       <p:sp>
         <p:nvSpPr>
           <p:cNvPr id="93" name="Google Shape;93;p17"/>
-          <p:cNvSpPr txBox="1"/>
+          <p:cNvSpPr txBox="1">
+            <a:spLocks noGrp="1"/>
+          </p:cNvSpPr>
           <p:nvPr>
             <p:ph type="title"/>
           </p:nvPr>
@@ -10123,12 +10525,12 @@
           </a:prstGeom>
         </p:spPr>
         <p:txBody>
-          <a:bodyPr anchorCtr="0" anchor="t" bIns="91425" lIns="91425" spcFirstLastPara="1" rIns="91425" wrap="square" tIns="91425">
+          <a:bodyPr spcFirstLastPara="1" wrap="square" lIns="91425" tIns="91425" rIns="91425" bIns="91425" anchor="t" anchorCtr="0">
             <a:normAutofit fontScale="90000"/>
           </a:bodyPr>
           <a:lstStyle/>
           <a:p>
-            <a:pPr indent="0" lvl="0" marL="0" rtl="0" algn="l">
+            <a:pPr marL="0" lvl="0" indent="0" algn="l" rtl="0">
               <a:spcBef>
                 <a:spcPts val="0"/>
               </a:spcBef>
@@ -10154,7 +10556,7 @@
         <p:spPr>
           <a:xfrm>
             <a:off x="387900" y="605625"/>
-            <a:ext cx="8274900" cy="4802400"/>
+            <a:ext cx="8274900" cy="4801284"/>
           </a:xfrm>
           <a:prstGeom prst="rect">
             <a:avLst/>
@@ -10165,12 +10567,12 @@
           </a:ln>
         </p:spPr>
         <p:txBody>
-          <a:bodyPr anchorCtr="0" anchor="t" bIns="91425" lIns="91425" spcFirstLastPara="1" rIns="91425" wrap="square" tIns="91425">
+          <a:bodyPr spcFirstLastPara="1" wrap="square" lIns="91425" tIns="91425" rIns="91425" bIns="91425" anchor="t" anchorCtr="0">
             <a:spAutoFit/>
           </a:bodyPr>
           <a:lstStyle/>
           <a:p>
-            <a:pPr indent="0" lvl="0" marL="0" rtl="0" algn="l">
+            <a:pPr marL="0" lvl="0" indent="0" algn="l" rtl="0">
               <a:spcBef>
                 <a:spcPts val="0"/>
               </a:spcBef>
@@ -10180,9 +10582,9 @@
               <a:buNone/>
             </a:pPr>
             <a:r>
-              <a:rPr lang="en" sz="1700">
-                <a:solidFill>
-                  <a:schemeClr val="lt1"/>
+              <a:rPr lang="en" sz="1700" dirty="0">
+                <a:solidFill>
+                  <a:schemeClr val="accent1"/>
                 </a:solidFill>
                 <a:latin typeface="Lato"/>
                 <a:ea typeface="Lato"/>
@@ -10191,9 +10593,9 @@
               </a:rPr>
               <a:t>Let |E| be the number of edges and |V| be the number of Vertices in the graph.</a:t>
             </a:r>
-            <a:endParaRPr sz="1700">
+            <a:endParaRPr sz="1700" dirty="0">
               <a:solidFill>
-                <a:schemeClr val="lt1"/>
+                <a:schemeClr val="accent1"/>
               </a:solidFill>
               <a:latin typeface="Lato"/>
               <a:ea typeface="Lato"/>
@@ -10202,21 +10604,21 @@
             </a:endParaRPr>
           </a:p>
           <a:p>
-            <a:pPr indent="0" lvl="0" marL="0" rtl="0" algn="l">
-              <a:spcBef>
-                <a:spcPts val="0"/>
-              </a:spcBef>
-              <a:spcAft>
-                <a:spcPts val="0"/>
-              </a:spcAft>
-              <a:buNone/>
+            <a:pPr marL="120650" lvl="0" algn="l" rtl="0">
+              <a:spcBef>
+                <a:spcPts val="0"/>
+              </a:spcBef>
+              <a:spcAft>
+                <a:spcPts val="0"/>
+              </a:spcAft>
+              <a:buClr>
+                <a:schemeClr val="lt1"/>
+              </a:buClr>
+              <a:buSzPts val="1700"/>
             </a:pPr>
-            <a:r>
-              <a:t/>
-            </a:r>
-            <a:endParaRPr sz="1700">
+            <a:endParaRPr lang="en" sz="1700" dirty="0">
               <a:solidFill>
-                <a:schemeClr val="lt1"/>
+                <a:schemeClr val="accent1"/>
               </a:solidFill>
               <a:latin typeface="Lato"/>
               <a:ea typeface="Lato"/>
@@ -10225,7 +10627,7 @@
             </a:endParaRPr>
           </a:p>
           <a:p>
-            <a:pPr indent="-336550" lvl="0" marL="457200" rtl="0" algn="l">
+            <a:pPr marL="120650" lvl="0" algn="l" rtl="0">
               <a:spcBef>
                 <a:spcPts val="0"/>
               </a:spcBef>
@@ -10236,25 +10638,23 @@
                 <a:schemeClr val="lt1"/>
               </a:buClr>
               <a:buSzPts val="1700"/>
-              <a:buFont typeface="Lato"/>
-              <a:buAutoNum type="arabicPeriod"/>
             </a:pPr>
             <a:r>
-              <a:rPr lang="en" sz="1700">
-                <a:solidFill>
-                  <a:schemeClr val="lt1"/>
+              <a:rPr lang="en" sz="1700" dirty="0">
+                <a:solidFill>
+                  <a:schemeClr val="accent1"/>
                 </a:solidFill>
                 <a:latin typeface="Lato"/>
                 <a:ea typeface="Lato"/>
                 <a:cs typeface="Lato"/>
                 <a:sym typeface="Lato"/>
               </a:rPr>
-              <a:t>We need to find the unvisited vertex with the smallest path. For this part we require O(|V|) time.</a:t>
+              <a:t>1. We need to find the unvisited vertex with the smallest path. For this part we require O(|V|) time.</a:t>
             </a:r>
             <a:br>
-              <a:rPr lang="en" sz="1700">
-                <a:solidFill>
-                  <a:schemeClr val="lt1"/>
+              <a:rPr lang="en" sz="1700" dirty="0">
+                <a:solidFill>
+                  <a:schemeClr val="accent1"/>
                 </a:solidFill>
                 <a:latin typeface="Lato"/>
                 <a:ea typeface="Lato"/>
@@ -10262,9 +10662,9 @@
                 <a:sym typeface="Lato"/>
               </a:rPr>
             </a:br>
-            <a:endParaRPr sz="1700">
+            <a:endParaRPr sz="1700" dirty="0">
               <a:solidFill>
-                <a:schemeClr val="lt1"/>
+                <a:schemeClr val="accent1"/>
               </a:solidFill>
               <a:latin typeface="Lato"/>
               <a:ea typeface="Lato"/>
@@ -10273,7 +10673,7 @@
             </a:endParaRPr>
           </a:p>
           <a:p>
-            <a:pPr indent="-336550" lvl="0" marL="457200" rtl="0" algn="l">
+            <a:pPr marL="120650" lvl="0" algn="l" rtl="0">
               <a:spcBef>
                 <a:spcPts val="0"/>
               </a:spcBef>
@@ -10284,25 +10684,23 @@
                 <a:schemeClr val="lt1"/>
               </a:buClr>
               <a:buSzPts val="1700"/>
-              <a:buFont typeface="Lato"/>
-              <a:buAutoNum type="arabicPeriod"/>
             </a:pPr>
             <a:r>
-              <a:rPr lang="en" sz="1700">
-                <a:solidFill>
-                  <a:schemeClr val="lt1"/>
+              <a:rPr lang="en" sz="1700" dirty="0">
+                <a:solidFill>
+                  <a:schemeClr val="accent1"/>
                 </a:solidFill>
                 <a:latin typeface="Lato"/>
                 <a:ea typeface="Lato"/>
                 <a:cs typeface="Lato"/>
                 <a:sym typeface="Lato"/>
               </a:rPr>
-              <a:t>For each chosen vertex the time required to update its neighbour (if possible) is: O(1)</a:t>
+              <a:t>2. For each chosen vertex the time required to update its neighbour (if possible) is: O(1)</a:t>
             </a:r>
             <a:br>
-              <a:rPr lang="en" sz="1700">
-                <a:solidFill>
-                  <a:schemeClr val="lt1"/>
+              <a:rPr lang="en" sz="1700" dirty="0">
+                <a:solidFill>
+                  <a:schemeClr val="accent1"/>
                 </a:solidFill>
                 <a:latin typeface="Lato"/>
                 <a:ea typeface="Lato"/>
@@ -10310,9 +10708,9 @@
                 <a:sym typeface="Lato"/>
               </a:rPr>
             </a:br>
-            <a:endParaRPr sz="1700">
+            <a:endParaRPr lang="en" sz="1700" dirty="0">
               <a:solidFill>
-                <a:schemeClr val="lt1"/>
+                <a:schemeClr val="accent1"/>
               </a:solidFill>
               <a:latin typeface="Lato"/>
               <a:ea typeface="Lato"/>
@@ -10321,7 +10719,7 @@
             </a:endParaRPr>
           </a:p>
           <a:p>
-            <a:pPr indent="-336550" lvl="0" marL="457200" rtl="0" algn="l">
+            <a:pPr marL="120650" lvl="0" algn="l" rtl="0">
               <a:spcBef>
                 <a:spcPts val="0"/>
               </a:spcBef>
@@ -10332,24 +10730,22 @@
                 <a:schemeClr val="lt1"/>
               </a:buClr>
               <a:buSzPts val="1700"/>
-              <a:buFont typeface="Lato"/>
-              <a:buAutoNum type="arabicPeriod"/>
             </a:pPr>
             <a:r>
-              <a:rPr lang="en" sz="1700">
-                <a:solidFill>
-                  <a:schemeClr val="lt1"/>
+              <a:rPr lang="en" sz="1700" dirty="0">
+                <a:solidFill>
+                  <a:schemeClr val="accent1"/>
                 </a:solidFill>
                 <a:latin typeface="Lato"/>
                 <a:ea typeface="Lato"/>
                 <a:cs typeface="Lato"/>
                 <a:sym typeface="Lato"/>
               </a:rPr>
-              <a:t>Since, a vertex can have at most (|V-1|) neighbours, the time required to update all of them is:  O(1)*O(|V|) = O(|V|)</a:t>
+              <a:t>3. Since, a vertex can have at most (|V-1|) neighbours, the time required to update all of them is:  O(1)*O(|V|) = O(|V|)</a:t>
             </a:r>
-            <a:endParaRPr sz="1700">
+            <a:endParaRPr sz="1700" dirty="0">
               <a:solidFill>
-                <a:schemeClr val="lt1"/>
+                <a:schemeClr val="accent1"/>
               </a:solidFill>
               <a:latin typeface="Lato"/>
               <a:ea typeface="Lato"/>
@@ -10358,7 +10754,7 @@
             </a:endParaRPr>
           </a:p>
           <a:p>
-            <a:pPr indent="0" lvl="0" marL="0" rtl="0" algn="l">
+            <a:pPr marL="0" lvl="0" indent="0" algn="l" rtl="0">
               <a:spcBef>
                 <a:spcPts val="0"/>
               </a:spcBef>
@@ -10367,12 +10763,9 @@
               </a:spcAft>
               <a:buNone/>
             </a:pPr>
-            <a:r>
-              <a:t/>
-            </a:r>
-            <a:endParaRPr sz="1700">
+            <a:endParaRPr sz="1700" dirty="0">
               <a:solidFill>
-                <a:schemeClr val="lt1"/>
+                <a:schemeClr val="accent1"/>
               </a:solidFill>
               <a:latin typeface="Lato"/>
               <a:ea typeface="Lato"/>
@@ -10381,7 +10774,7 @@
             </a:endParaRPr>
           </a:p>
           <a:p>
-            <a:pPr indent="0" lvl="0" marL="0" rtl="0" algn="l">
+            <a:pPr marL="0" lvl="0" indent="0" algn="l" rtl="0">
               <a:spcBef>
                 <a:spcPts val="0"/>
               </a:spcBef>
@@ -10391,9 +10784,9 @@
               <a:buNone/>
             </a:pPr>
             <a:r>
-              <a:rPr lang="en" sz="1700">
-                <a:solidFill>
-                  <a:schemeClr val="lt1"/>
+              <a:rPr lang="en" sz="1700" dirty="0">
+                <a:solidFill>
+                  <a:schemeClr val="accent1"/>
                 </a:solidFill>
                 <a:latin typeface="Lato"/>
                 <a:ea typeface="Lato"/>
@@ -10402,9 +10795,9 @@
               </a:rPr>
               <a:t>Time taken for visiting all the vertices = O(|V|)</a:t>
             </a:r>
-            <a:endParaRPr sz="1700">
+            <a:endParaRPr sz="1700" dirty="0">
               <a:solidFill>
-                <a:schemeClr val="lt1"/>
+                <a:schemeClr val="accent1"/>
               </a:solidFill>
               <a:latin typeface="Lato"/>
               <a:ea typeface="Lato"/>
@@ -10413,7 +10806,7 @@
             </a:endParaRPr>
           </a:p>
           <a:p>
-            <a:pPr indent="0" lvl="0" marL="0" rtl="0" algn="l">
+            <a:pPr marL="0" lvl="0" indent="0" algn="l" rtl="0">
               <a:spcBef>
                 <a:spcPts val="0"/>
               </a:spcBef>
@@ -10423,9 +10816,9 @@
               <a:buNone/>
             </a:pPr>
             <a:r>
-              <a:rPr lang="en" sz="1700">
-                <a:solidFill>
-                  <a:schemeClr val="lt1"/>
+              <a:rPr lang="en" sz="1700" dirty="0">
+                <a:solidFill>
+                  <a:schemeClr val="accent1"/>
                 </a:solidFill>
                 <a:latin typeface="Lato"/>
                 <a:ea typeface="Lato"/>
@@ -10434,9 +10827,9 @@
               </a:rPr>
               <a:t>Time taken for process each vertex = O(|V|)</a:t>
             </a:r>
-            <a:endParaRPr sz="1700">
+            <a:endParaRPr sz="1700" dirty="0">
               <a:solidFill>
-                <a:schemeClr val="lt1"/>
+                <a:schemeClr val="accent1"/>
               </a:solidFill>
               <a:latin typeface="Lato"/>
               <a:ea typeface="Lato"/>
@@ -10445,7 +10838,7 @@
             </a:endParaRPr>
           </a:p>
           <a:p>
-            <a:pPr indent="0" lvl="0" marL="0" rtl="0" algn="l">
+            <a:pPr marL="0" lvl="0" indent="0" algn="l" rtl="0">
               <a:spcBef>
                 <a:spcPts val="0"/>
               </a:spcBef>
@@ -10454,12 +10847,9 @@
               </a:spcAft>
               <a:buNone/>
             </a:pPr>
-            <a:r>
-              <a:t/>
-            </a:r>
-            <a:endParaRPr sz="1700">
+            <a:endParaRPr sz="1700" dirty="0">
               <a:solidFill>
-                <a:schemeClr val="lt1"/>
+                <a:schemeClr val="accent1"/>
               </a:solidFill>
               <a:latin typeface="Lato"/>
               <a:ea typeface="Lato"/>
@@ -10468,7 +10858,7 @@
             </a:endParaRPr>
           </a:p>
           <a:p>
-            <a:pPr indent="0" lvl="0" marL="0" rtl="0" algn="l">
+            <a:pPr marL="0" lvl="0" indent="0" algn="l" rtl="0">
               <a:spcBef>
                 <a:spcPts val="0"/>
               </a:spcBef>
@@ -10478,9 +10868,9 @@
               <a:buNone/>
             </a:pPr>
             <a:r>
-              <a:rPr lang="en" sz="1700">
-                <a:solidFill>
-                  <a:schemeClr val="lt1"/>
+              <a:rPr lang="en" sz="1700" dirty="0">
+                <a:solidFill>
+                  <a:schemeClr val="accent1"/>
                 </a:solidFill>
                 <a:latin typeface="Lato"/>
                 <a:ea typeface="Lato"/>
@@ -10490,9 +10880,9 @@
               <a:t>Therefore, Time required for visiting and processing all the vertices = O(|V|)*O(|V|) = O(|V|</a:t>
             </a:r>
             <a:r>
-              <a:rPr baseline="30000" lang="en" sz="1700">
-                <a:solidFill>
-                  <a:schemeClr val="lt1"/>
+              <a:rPr lang="en" sz="1700" baseline="30000" dirty="0">
+                <a:solidFill>
+                  <a:schemeClr val="accent1"/>
                 </a:solidFill>
                 <a:latin typeface="Lato"/>
                 <a:ea typeface="Lato"/>
@@ -10502,9 +10892,9 @@
               <a:t>2</a:t>
             </a:r>
             <a:r>
-              <a:rPr lang="en" sz="1700">
-                <a:solidFill>
-                  <a:schemeClr val="lt1"/>
+              <a:rPr lang="en" sz="1700" dirty="0">
+                <a:solidFill>
+                  <a:schemeClr val="accent1"/>
                 </a:solidFill>
                 <a:latin typeface="Lato"/>
                 <a:ea typeface="Lato"/>
@@ -10513,10 +10903,14 @@
               </a:rPr>
               <a:t>)</a:t>
             </a:r>
-            <a:endParaRPr b="1" sz="1300"/>
-          </a:p>
-          <a:p>
-            <a:pPr indent="0" lvl="0" marL="0" rtl="0" algn="l">
+            <a:endParaRPr sz="1300" b="1" dirty="0">
+              <a:solidFill>
+                <a:schemeClr val="accent1"/>
+              </a:solidFill>
+            </a:endParaRPr>
+          </a:p>
+          <a:p>
+            <a:pPr marL="0" lvl="0" indent="0" algn="l" rtl="0">
               <a:spcBef>
                 <a:spcPts val="0"/>
               </a:spcBef>
@@ -10525,13 +10919,14 @@
               </a:spcAft>
               <a:buNone/>
             </a:pPr>
-            <a:r>
-              <a:t/>
-            </a:r>
-            <a:endParaRPr/>
-          </a:p>
-          <a:p>
-            <a:pPr indent="0" lvl="0" marL="0" rtl="0" algn="l">
+            <a:endParaRPr dirty="0">
+              <a:solidFill>
+                <a:schemeClr val="accent1"/>
+              </a:solidFill>
+            </a:endParaRPr>
+          </a:p>
+          <a:p>
+            <a:pPr marL="0" lvl="0" indent="0" algn="l" rtl="0">
               <a:spcBef>
                 <a:spcPts val="0"/>
               </a:spcBef>
@@ -10540,10 +10935,11 @@
               </a:spcAft>
               <a:buNone/>
             </a:pPr>
-            <a:r>
-              <a:t/>
-            </a:r>
-            <a:endParaRPr/>
+            <a:endParaRPr dirty="0">
+              <a:solidFill>
+                <a:schemeClr val="accent1"/>
+              </a:solidFill>
+            </a:endParaRPr>
           </a:p>
         </p:txBody>
       </p:sp>
@@ -10556,11 +10952,11 @@
 </file>
 
 <file path=ppt/slides/slide6.xml><?xml version="1.0" encoding="utf-8"?>
-<p:sld xmlns:a="http://schemas.openxmlformats.org/drawingml/2006/main" xmlns:r="http://schemas.openxmlformats.org/officeDocument/2006/relationships" xmlns:mc="http://schemas.openxmlformats.org/markup-compatibility/2006" xmlns:mv="urn:schemas-microsoft-com:mac:vml" xmlns:p="http://schemas.openxmlformats.org/presentationml/2006/main" xmlns:c="http://schemas.openxmlformats.org/drawingml/2006/chart" xmlns:dgm="http://schemas.openxmlformats.org/drawingml/2006/diagram" xmlns:o="urn:schemas-microsoft-com:office:office" xmlns:v="urn:schemas-microsoft-com:vml" xmlns:pvml="urn:schemas-microsoft-com:office:powerpoint" xmlns:com="http://schemas.openxmlformats.org/drawingml/2006/compatibility" xmlns:p14="http://schemas.microsoft.com/office/powerpoint/2010/main" xmlns:p15="http://schemas.microsoft.com/office/powerpoint/2012/main" xmlns:ahyp="http://schemas.microsoft.com/office/drawing/2018/hyperlinkcolor">
+<p:sld xmlns:a="http://schemas.openxmlformats.org/drawingml/2006/main" xmlns:r="http://schemas.openxmlformats.org/officeDocument/2006/relationships" xmlns:p="http://schemas.openxmlformats.org/presentationml/2006/main">
   <p:cSld>
     <p:spTree>
       <p:nvGrpSpPr>
-        <p:cNvPr id="98" name="Shape 98"/>
+        <p:cNvPr id="1" name="Shape 98"/>
         <p:cNvGrpSpPr/>
         <p:nvPr/>
       </p:nvGrpSpPr>
@@ -10575,7 +10971,9 @@
       <p:sp>
         <p:nvSpPr>
           <p:cNvPr id="99" name="Google Shape;99;p18"/>
-          <p:cNvSpPr txBox="1"/>
+          <p:cNvSpPr txBox="1">
+            <a:spLocks noGrp="1"/>
+          </p:cNvSpPr>
           <p:nvPr>
             <p:ph type="title"/>
           </p:nvPr>
@@ -10590,12 +10988,12 @@
           </a:prstGeom>
         </p:spPr>
         <p:txBody>
-          <a:bodyPr anchorCtr="0" anchor="t" bIns="91425" lIns="91425" spcFirstLastPara="1" rIns="91425" wrap="square" tIns="91425">
+          <a:bodyPr spcFirstLastPara="1" wrap="square" lIns="91425" tIns="91425" rIns="91425" bIns="91425" anchor="t" anchorCtr="0">
             <a:normAutofit fontScale="90000"/>
           </a:bodyPr>
           <a:lstStyle/>
           <a:p>
-            <a:pPr indent="0" lvl="0" marL="0" rtl="0" algn="l">
+            <a:pPr marL="0" lvl="0" indent="0" algn="l" rtl="0">
               <a:spcBef>
                 <a:spcPts val="0"/>
               </a:spcBef>
@@ -10615,9 +11013,11 @@
       <p:sp>
         <p:nvSpPr>
           <p:cNvPr id="100" name="Google Shape;100;p18"/>
-          <p:cNvSpPr txBox="1"/>
+          <p:cNvSpPr txBox="1">
+            <a:spLocks noGrp="1"/>
+          </p:cNvSpPr>
           <p:nvPr>
-            <p:ph idx="1" type="body"/>
+            <p:ph type="body" idx="1"/>
           </p:nvPr>
         </p:nvSpPr>
         <p:spPr>
@@ -10630,12 +11030,12 @@
           </a:prstGeom>
         </p:spPr>
         <p:txBody>
-          <a:bodyPr anchorCtr="0" anchor="t" bIns="91425" lIns="91425" spcFirstLastPara="1" rIns="91425" wrap="square" tIns="91425">
+          <a:bodyPr spcFirstLastPara="1" wrap="square" lIns="91425" tIns="91425" rIns="91425" bIns="91425" anchor="t" anchorCtr="0">
             <a:normAutofit/>
           </a:bodyPr>
           <a:lstStyle/>
           <a:p>
-            <a:pPr indent="-342900" lvl="0" marL="457200" rtl="0" algn="l">
+            <a:pPr marL="457200" lvl="0" indent="-342900" algn="l" rtl="0">
               <a:spcBef>
                 <a:spcPts val="0"/>
               </a:spcBef>
@@ -10676,7 +11076,7 @@
             <a:endParaRPr/>
           </a:p>
           <a:p>
-            <a:pPr indent="0" lvl="0" marL="0" rtl="0" algn="l">
+            <a:pPr marL="0" lvl="0" indent="0" algn="l" rtl="0">
               <a:spcBef>
                 <a:spcPts val="1200"/>
               </a:spcBef>
@@ -10685,9 +11085,6 @@
               </a:spcAft>
               <a:buNone/>
             </a:pPr>
-            <a:r>
-              <a:t/>
-            </a:r>
             <a:endParaRPr/>
           </a:p>
         </p:txBody>
@@ -10701,11 +11098,11 @@
 </file>
 
 <file path=ppt/slides/slide7.xml><?xml version="1.0" encoding="utf-8"?>
-<p:sld xmlns:a="http://schemas.openxmlformats.org/drawingml/2006/main" xmlns:r="http://schemas.openxmlformats.org/officeDocument/2006/relationships" xmlns:mc="http://schemas.openxmlformats.org/markup-compatibility/2006" xmlns:mv="urn:schemas-microsoft-com:mac:vml" xmlns:p="http://schemas.openxmlformats.org/presentationml/2006/main" xmlns:c="http://schemas.openxmlformats.org/drawingml/2006/chart" xmlns:dgm="http://schemas.openxmlformats.org/drawingml/2006/diagram" xmlns:o="urn:schemas-microsoft-com:office:office" xmlns:v="urn:schemas-microsoft-com:vml" xmlns:pvml="urn:schemas-microsoft-com:office:powerpoint" xmlns:com="http://schemas.openxmlformats.org/drawingml/2006/compatibility" xmlns:p14="http://schemas.microsoft.com/office/powerpoint/2010/main" xmlns:p15="http://schemas.microsoft.com/office/powerpoint/2012/main" xmlns:ahyp="http://schemas.microsoft.com/office/drawing/2018/hyperlinkcolor">
+<p:sld xmlns:a="http://schemas.openxmlformats.org/drawingml/2006/main" xmlns:r="http://schemas.openxmlformats.org/officeDocument/2006/relationships" xmlns:p="http://schemas.openxmlformats.org/presentationml/2006/main">
   <p:cSld>
     <p:spTree>
       <p:nvGrpSpPr>
-        <p:cNvPr id="104" name="Shape 104"/>
+        <p:cNvPr id="1" name="Shape 104"/>
         <p:cNvGrpSpPr/>
         <p:nvPr/>
       </p:nvGrpSpPr>
@@ -10720,7 +11117,9 @@
       <p:sp>
         <p:nvSpPr>
           <p:cNvPr id="105" name="Google Shape;105;p19"/>
-          <p:cNvSpPr txBox="1"/>
+          <p:cNvSpPr txBox="1">
+            <a:spLocks noGrp="1"/>
+          </p:cNvSpPr>
           <p:nvPr>
             <p:ph type="title"/>
           </p:nvPr>
@@ -10735,12 +11134,12 @@
           </a:prstGeom>
         </p:spPr>
         <p:txBody>
-          <a:bodyPr anchorCtr="0" anchor="t" bIns="91425" lIns="91425" spcFirstLastPara="1" rIns="91425" wrap="square" tIns="91425">
+          <a:bodyPr spcFirstLastPara="1" wrap="square" lIns="91425" tIns="91425" rIns="91425" bIns="91425" anchor="t" anchorCtr="0">
             <a:normAutofit fontScale="90000"/>
           </a:bodyPr>
           <a:lstStyle/>
           <a:p>
-            <a:pPr indent="0" lvl="0" marL="0" rtl="0" algn="l">
+            <a:pPr marL="0" lvl="0" indent="0" algn="l" rtl="0">
               <a:spcBef>
                 <a:spcPts val="0"/>
               </a:spcBef>
@@ -10794,11 +11193,11 @@
 </file>
 
 <file path=ppt/slides/slide8.xml><?xml version="1.0" encoding="utf-8"?>
-<p:sld xmlns:a="http://schemas.openxmlformats.org/drawingml/2006/main" xmlns:r="http://schemas.openxmlformats.org/officeDocument/2006/relationships" xmlns:mc="http://schemas.openxmlformats.org/markup-compatibility/2006" xmlns:mv="urn:schemas-microsoft-com:mac:vml" xmlns:p="http://schemas.openxmlformats.org/presentationml/2006/main" xmlns:c="http://schemas.openxmlformats.org/drawingml/2006/chart" xmlns:dgm="http://schemas.openxmlformats.org/drawingml/2006/diagram" xmlns:o="urn:schemas-microsoft-com:office:office" xmlns:v="urn:schemas-microsoft-com:vml" xmlns:pvml="urn:schemas-microsoft-com:office:powerpoint" xmlns:com="http://schemas.openxmlformats.org/drawingml/2006/compatibility" xmlns:p14="http://schemas.microsoft.com/office/powerpoint/2010/main" xmlns:p15="http://schemas.microsoft.com/office/powerpoint/2012/main" xmlns:ahyp="http://schemas.microsoft.com/office/drawing/2018/hyperlinkcolor">
+<p:sld xmlns:a="http://schemas.openxmlformats.org/drawingml/2006/main" xmlns:r="http://schemas.openxmlformats.org/officeDocument/2006/relationships" xmlns:p="http://schemas.openxmlformats.org/presentationml/2006/main">
   <p:cSld>
     <p:spTree>
       <p:nvGrpSpPr>
-        <p:cNvPr id="110" name="Shape 110"/>
+        <p:cNvPr id="1" name="Shape 110"/>
         <p:cNvGrpSpPr/>
         <p:nvPr/>
       </p:nvGrpSpPr>
@@ -10813,7 +11212,9 @@
       <p:sp>
         <p:nvSpPr>
           <p:cNvPr id="111" name="Google Shape;111;p20"/>
-          <p:cNvSpPr txBox="1"/>
+          <p:cNvSpPr txBox="1">
+            <a:spLocks noGrp="1"/>
+          </p:cNvSpPr>
           <p:nvPr>
             <p:ph type="title"/>
           </p:nvPr>
@@ -10828,12 +11229,12 @@
           </a:prstGeom>
         </p:spPr>
         <p:txBody>
-          <a:bodyPr anchorCtr="0" anchor="t" bIns="91425" lIns="91425" spcFirstLastPara="1" rIns="91425" wrap="square" tIns="91425">
+          <a:bodyPr spcFirstLastPara="1" wrap="square" lIns="91425" tIns="91425" rIns="91425" bIns="91425" anchor="t" anchorCtr="0">
             <a:normAutofit fontScale="90000"/>
           </a:bodyPr>
           <a:lstStyle/>
           <a:p>
-            <a:pPr indent="0" lvl="0" marL="0" rtl="0" algn="l">
+            <a:pPr marL="0" lvl="0" indent="0" algn="l" rtl="0">
               <a:spcBef>
                 <a:spcPts val="0"/>
               </a:spcBef>
@@ -10909,9 +11310,11 @@
       <p:sp>
         <p:nvSpPr>
           <p:cNvPr id="114" name="Google Shape;114;p20"/>
-          <p:cNvSpPr txBox="1"/>
+          <p:cNvSpPr txBox="1">
+            <a:spLocks noGrp="1"/>
+          </p:cNvSpPr>
           <p:nvPr>
-            <p:ph idx="1" type="body"/>
+            <p:ph type="body" idx="1"/>
           </p:nvPr>
         </p:nvSpPr>
         <p:spPr>
@@ -10924,12 +11327,12 @@
           </a:prstGeom>
         </p:spPr>
         <p:txBody>
-          <a:bodyPr anchorCtr="0" anchor="t" bIns="91425" lIns="91425" spcFirstLastPara="1" rIns="91425" wrap="square" tIns="91425">
+          <a:bodyPr spcFirstLastPara="1" wrap="square" lIns="91425" tIns="91425" rIns="91425" bIns="91425" anchor="t" anchorCtr="0">
             <a:normAutofit/>
           </a:bodyPr>
           <a:lstStyle/>
           <a:p>
-            <a:pPr indent="-342900" lvl="0" marL="457200" rtl="0" algn="l">
+            <a:pPr marL="457200" lvl="0" indent="-342900" algn="l" rtl="0">
               <a:spcBef>
                 <a:spcPts val="0"/>
               </a:spcBef>
@@ -10946,7 +11349,7 @@
             <a:endParaRPr/>
           </a:p>
           <a:p>
-            <a:pPr indent="0" lvl="0" marL="0" rtl="0" algn="l">
+            <a:pPr marL="0" lvl="0" indent="0" algn="l" rtl="0">
               <a:spcBef>
                 <a:spcPts val="1200"/>
               </a:spcBef>
@@ -10955,9 +11358,6 @@
               </a:spcAft>
               <a:buNone/>
             </a:pPr>
-            <a:r>
-              <a:t/>
-            </a:r>
             <a:endParaRPr/>
           </a:p>
         </p:txBody>
@@ -10975,30 +11375,30 @@
           </a:xfrm>
           <a:prstGeom prst="rightArrow">
             <a:avLst>
-              <a:gd fmla="val 50000" name="adj1"/>
-              <a:gd fmla="val 50000" name="adj2"/>
+              <a:gd name="adj1" fmla="val 50000"/>
+              <a:gd name="adj2" fmla="val 50000"/>
             </a:avLst>
           </a:prstGeom>
           <a:solidFill>
             <a:schemeClr val="dk1"/>
           </a:solidFill>
-          <a:ln cap="flat" cmpd="sng" w="9525">
+          <a:ln w="9525" cap="flat" cmpd="sng">
             <a:solidFill>
               <a:schemeClr val="dk2"/>
             </a:solidFill>
             <a:prstDash val="solid"/>
             <a:round/>
-            <a:headEnd len="sm" w="sm" type="none"/>
-            <a:tailEnd len="sm" w="sm" type="none"/>
+            <a:headEnd type="none" w="sm" len="sm"/>
+            <a:tailEnd type="none" w="sm" len="sm"/>
           </a:ln>
         </p:spPr>
         <p:txBody>
-          <a:bodyPr anchorCtr="0" anchor="ctr" bIns="91425" lIns="91425" spcFirstLastPara="1" rIns="91425" wrap="square" tIns="91425">
+          <a:bodyPr spcFirstLastPara="1" wrap="square" lIns="91425" tIns="91425" rIns="91425" bIns="91425" anchor="ctr" anchorCtr="0">
             <a:noAutofit/>
           </a:bodyPr>
           <a:lstStyle/>
           <a:p>
-            <a:pPr indent="0" lvl="0" marL="0" rtl="0" algn="l">
+            <a:pPr marL="0" lvl="0" indent="0" algn="l" rtl="0">
               <a:spcBef>
                 <a:spcPts val="0"/>
               </a:spcBef>
@@ -11007,9 +11407,6 @@
               </a:spcAft>
               <a:buNone/>
             </a:pPr>
-            <a:r>
-              <a:t/>
-            </a:r>
             <a:endParaRPr/>
           </a:p>
         </p:txBody>
@@ -11022,8 +11419,8 @@
         </p:nvSpPr>
         <p:spPr>
           <a:xfrm>
-            <a:off x="2824125" y="1848250"/>
-            <a:ext cx="1350600" cy="400200"/>
+            <a:off x="2824124" y="1848250"/>
+            <a:ext cx="1554587" cy="400079"/>
           </a:xfrm>
           <a:prstGeom prst="rect">
             <a:avLst/>
@@ -11034,12 +11431,12 @@
           </a:ln>
         </p:spPr>
         <p:txBody>
-          <a:bodyPr anchorCtr="0" anchor="t" bIns="91425" lIns="91425" spcFirstLastPara="1" rIns="91425" wrap="square" tIns="91425">
+          <a:bodyPr spcFirstLastPara="1" wrap="square" lIns="91425" tIns="91425" rIns="91425" bIns="91425" anchor="t" anchorCtr="0">
             <a:spAutoFit/>
           </a:bodyPr>
           <a:lstStyle/>
           <a:p>
-            <a:pPr indent="0" lvl="0" marL="0" rtl="0" algn="l">
+            <a:pPr marL="0" lvl="0" indent="0" algn="l" rtl="0">
               <a:spcBef>
                 <a:spcPts val="0"/>
               </a:spcBef>
@@ -11049,15 +11446,15 @@
               <a:buNone/>
             </a:pPr>
             <a:r>
-              <a:rPr lang="en">
+              <a:rPr lang="en" dirty="0">
                 <a:latin typeface="Lato"/>
                 <a:ea typeface="Lato"/>
                 <a:cs typeface="Lato"/>
                 <a:sym typeface="Lato"/>
               </a:rPr>
-              <a:t>Initialise: O(n)</a:t>
+              <a:t>Initialise: O(|V|)</a:t>
             </a:r>
-            <a:endParaRPr>
+            <a:endParaRPr dirty="0">
               <a:latin typeface="Lato"/>
               <a:ea typeface="Lato"/>
               <a:cs typeface="Lato"/>
@@ -11086,12 +11483,12 @@
           </a:ln>
         </p:spPr>
         <p:txBody>
-          <a:bodyPr anchorCtr="0" anchor="t" bIns="91425" lIns="91425" spcFirstLastPara="1" rIns="91425" wrap="square" tIns="91425">
+          <a:bodyPr spcFirstLastPara="1" wrap="square" lIns="91425" tIns="91425" rIns="91425" bIns="91425" anchor="t" anchorCtr="0">
             <a:spAutoFit/>
           </a:bodyPr>
           <a:lstStyle/>
           <a:p>
-            <a:pPr indent="0" lvl="0" marL="0" rtl="0" algn="l">
+            <a:pPr marL="0" lvl="0" indent="0" algn="l" rtl="0">
               <a:spcBef>
                 <a:spcPts val="0"/>
               </a:spcBef>
@@ -11101,7 +11498,7 @@
               <a:buNone/>
             </a:pPr>
             <a:r>
-              <a:rPr lang="en">
+              <a:rPr lang="en" dirty="0">
                 <a:solidFill>
                   <a:srgbClr val="0000FF"/>
                 </a:solidFill>
@@ -11112,7 +11509,7 @@
               </a:rPr>
               <a:t> O(1)</a:t>
             </a:r>
-            <a:endParaRPr>
+            <a:endParaRPr dirty="0">
               <a:solidFill>
                 <a:srgbClr val="0000FF"/>
               </a:solidFill>
@@ -11144,12 +11541,12 @@
           </a:ln>
         </p:spPr>
         <p:txBody>
-          <a:bodyPr anchorCtr="0" anchor="t" bIns="91425" lIns="91425" spcFirstLastPara="1" rIns="91425" wrap="square" tIns="91425">
+          <a:bodyPr spcFirstLastPara="1" wrap="square" lIns="91425" tIns="91425" rIns="91425" bIns="91425" anchor="t" anchorCtr="0">
             <a:spAutoFit/>
           </a:bodyPr>
           <a:lstStyle/>
           <a:p>
-            <a:pPr indent="0" lvl="0" marL="0" rtl="0" algn="l">
+            <a:pPr marL="0" lvl="0" indent="0" algn="l" rtl="0">
               <a:spcBef>
                 <a:spcPts val="0"/>
               </a:spcBef>
@@ -11202,12 +11599,12 @@
           </a:ln>
         </p:spPr>
         <p:txBody>
-          <a:bodyPr anchorCtr="0" anchor="t" bIns="91425" lIns="91425" spcFirstLastPara="1" rIns="91425" wrap="square" tIns="91425">
+          <a:bodyPr spcFirstLastPara="1" wrap="square" lIns="91425" tIns="91425" rIns="91425" bIns="91425" anchor="t" anchorCtr="0">
             <a:spAutoFit/>
           </a:bodyPr>
           <a:lstStyle/>
           <a:p>
-            <a:pPr indent="0" lvl="0" marL="0" rtl="0" algn="l">
+            <a:pPr marL="0" lvl="0" indent="0" algn="l" rtl="0">
               <a:spcBef>
                 <a:spcPts val="0"/>
               </a:spcBef>
@@ -11217,7 +11614,7 @@
               <a:buNone/>
             </a:pPr>
             <a:r>
-              <a:rPr lang="en">
+              <a:rPr lang="en" dirty="0">
                 <a:solidFill>
                   <a:srgbClr val="0000FF"/>
                 </a:solidFill>
@@ -11226,9 +11623,9 @@
                 <a:cs typeface="Lato"/>
                 <a:sym typeface="Lato"/>
               </a:rPr>
-              <a:t> O(n) iterations to terminate</a:t>
+              <a:t> O(|V|) iterations to terminate</a:t>
             </a:r>
-            <a:endParaRPr>
+            <a:endParaRPr dirty="0">
               <a:solidFill>
                 <a:srgbClr val="0000FF"/>
               </a:solidFill>
@@ -11260,12 +11657,12 @@
           </a:ln>
         </p:spPr>
         <p:txBody>
-          <a:bodyPr anchorCtr="0" anchor="t" bIns="91425" lIns="91425" spcFirstLastPara="1" rIns="91425" wrap="square" tIns="91425">
+          <a:bodyPr spcFirstLastPara="1" wrap="square" lIns="91425" tIns="91425" rIns="91425" bIns="91425" anchor="t" anchorCtr="0">
             <a:spAutoFit/>
           </a:bodyPr>
           <a:lstStyle/>
           <a:p>
-            <a:pPr indent="0" lvl="0" marL="0" rtl="0" algn="l">
+            <a:pPr marL="0" lvl="0" indent="0" algn="l" rtl="0">
               <a:spcBef>
                 <a:spcPts val="0"/>
               </a:spcBef>
@@ -11275,7 +11672,7 @@
               <a:buNone/>
             </a:pPr>
             <a:r>
-              <a:rPr lang="en">
+              <a:rPr lang="en" dirty="0">
                 <a:solidFill>
                   <a:srgbClr val="0000FF"/>
                 </a:solidFill>
@@ -11284,9 +11681,9 @@
                 <a:cs typeface="Lato"/>
                 <a:sym typeface="Lato"/>
               </a:rPr>
-              <a:t> O(log n) to fixHeap after </a:t>
+              <a:t> O(log |V|) to fixHeap after </a:t>
             </a:r>
-            <a:endParaRPr>
+            <a:endParaRPr dirty="0">
               <a:solidFill>
                 <a:srgbClr val="0000FF"/>
               </a:solidFill>
@@ -11318,12 +11715,12 @@
           </a:ln>
         </p:spPr>
         <p:txBody>
-          <a:bodyPr anchorCtr="0" anchor="t" bIns="91425" lIns="91425" spcFirstLastPara="1" rIns="91425" wrap="square" tIns="91425">
+          <a:bodyPr spcFirstLastPara="1" wrap="square" lIns="91425" tIns="91425" rIns="91425" bIns="91425" anchor="t" anchorCtr="0">
             <a:spAutoFit/>
           </a:bodyPr>
           <a:lstStyle/>
           <a:p>
-            <a:pPr indent="0" lvl="0" marL="0" rtl="0" algn="l">
+            <a:pPr marL="0" lvl="0" indent="0" algn="l" rtl="0">
               <a:spcBef>
                 <a:spcPts val="0"/>
               </a:spcBef>
@@ -11365,11 +11762,11 @@
 </file>
 
 <file path=ppt/slides/slide9.xml><?xml version="1.0" encoding="utf-8"?>
-<p:sld xmlns:a="http://schemas.openxmlformats.org/drawingml/2006/main" xmlns:r="http://schemas.openxmlformats.org/officeDocument/2006/relationships" xmlns:mc="http://schemas.openxmlformats.org/markup-compatibility/2006" xmlns:mv="urn:schemas-microsoft-com:mac:vml" xmlns:p="http://schemas.openxmlformats.org/presentationml/2006/main" xmlns:c="http://schemas.openxmlformats.org/drawingml/2006/chart" xmlns:dgm="http://schemas.openxmlformats.org/drawingml/2006/diagram" xmlns:o="urn:schemas-microsoft-com:office:office" xmlns:v="urn:schemas-microsoft-com:vml" xmlns:pvml="urn:schemas-microsoft-com:office:powerpoint" xmlns:com="http://schemas.openxmlformats.org/drawingml/2006/compatibility" xmlns:p14="http://schemas.microsoft.com/office/powerpoint/2010/main" xmlns:p15="http://schemas.microsoft.com/office/powerpoint/2012/main" xmlns:ahyp="http://schemas.microsoft.com/office/drawing/2018/hyperlinkcolor">
+<p:sld xmlns:a="http://schemas.openxmlformats.org/drawingml/2006/main" xmlns:r="http://schemas.openxmlformats.org/officeDocument/2006/relationships" xmlns:p="http://schemas.openxmlformats.org/presentationml/2006/main">
   <p:cSld>
     <p:spTree>
       <p:nvGrpSpPr>
-        <p:cNvPr id="125" name="Shape 125"/>
+        <p:cNvPr id="1" name="Shape 125"/>
         <p:cNvGrpSpPr/>
         <p:nvPr/>
       </p:nvGrpSpPr>
@@ -11384,7 +11781,9 @@
       <p:sp>
         <p:nvSpPr>
           <p:cNvPr id="126" name="Google Shape;126;p21"/>
-          <p:cNvSpPr txBox="1"/>
+          <p:cNvSpPr txBox="1">
+            <a:spLocks noGrp="1"/>
+          </p:cNvSpPr>
           <p:nvPr>
             <p:ph type="title"/>
           </p:nvPr>
@@ -11399,12 +11798,12 @@
           </a:prstGeom>
         </p:spPr>
         <p:txBody>
-          <a:bodyPr anchorCtr="0" anchor="t" bIns="91425" lIns="91425" spcFirstLastPara="1" rIns="91425" wrap="square" tIns="91425">
+          <a:bodyPr spcFirstLastPara="1" wrap="square" lIns="91425" tIns="91425" rIns="91425" bIns="91425" anchor="t" anchorCtr="0">
             <a:normAutofit fontScale="90000"/>
           </a:bodyPr>
           <a:lstStyle/>
           <a:p>
-            <a:pPr indent="0" lvl="0" marL="0" rtl="0" algn="l">
+            <a:pPr marL="0" lvl="0" indent="0" algn="l" rtl="0">
               <a:spcBef>
                 <a:spcPts val="0"/>
               </a:spcBef>
@@ -11415,11 +11814,7 @@
             </a:pPr>
             <a:r>
               <a:rPr lang="en"/>
-              <a:t>Complexity</a:t>
-            </a:r>
-            <a:r>
-              <a:rPr lang="en"/>
-              <a:t> of Adj. List with Minimising Heap</a:t>
+              <a:t>Complexity of Adj. List with Minimising Heap</a:t>
             </a:r>
             <a:endParaRPr/>
           </a:p>
@@ -11445,12 +11840,12 @@
           </a:ln>
         </p:spPr>
         <p:txBody>
-          <a:bodyPr anchorCtr="0" anchor="t" bIns="91425" lIns="91425" spcFirstLastPara="1" rIns="91425" wrap="square" tIns="91425">
+          <a:bodyPr spcFirstLastPara="1" wrap="square" lIns="91425" tIns="91425" rIns="91425" bIns="91425" anchor="t" anchorCtr="0">
             <a:spAutoFit/>
           </a:bodyPr>
           <a:lstStyle/>
           <a:p>
-            <a:pPr indent="0" lvl="0" marL="0" marR="0" rtl="0" algn="l">
+            <a:pPr marL="0" marR="0" lvl="0" indent="0" algn="l" rtl="0">
               <a:lnSpc>
                 <a:spcPct val="100000"/>
               </a:lnSpc>
@@ -11485,7 +11880,7 @@
             </a:endParaRPr>
           </a:p>
           <a:p>
-            <a:pPr indent="0" lvl="0" marL="0" marR="0" rtl="0" algn="l">
+            <a:pPr marL="0" marR="0" lvl="0" indent="0" algn="l" rtl="0">
               <a:lnSpc>
                 <a:spcPct val="100000"/>
               </a:lnSpc>
@@ -11497,9 +11892,6 @@
               </a:spcAft>
               <a:buNone/>
             </a:pPr>
-            <a:r>
-              <a:t/>
-            </a:r>
             <a:endParaRPr sz="1700">
               <a:solidFill>
                 <a:schemeClr val="lt1"/>
@@ -11511,7 +11903,7 @@
             </a:endParaRPr>
           </a:p>
           <a:p>
-            <a:pPr indent="0" lvl="0" marL="0" marR="0" rtl="0" algn="l">
+            <a:pPr marL="0" marR="0" lvl="0" indent="0" algn="l" rtl="0">
               <a:lnSpc>
                 <a:spcPct val="100000"/>
               </a:lnSpc>
@@ -11557,7 +11949,7 @@
             </a:endParaRPr>
           </a:p>
           <a:p>
-            <a:pPr indent="0" lvl="0" marL="0" marR="0" rtl="0" algn="l">
+            <a:pPr marL="0" marR="0" lvl="0" indent="0" algn="l" rtl="0">
               <a:lnSpc>
                 <a:spcPct val="100000"/>
               </a:lnSpc>
@@ -11603,7 +11995,7 @@
             </a:endParaRPr>
           </a:p>
           <a:p>
-            <a:pPr indent="0" lvl="0" marL="0" marR="0" rtl="0" algn="l">
+            <a:pPr marL="0" marR="0" lvl="0" indent="0" algn="l" rtl="0">
               <a:lnSpc>
                 <a:spcPct val="100000"/>
               </a:lnSpc>
@@ -11649,7 +12041,7 @@
             </a:endParaRPr>
           </a:p>
           <a:p>
-            <a:pPr indent="0" lvl="0" marL="0" marR="0" rtl="0" algn="l">
+            <a:pPr marL="0" marR="0" lvl="0" indent="0" algn="l" rtl="0">
               <a:lnSpc>
                 <a:spcPct val="100000"/>
               </a:lnSpc>
@@ -11695,7 +12087,7 @@
             </a:endParaRPr>
           </a:p>
           <a:p>
-            <a:pPr indent="0" lvl="0" marL="0" marR="0" rtl="0" algn="l">
+            <a:pPr marL="0" marR="0" lvl="0" indent="0" algn="l" rtl="0">
               <a:lnSpc>
                 <a:spcPct val="100000"/>
               </a:lnSpc>
@@ -11730,7 +12122,7 @@
             </a:endParaRPr>
           </a:p>
           <a:p>
-            <a:pPr indent="0" lvl="0" marL="0" marR="0" rtl="0" algn="l">
+            <a:pPr marL="0" marR="0" lvl="0" indent="0" algn="l" rtl="0">
               <a:lnSpc>
                 <a:spcPct val="100000"/>
               </a:lnSpc>
@@ -11775,7 +12167,288 @@
 </file>
 
 <file path=ppt/theme/theme1.xml><?xml version="1.0" encoding="utf-8"?>
-<a:theme xmlns:a="http://schemas.openxmlformats.org/drawingml/2006/main" xmlns:r="http://schemas.openxmlformats.org/officeDocument/2006/relationships">
+<a:theme xmlns:a="http://schemas.openxmlformats.org/drawingml/2006/main" name="Coral">
+  <a:themeElements>
+    <a:clrScheme name="Coral">
+      <a:dk1>
+        <a:srgbClr val="F55E61"/>
+      </a:dk1>
+      <a:lt1>
+        <a:srgbClr val="FFFFFF"/>
+      </a:lt1>
+      <a:dk2>
+        <a:srgbClr val="5E696C"/>
+      </a:dk2>
+      <a:lt2>
+        <a:srgbClr val="BFC7CA"/>
+      </a:lt2>
+      <a:accent1>
+        <a:srgbClr val="1E2D31"/>
+      </a:accent1>
+      <a:accent2>
+        <a:srgbClr val="273C42"/>
+      </a:accent2>
+      <a:accent3>
+        <a:srgbClr val="83D061"/>
+      </a:accent3>
+      <a:accent4>
+        <a:srgbClr val="F6CD4C"/>
+      </a:accent4>
+      <a:accent5>
+        <a:srgbClr val="AF4345"/>
+      </a:accent5>
+      <a:accent6>
+        <a:srgbClr val="F58F8F"/>
+      </a:accent6>
+      <a:hlink>
+        <a:srgbClr val="AF4345"/>
+      </a:hlink>
+      <a:folHlink>
+        <a:srgbClr val="AF4345"/>
+      </a:folHlink>
+    </a:clrScheme>
+    <a:fontScheme name="Office">
+      <a:majorFont>
+        <a:latin typeface="Arial"/>
+        <a:ea typeface=""/>
+        <a:cs typeface=""/>
+        <a:font script="Jpan" typeface="ＭＳ Ｐゴシック"/>
+        <a:font script="Hang" typeface="맑은 고딕"/>
+        <a:font script="Hans" typeface="宋体"/>
+        <a:font script="Hant" typeface="新細明體"/>
+        <a:font script="Arab" typeface="Times New Roman"/>
+        <a:font script="Hebr" typeface="Times New Roman"/>
+        <a:font script="Thai" typeface="Angsana New"/>
+        <a:font script="Ethi" typeface="Nyala"/>
+        <a:font script="Beng" typeface="Vrinda"/>
+        <a:font script="Gujr" typeface="Shruti"/>
+        <a:font script="Khmr" typeface="MoolBoran"/>
+        <a:font script="Knda" typeface="Tunga"/>
+        <a:font script="Guru" typeface="Raavi"/>
+        <a:font script="Cans" typeface="Euphemia"/>
+        <a:font script="Cher" typeface="Plantagenet Cherokee"/>
+        <a:font script="Yiii" typeface="Microsoft Yi Baiti"/>
+        <a:font script="Tibt" typeface="Microsoft Himalaya"/>
+        <a:font script="Thaa" typeface="MV Boli"/>
+        <a:font script="Deva" typeface="Mangal"/>
+        <a:font script="Telu" typeface="Gautami"/>
+        <a:font script="Taml" typeface="Latha"/>
+        <a:font script="Syrc" typeface="Estrangelo Edessa"/>
+        <a:font script="Orya" typeface="Kalinga"/>
+        <a:font script="Mlym" typeface="Kartika"/>
+        <a:font script="Laoo" typeface="DokChampa"/>
+        <a:font script="Sinh" typeface="Iskoola Pota"/>
+        <a:font script="Mong" typeface="Mongolian Baiti"/>
+        <a:font script="Viet" typeface="Times New Roman"/>
+        <a:font script="Uigh" typeface="Microsoft Uighur"/>
+        <a:font script="Geor" typeface="Sylfaen"/>
+      </a:majorFont>
+      <a:minorFont>
+        <a:latin typeface="Arial"/>
+        <a:ea typeface=""/>
+        <a:cs typeface=""/>
+        <a:font script="Jpan" typeface="ＭＳ Ｐゴシック"/>
+        <a:font script="Hang" typeface="맑은 고딕"/>
+        <a:font script="Hans" typeface="宋体"/>
+        <a:font script="Hant" typeface="新細明體"/>
+        <a:font script="Arab" typeface="Arial"/>
+        <a:font script="Hebr" typeface="Arial"/>
+        <a:font script="Thai" typeface="Cordia New"/>
+        <a:font script="Ethi" typeface="Nyala"/>
+        <a:font script="Beng" typeface="Vrinda"/>
+        <a:font script="Gujr" typeface="Shruti"/>
+        <a:font script="Khmr" typeface="DaunPenh"/>
+        <a:font script="Knda" typeface="Tunga"/>
+        <a:font script="Guru" typeface="Raavi"/>
+        <a:font script="Cans" typeface="Euphemia"/>
+        <a:font script="Cher" typeface="Plantagenet Cherokee"/>
+        <a:font script="Yiii" typeface="Microsoft Yi Baiti"/>
+        <a:font script="Tibt" typeface="Microsoft Himalaya"/>
+        <a:font script="Thaa" typeface="MV Boli"/>
+        <a:font script="Deva" typeface="Mangal"/>
+        <a:font script="Telu" typeface="Gautami"/>
+        <a:font script="Taml" typeface="Latha"/>
+        <a:font script="Syrc" typeface="Estrangelo Edessa"/>
+        <a:font script="Orya" typeface="Kalinga"/>
+        <a:font script="Mlym" typeface="Kartika"/>
+        <a:font script="Laoo" typeface="DokChampa"/>
+        <a:font script="Sinh" typeface="Iskoola Pota"/>
+        <a:font script="Mong" typeface="Mongolian Baiti"/>
+        <a:font script="Viet" typeface="Arial"/>
+        <a:font script="Uigh" typeface="Microsoft Uighur"/>
+        <a:font script="Geor" typeface="Sylfaen"/>
+      </a:minorFont>
+    </a:fontScheme>
+    <a:fmtScheme name="Office">
+      <a:fillStyleLst>
+        <a:solidFill>
+          <a:schemeClr val="phClr"/>
+        </a:solidFill>
+        <a:gradFill rotWithShape="1">
+          <a:gsLst>
+            <a:gs pos="0">
+              <a:schemeClr val="phClr">
+                <a:tint val="50000"/>
+                <a:satMod val="300000"/>
+              </a:schemeClr>
+            </a:gs>
+            <a:gs pos="35000">
+              <a:schemeClr val="phClr">
+                <a:tint val="37000"/>
+                <a:satMod val="300000"/>
+              </a:schemeClr>
+            </a:gs>
+            <a:gs pos="100000">
+              <a:schemeClr val="phClr">
+                <a:tint val="15000"/>
+                <a:satMod val="350000"/>
+              </a:schemeClr>
+            </a:gs>
+          </a:gsLst>
+          <a:lin ang="16200000" scaled="1"/>
+        </a:gradFill>
+        <a:gradFill rotWithShape="1">
+          <a:gsLst>
+            <a:gs pos="0">
+              <a:schemeClr val="phClr">
+                <a:tint val="100000"/>
+                <a:shade val="100000"/>
+                <a:satMod val="130000"/>
+              </a:schemeClr>
+            </a:gs>
+            <a:gs pos="100000">
+              <a:schemeClr val="phClr">
+                <a:tint val="50000"/>
+                <a:shade val="100000"/>
+                <a:satMod val="350000"/>
+              </a:schemeClr>
+            </a:gs>
+          </a:gsLst>
+          <a:lin ang="16200000" scaled="0"/>
+        </a:gradFill>
+      </a:fillStyleLst>
+      <a:lnStyleLst>
+        <a:ln w="9525" cap="flat" cmpd="sng" algn="ctr">
+          <a:solidFill>
+            <a:schemeClr val="phClr">
+              <a:shade val="95000"/>
+              <a:satMod val="105000"/>
+            </a:schemeClr>
+          </a:solidFill>
+          <a:prstDash val="solid"/>
+        </a:ln>
+        <a:ln w="25400" cap="flat" cmpd="sng" algn="ctr">
+          <a:solidFill>
+            <a:schemeClr val="phClr"/>
+          </a:solidFill>
+          <a:prstDash val="solid"/>
+        </a:ln>
+        <a:ln w="38100" cap="flat" cmpd="sng" algn="ctr">
+          <a:solidFill>
+            <a:schemeClr val="phClr"/>
+          </a:solidFill>
+          <a:prstDash val="solid"/>
+        </a:ln>
+      </a:lnStyleLst>
+      <a:effectStyleLst>
+        <a:effectStyle>
+          <a:effectLst>
+            <a:outerShdw blurRad="40000" dist="20000" dir="5400000" rotWithShape="0">
+              <a:srgbClr val="000000">
+                <a:alpha val="38000"/>
+              </a:srgbClr>
+            </a:outerShdw>
+          </a:effectLst>
+        </a:effectStyle>
+        <a:effectStyle>
+          <a:effectLst>
+            <a:outerShdw blurRad="40000" dist="23000" dir="5400000" rotWithShape="0">
+              <a:srgbClr val="000000">
+                <a:alpha val="35000"/>
+              </a:srgbClr>
+            </a:outerShdw>
+          </a:effectLst>
+        </a:effectStyle>
+        <a:effectStyle>
+          <a:effectLst>
+            <a:outerShdw blurRad="40000" dist="23000" dir="5400000" rotWithShape="0">
+              <a:srgbClr val="000000">
+                <a:alpha val="35000"/>
+              </a:srgbClr>
+            </a:outerShdw>
+          </a:effectLst>
+          <a:scene3d>
+            <a:camera prst="orthographicFront">
+              <a:rot lat="0" lon="0" rev="0"/>
+            </a:camera>
+            <a:lightRig rig="threePt" dir="t">
+              <a:rot lat="0" lon="0" rev="1200000"/>
+            </a:lightRig>
+          </a:scene3d>
+          <a:sp3d>
+            <a:bevelT w="63500" h="25400"/>
+          </a:sp3d>
+        </a:effectStyle>
+      </a:effectStyleLst>
+      <a:bgFillStyleLst>
+        <a:solidFill>
+          <a:schemeClr val="phClr"/>
+        </a:solidFill>
+        <a:gradFill rotWithShape="1">
+          <a:gsLst>
+            <a:gs pos="0">
+              <a:schemeClr val="phClr">
+                <a:tint val="40000"/>
+                <a:satMod val="350000"/>
+              </a:schemeClr>
+            </a:gs>
+            <a:gs pos="40000">
+              <a:schemeClr val="phClr">
+                <a:tint val="45000"/>
+                <a:shade val="99000"/>
+                <a:satMod val="350000"/>
+              </a:schemeClr>
+            </a:gs>
+            <a:gs pos="100000">
+              <a:schemeClr val="phClr">
+                <a:shade val="20000"/>
+                <a:satMod val="255000"/>
+              </a:schemeClr>
+            </a:gs>
+          </a:gsLst>
+          <a:path path="circle">
+            <a:fillToRect l="50000" t="-80000" r="50000" b="180000"/>
+          </a:path>
+        </a:gradFill>
+        <a:gradFill rotWithShape="1">
+          <a:gsLst>
+            <a:gs pos="0">
+              <a:schemeClr val="phClr">
+                <a:tint val="80000"/>
+                <a:satMod val="300000"/>
+              </a:schemeClr>
+            </a:gs>
+            <a:gs pos="100000">
+              <a:schemeClr val="phClr">
+                <a:shade val="30000"/>
+                <a:satMod val="200000"/>
+              </a:schemeClr>
+            </a:gs>
+          </a:gsLst>
+          <a:path path="circle">
+            <a:fillToRect l="50000" t="50000" r="50000" b="50000"/>
+          </a:path>
+        </a:gradFill>
+      </a:bgFillStyleLst>
+    </a:fmtScheme>
+  </a:themeElements>
+  <a:objectDefaults/>
+  <a:extraClrSchemeLst/>
+</a:theme>
+</file>
+
+<file path=ppt/theme/theme2.xml><?xml version="1.0" encoding="utf-8"?>
+<a:theme xmlns:a="http://schemas.openxmlformats.org/drawingml/2006/main">
   <a:themeElements>
     <a:clrScheme name="Default">
       <a:dk1>
@@ -12050,284 +12723,7 @@
       </a:bgFillStyleLst>
     </a:fmtScheme>
   </a:themeElements>
-</a:theme>
-</file>
-
-<file path=ppt/theme/theme2.xml><?xml version="1.0" encoding="utf-8"?>
-<a:theme xmlns:a="http://schemas.openxmlformats.org/drawingml/2006/main" xmlns:r="http://schemas.openxmlformats.org/officeDocument/2006/relationships" name="Coral">
-  <a:themeElements>
-    <a:clrScheme name="Coral">
-      <a:dk1>
-        <a:srgbClr val="F55E61"/>
-      </a:dk1>
-      <a:lt1>
-        <a:srgbClr val="FFFFFF"/>
-      </a:lt1>
-      <a:dk2>
-        <a:srgbClr val="5E696C"/>
-      </a:dk2>
-      <a:lt2>
-        <a:srgbClr val="BFC7CA"/>
-      </a:lt2>
-      <a:accent1>
-        <a:srgbClr val="1E2D31"/>
-      </a:accent1>
-      <a:accent2>
-        <a:srgbClr val="273C42"/>
-      </a:accent2>
-      <a:accent3>
-        <a:srgbClr val="83D061"/>
-      </a:accent3>
-      <a:accent4>
-        <a:srgbClr val="F6CD4C"/>
-      </a:accent4>
-      <a:accent5>
-        <a:srgbClr val="AF4345"/>
-      </a:accent5>
-      <a:accent6>
-        <a:srgbClr val="F58F8F"/>
-      </a:accent6>
-      <a:hlink>
-        <a:srgbClr val="AF4345"/>
-      </a:hlink>
-      <a:folHlink>
-        <a:srgbClr val="AF4345"/>
-      </a:folHlink>
-    </a:clrScheme>
-    <a:fontScheme name="Office">
-      <a:majorFont>
-        <a:latin typeface="Arial"/>
-        <a:ea typeface=""/>
-        <a:cs typeface=""/>
-        <a:font script="Jpan" typeface="ＭＳ Ｐゴシック"/>
-        <a:font script="Hang" typeface="맑은 고딕"/>
-        <a:font script="Hans" typeface="宋体"/>
-        <a:font script="Hant" typeface="新細明體"/>
-        <a:font script="Arab" typeface="Times New Roman"/>
-        <a:font script="Hebr" typeface="Times New Roman"/>
-        <a:font script="Thai" typeface="Angsana New"/>
-        <a:font script="Ethi" typeface="Nyala"/>
-        <a:font script="Beng" typeface="Vrinda"/>
-        <a:font script="Gujr" typeface="Shruti"/>
-        <a:font script="Khmr" typeface="MoolBoran"/>
-        <a:font script="Knda" typeface="Tunga"/>
-        <a:font script="Guru" typeface="Raavi"/>
-        <a:font script="Cans" typeface="Euphemia"/>
-        <a:font script="Cher" typeface="Plantagenet Cherokee"/>
-        <a:font script="Yiii" typeface="Microsoft Yi Baiti"/>
-        <a:font script="Tibt" typeface="Microsoft Himalaya"/>
-        <a:font script="Thaa" typeface="MV Boli"/>
-        <a:font script="Deva" typeface="Mangal"/>
-        <a:font script="Telu" typeface="Gautami"/>
-        <a:font script="Taml" typeface="Latha"/>
-        <a:font script="Syrc" typeface="Estrangelo Edessa"/>
-        <a:font script="Orya" typeface="Kalinga"/>
-        <a:font script="Mlym" typeface="Kartika"/>
-        <a:font script="Laoo" typeface="DokChampa"/>
-        <a:font script="Sinh" typeface="Iskoola Pota"/>
-        <a:font script="Mong" typeface="Mongolian Baiti"/>
-        <a:font script="Viet" typeface="Times New Roman"/>
-        <a:font script="Uigh" typeface="Microsoft Uighur"/>
-        <a:font script="Geor" typeface="Sylfaen"/>
-      </a:majorFont>
-      <a:minorFont>
-        <a:latin typeface="Arial"/>
-        <a:ea typeface=""/>
-        <a:cs typeface=""/>
-        <a:font script="Jpan" typeface="ＭＳ Ｐゴシック"/>
-        <a:font script="Hang" typeface="맑은 고딕"/>
-        <a:font script="Hans" typeface="宋体"/>
-        <a:font script="Hant" typeface="新細明體"/>
-        <a:font script="Arab" typeface="Arial"/>
-        <a:font script="Hebr" typeface="Arial"/>
-        <a:font script="Thai" typeface="Cordia New"/>
-        <a:font script="Ethi" typeface="Nyala"/>
-        <a:font script="Beng" typeface="Vrinda"/>
-        <a:font script="Gujr" typeface="Shruti"/>
-        <a:font script="Khmr" typeface="DaunPenh"/>
-        <a:font script="Knda" typeface="Tunga"/>
-        <a:font script="Guru" typeface="Raavi"/>
-        <a:font script="Cans" typeface="Euphemia"/>
-        <a:font script="Cher" typeface="Plantagenet Cherokee"/>
-        <a:font script="Yiii" typeface="Microsoft Yi Baiti"/>
-        <a:font script="Tibt" typeface="Microsoft Himalaya"/>
-        <a:font script="Thaa" typeface="MV Boli"/>
-        <a:font script="Deva" typeface="Mangal"/>
-        <a:font script="Telu" typeface="Gautami"/>
-        <a:font script="Taml" typeface="Latha"/>
-        <a:font script="Syrc" typeface="Estrangelo Edessa"/>
-        <a:font script="Orya" typeface="Kalinga"/>
-        <a:font script="Mlym" typeface="Kartika"/>
-        <a:font script="Laoo" typeface="DokChampa"/>
-        <a:font script="Sinh" typeface="Iskoola Pota"/>
-        <a:font script="Mong" typeface="Mongolian Baiti"/>
-        <a:font script="Viet" typeface="Arial"/>
-        <a:font script="Uigh" typeface="Microsoft Uighur"/>
-        <a:font script="Geor" typeface="Sylfaen"/>
-      </a:minorFont>
-    </a:fontScheme>
-    <a:fmtScheme name="Office">
-      <a:fillStyleLst>
-        <a:solidFill>
-          <a:schemeClr val="phClr"/>
-        </a:solidFill>
-        <a:gradFill rotWithShape="1">
-          <a:gsLst>
-            <a:gs pos="0">
-              <a:schemeClr val="phClr">
-                <a:tint val="50000"/>
-                <a:satMod val="300000"/>
-              </a:schemeClr>
-            </a:gs>
-            <a:gs pos="35000">
-              <a:schemeClr val="phClr">
-                <a:tint val="37000"/>
-                <a:satMod val="300000"/>
-              </a:schemeClr>
-            </a:gs>
-            <a:gs pos="100000">
-              <a:schemeClr val="phClr">
-                <a:tint val="15000"/>
-                <a:satMod val="350000"/>
-              </a:schemeClr>
-            </a:gs>
-          </a:gsLst>
-          <a:lin ang="16200000" scaled="1"/>
-        </a:gradFill>
-        <a:gradFill rotWithShape="1">
-          <a:gsLst>
-            <a:gs pos="0">
-              <a:schemeClr val="phClr">
-                <a:tint val="100000"/>
-                <a:shade val="100000"/>
-                <a:satMod val="130000"/>
-              </a:schemeClr>
-            </a:gs>
-            <a:gs pos="100000">
-              <a:schemeClr val="phClr">
-                <a:tint val="50000"/>
-                <a:shade val="100000"/>
-                <a:satMod val="350000"/>
-              </a:schemeClr>
-            </a:gs>
-          </a:gsLst>
-          <a:lin ang="16200000" scaled="0"/>
-        </a:gradFill>
-      </a:fillStyleLst>
-      <a:lnStyleLst>
-        <a:ln w="9525" cap="flat" cmpd="sng" algn="ctr">
-          <a:solidFill>
-            <a:schemeClr val="phClr">
-              <a:shade val="95000"/>
-              <a:satMod val="105000"/>
-            </a:schemeClr>
-          </a:solidFill>
-          <a:prstDash val="solid"/>
-        </a:ln>
-        <a:ln w="25400" cap="flat" cmpd="sng" algn="ctr">
-          <a:solidFill>
-            <a:schemeClr val="phClr"/>
-          </a:solidFill>
-          <a:prstDash val="solid"/>
-        </a:ln>
-        <a:ln w="38100" cap="flat" cmpd="sng" algn="ctr">
-          <a:solidFill>
-            <a:schemeClr val="phClr"/>
-          </a:solidFill>
-          <a:prstDash val="solid"/>
-        </a:ln>
-      </a:lnStyleLst>
-      <a:effectStyleLst>
-        <a:effectStyle>
-          <a:effectLst>
-            <a:outerShdw blurRad="40000" dist="20000" dir="5400000" rotWithShape="0">
-              <a:srgbClr val="000000">
-                <a:alpha val="38000"/>
-              </a:srgbClr>
-            </a:outerShdw>
-          </a:effectLst>
-        </a:effectStyle>
-        <a:effectStyle>
-          <a:effectLst>
-            <a:outerShdw blurRad="40000" dist="23000" dir="5400000" rotWithShape="0">
-              <a:srgbClr val="000000">
-                <a:alpha val="35000"/>
-              </a:srgbClr>
-            </a:outerShdw>
-          </a:effectLst>
-        </a:effectStyle>
-        <a:effectStyle>
-          <a:effectLst>
-            <a:outerShdw blurRad="40000" dist="23000" dir="5400000" rotWithShape="0">
-              <a:srgbClr val="000000">
-                <a:alpha val="35000"/>
-              </a:srgbClr>
-            </a:outerShdw>
-          </a:effectLst>
-          <a:scene3d>
-            <a:camera prst="orthographicFront">
-              <a:rot lat="0" lon="0" rev="0"/>
-            </a:camera>
-            <a:lightRig rig="threePt" dir="t">
-              <a:rot lat="0" lon="0" rev="1200000"/>
-            </a:lightRig>
-          </a:scene3d>
-          <a:sp3d>
-            <a:bevelT w="63500" h="25400"/>
-          </a:sp3d>
-        </a:effectStyle>
-      </a:effectStyleLst>
-      <a:bgFillStyleLst>
-        <a:solidFill>
-          <a:schemeClr val="phClr"/>
-        </a:solidFill>
-        <a:gradFill rotWithShape="1">
-          <a:gsLst>
-            <a:gs pos="0">
-              <a:schemeClr val="phClr">
-                <a:tint val="40000"/>
-                <a:satMod val="350000"/>
-              </a:schemeClr>
-            </a:gs>
-            <a:gs pos="40000">
-              <a:schemeClr val="phClr">
-                <a:tint val="45000"/>
-                <a:shade val="99000"/>
-                <a:satMod val="350000"/>
-              </a:schemeClr>
-            </a:gs>
-            <a:gs pos="100000">
-              <a:schemeClr val="phClr">
-                <a:shade val="20000"/>
-                <a:satMod val="255000"/>
-              </a:schemeClr>
-            </a:gs>
-          </a:gsLst>
-          <a:path path="circle">
-            <a:fillToRect l="50000" t="-80000" r="50000" b="180000"/>
-          </a:path>
-        </a:gradFill>
-        <a:gradFill rotWithShape="1">
-          <a:gsLst>
-            <a:gs pos="0">
-              <a:schemeClr val="phClr">
-                <a:tint val="80000"/>
-                <a:satMod val="300000"/>
-              </a:schemeClr>
-            </a:gs>
-            <a:gs pos="100000">
-              <a:schemeClr val="phClr">
-                <a:shade val="30000"/>
-                <a:satMod val="200000"/>
-              </a:schemeClr>
-            </a:gs>
-          </a:gsLst>
-          <a:path path="circle">
-            <a:fillToRect l="50000" t="50000" r="50000" b="50000"/>
-          </a:path>
-        </a:gradFill>
-      </a:bgFillStyleLst>
-    </a:fmtScheme>
-  </a:themeElements>
+  <a:objectDefaults/>
+  <a:extraClrSchemeLst/>
 </a:theme>
 </file>